--- a/class2.pptx
+++ b/class2.pptx
@@ -21,23 +21,39 @@
     <p:sldId id="275" r:id="rId15"/>
     <p:sldId id="284" r:id="rId16"/>
     <p:sldId id="276" r:id="rId17"/>
-    <p:sldId id="266" r:id="rId18"/>
-    <p:sldId id="277" r:id="rId19"/>
-    <p:sldId id="279" r:id="rId20"/>
-    <p:sldId id="280" r:id="rId21"/>
-    <p:sldId id="281" r:id="rId22"/>
-    <p:sldId id="282" r:id="rId23"/>
-    <p:sldId id="283" r:id="rId24"/>
-    <p:sldId id="285" r:id="rId25"/>
-    <p:sldId id="286" r:id="rId26"/>
-    <p:sldId id="287" r:id="rId27"/>
-    <p:sldId id="288" r:id="rId28"/>
-    <p:sldId id="289" r:id="rId29"/>
-    <p:sldId id="290" r:id="rId30"/>
+    <p:sldId id="277" r:id="rId18"/>
+    <p:sldId id="279" r:id="rId19"/>
+    <p:sldId id="280" r:id="rId20"/>
+    <p:sldId id="281" r:id="rId21"/>
+    <p:sldId id="282" r:id="rId22"/>
+    <p:sldId id="283" r:id="rId23"/>
+    <p:sldId id="285" r:id="rId24"/>
+    <p:sldId id="286" r:id="rId25"/>
+    <p:sldId id="287" r:id="rId26"/>
+    <p:sldId id="288" r:id="rId27"/>
+    <p:sldId id="289" r:id="rId28"/>
+    <p:sldId id="290" r:id="rId29"/>
+    <p:sldId id="266" r:id="rId30"/>
     <p:sldId id="269" r:id="rId31"/>
     <p:sldId id="270" r:id="rId32"/>
     <p:sldId id="271" r:id="rId33"/>
-    <p:sldId id="268" r:id="rId34"/>
+    <p:sldId id="291" r:id="rId34"/>
+    <p:sldId id="292" r:id="rId35"/>
+    <p:sldId id="293" r:id="rId36"/>
+    <p:sldId id="294" r:id="rId37"/>
+    <p:sldId id="295" r:id="rId38"/>
+    <p:sldId id="296" r:id="rId39"/>
+    <p:sldId id="297" r:id="rId40"/>
+    <p:sldId id="298" r:id="rId41"/>
+    <p:sldId id="299" r:id="rId42"/>
+    <p:sldId id="300" r:id="rId43"/>
+    <p:sldId id="301" r:id="rId44"/>
+    <p:sldId id="302" r:id="rId45"/>
+    <p:sldId id="303" r:id="rId46"/>
+    <p:sldId id="304" r:id="rId47"/>
+    <p:sldId id="305" r:id="rId48"/>
+    <p:sldId id="306" r:id="rId49"/>
+    <p:sldId id="307" r:id="rId50"/>
   </p:sldIdLst>
   <p:sldSz cx="12192000" cy="6858000"/>
   <p:notesSz cx="6858000" cy="9144000"/>
@@ -8937,7 +8953,7 @@
           <a:p>
             <a:fld id="{7CA40E4E-EDB8-443D-BC4E-7843950947DD}" type="datetimeFigureOut">
               <a:rPr lang="en-IN" smtClean="0"/>
-              <a:t>04-06-2024</a:t>
+              <a:t>14-06-2024</a:t>
             </a:fld>
             <a:endParaRPr lang="en-IN"/>
           </a:p>
@@ -9144,7 +9160,7 @@
           <a:p>
             <a:fld id="{7CA40E4E-EDB8-443D-BC4E-7843950947DD}" type="datetimeFigureOut">
               <a:rPr lang="en-IN" smtClean="0"/>
-              <a:t>04-06-2024</a:t>
+              <a:t>14-06-2024</a:t>
             </a:fld>
             <a:endParaRPr lang="en-IN"/>
           </a:p>
@@ -9324,7 +9340,7 @@
           <a:p>
             <a:fld id="{7CA40E4E-EDB8-443D-BC4E-7843950947DD}" type="datetimeFigureOut">
               <a:rPr lang="en-IN" smtClean="0"/>
-              <a:t>04-06-2024</a:t>
+              <a:t>14-06-2024</a:t>
             </a:fld>
             <a:endParaRPr lang="en-IN"/>
           </a:p>
@@ -9529,7 +9545,7 @@
           <a:p>
             <a:fld id="{7CA40E4E-EDB8-443D-BC4E-7843950947DD}" type="datetimeFigureOut">
               <a:rPr lang="en-IN" smtClean="0"/>
-              <a:t>04-06-2024</a:t>
+              <a:t>14-06-2024</a:t>
             </a:fld>
             <a:endParaRPr lang="en-IN"/>
           </a:p>
@@ -18427,7 +18443,7 @@
           <a:p>
             <a:fld id="{7CA40E4E-EDB8-443D-BC4E-7843950947DD}" type="datetimeFigureOut">
               <a:rPr lang="en-IN" smtClean="0"/>
-              <a:t>04-06-2024</a:t>
+              <a:t>14-06-2024</a:t>
             </a:fld>
             <a:endParaRPr lang="en-IN"/>
           </a:p>
@@ -18701,7 +18717,7 @@
           <a:p>
             <a:fld id="{7CA40E4E-EDB8-443D-BC4E-7843950947DD}" type="datetimeFigureOut">
               <a:rPr lang="en-IN" smtClean="0"/>
-              <a:t>04-06-2024</a:t>
+              <a:t>14-06-2024</a:t>
             </a:fld>
             <a:endParaRPr lang="en-IN"/>
           </a:p>
@@ -19099,7 +19115,7 @@
           <a:p>
             <a:fld id="{7CA40E4E-EDB8-443D-BC4E-7843950947DD}" type="datetimeFigureOut">
               <a:rPr lang="en-IN" smtClean="0"/>
-              <a:t>04-06-2024</a:t>
+              <a:t>14-06-2024</a:t>
             </a:fld>
             <a:endParaRPr lang="en-IN"/>
           </a:p>
@@ -19217,7 +19233,7 @@
           <a:p>
             <a:fld id="{7CA40E4E-EDB8-443D-BC4E-7843950947DD}" type="datetimeFigureOut">
               <a:rPr lang="en-IN" smtClean="0"/>
-              <a:t>04-06-2024</a:t>
+              <a:t>14-06-2024</a:t>
             </a:fld>
             <a:endParaRPr lang="en-IN"/>
           </a:p>
@@ -19312,7 +19328,7 @@
           <a:p>
             <a:fld id="{7CA40E4E-EDB8-443D-BC4E-7843950947DD}" type="datetimeFigureOut">
               <a:rPr lang="en-IN" smtClean="0"/>
-              <a:t>04-06-2024</a:t>
+              <a:t>14-06-2024</a:t>
             </a:fld>
             <a:endParaRPr lang="en-IN"/>
           </a:p>
@@ -19602,7 +19618,7 @@
           <a:p>
             <a:fld id="{7CA40E4E-EDB8-443D-BC4E-7843950947DD}" type="datetimeFigureOut">
               <a:rPr lang="en-IN" smtClean="0"/>
-              <a:t>04-06-2024</a:t>
+              <a:t>14-06-2024</a:t>
             </a:fld>
             <a:endParaRPr lang="en-IN"/>
           </a:p>
@@ -19882,7 +19898,7 @@
           <a:p>
             <a:fld id="{7CA40E4E-EDB8-443D-BC4E-7843950947DD}" type="datetimeFigureOut">
               <a:rPr lang="en-IN" smtClean="0"/>
-              <a:t>04-06-2024</a:t>
+              <a:t>14-06-2024</a:t>
             </a:fld>
             <a:endParaRPr lang="en-IN"/>
           </a:p>
@@ -20132,7 +20148,7 @@
           <a:p>
             <a:fld id="{7CA40E4E-EDB8-443D-BC4E-7843950947DD}" type="datetimeFigureOut">
               <a:rPr lang="en-IN" smtClean="0"/>
-              <a:t>04-06-2024</a:t>
+              <a:t>14-06-2024</a:t>
             </a:fld>
             <a:endParaRPr lang="en-IN"/>
           </a:p>
@@ -21696,93 +21712,6 @@
           <p:cNvPr id="2" name="Title 1">
             <a:extLst>
               <a:ext uri="{FF2B5EF4-FFF2-40B4-BE49-F238E27FC236}">
-                <a16:creationId xmlns:a16="http://schemas.microsoft.com/office/drawing/2014/main" id="{0CE41B93-8C91-D84C-BD2A-2020DCF1CE64}"/>
-              </a:ext>
-            </a:extLst>
-          </p:cNvPr>
-          <p:cNvSpPr>
-            <a:spLocks noGrp="1"/>
-          </p:cNvSpPr>
-          <p:nvPr>
-            <p:ph type="title"/>
-          </p:nvPr>
-        </p:nvSpPr>
-        <p:spPr/>
-        <p:txBody>
-          <a:bodyPr/>
-          <a:lstStyle/>
-          <a:p>
-            <a:r>
-              <a:rPr lang="en-IN" dirty="0"/>
-              <a:t>Types of software testing</a:t>
-            </a:r>
-          </a:p>
-        </p:txBody>
-      </p:sp>
-      <p:pic>
-        <p:nvPicPr>
-          <p:cNvPr id="5" name="Content Placeholder 4">
-            <a:extLst>
-              <a:ext uri="{FF2B5EF4-FFF2-40B4-BE49-F238E27FC236}">
-                <a16:creationId xmlns:a16="http://schemas.microsoft.com/office/drawing/2014/main" id="{CD7738DF-B28C-E36D-4D19-B35CA4FA878C}"/>
-              </a:ext>
-            </a:extLst>
-          </p:cNvPr>
-          <p:cNvPicPr>
-            <a:picLocks noGrp="1" noChangeAspect="1"/>
-          </p:cNvPicPr>
-          <p:nvPr>
-            <p:ph idx="1"/>
-          </p:nvPr>
-        </p:nvPicPr>
-        <p:blipFill>
-          <a:blip r:embed="rId2"/>
-          <a:stretch>
-            <a:fillRect/>
-          </a:stretch>
-        </p:blipFill>
-        <p:spPr>
-          <a:xfrm>
-            <a:off x="1024128" y="1915886"/>
-            <a:ext cx="9927772" cy="4680857"/>
-          </a:xfrm>
-        </p:spPr>
-      </p:pic>
-    </p:spTree>
-    <p:extLst>
-      <p:ext uri="{BB962C8B-B14F-4D97-AF65-F5344CB8AC3E}">
-        <p14:creationId xmlns:p14="http://schemas.microsoft.com/office/powerpoint/2010/main" val="3593932398"/>
-      </p:ext>
-    </p:extLst>
-  </p:cSld>
-  <p:clrMapOvr>
-    <a:masterClrMapping/>
-  </p:clrMapOvr>
-</p:sld>
-</file>
-
-<file path=ppt/slides/slide18.xml><?xml version="1.0" encoding="utf-8"?>
-<p:sld xmlns:a="http://schemas.openxmlformats.org/drawingml/2006/main" xmlns:r="http://schemas.openxmlformats.org/officeDocument/2006/relationships" xmlns:p="http://schemas.openxmlformats.org/presentationml/2006/main">
-  <p:cSld>
-    <p:spTree>
-      <p:nvGrpSpPr>
-        <p:cNvPr id="1" name=""/>
-        <p:cNvGrpSpPr/>
-        <p:nvPr/>
-      </p:nvGrpSpPr>
-      <p:grpSpPr>
-        <a:xfrm>
-          <a:off x="0" y="0"/>
-          <a:ext cx="0" cy="0"/>
-          <a:chOff x="0" y="0"/>
-          <a:chExt cx="0" cy="0"/>
-        </a:xfrm>
-      </p:grpSpPr>
-      <p:sp>
-        <p:nvSpPr>
-          <p:cNvPr id="2" name="Title 1">
-            <a:extLst>
-              <a:ext uri="{FF2B5EF4-FFF2-40B4-BE49-F238E27FC236}">
                 <a16:creationId xmlns:a16="http://schemas.microsoft.com/office/drawing/2014/main" id="{0BEC01A5-1FDF-0669-01B8-ECA02DF69B5A}"/>
               </a:ext>
             </a:extLst>
@@ -21946,7 +21875,7 @@
 </p:sld>
 </file>
 
-<file path=ppt/slides/slide19.xml><?xml version="1.0" encoding="utf-8"?>
+<file path=ppt/slides/slide18.xml><?xml version="1.0" encoding="utf-8"?>
 <p:sld xmlns:a="http://schemas.openxmlformats.org/drawingml/2006/main" xmlns:r="http://schemas.openxmlformats.org/officeDocument/2006/relationships" xmlns:p="http://schemas.openxmlformats.org/presentationml/2006/main">
   <p:cSld>
     <p:spTree>
@@ -22024,6 +21953,193 @@
     <p:extLst>
       <p:ext uri="{BB962C8B-B14F-4D97-AF65-F5344CB8AC3E}">
         <p14:creationId xmlns:p14="http://schemas.microsoft.com/office/powerpoint/2010/main" val="1504881575"/>
+      </p:ext>
+    </p:extLst>
+  </p:cSld>
+  <p:clrMapOvr>
+    <a:masterClrMapping/>
+  </p:clrMapOvr>
+</p:sld>
+</file>
+
+<file path=ppt/slides/slide19.xml><?xml version="1.0" encoding="utf-8"?>
+<p:sld xmlns:a="http://schemas.openxmlformats.org/drawingml/2006/main" xmlns:r="http://schemas.openxmlformats.org/officeDocument/2006/relationships" xmlns:p="http://schemas.openxmlformats.org/presentationml/2006/main">
+  <p:cSld>
+    <p:spTree>
+      <p:nvGrpSpPr>
+        <p:cNvPr id="1" name=""/>
+        <p:cNvGrpSpPr/>
+        <p:nvPr/>
+      </p:nvGrpSpPr>
+      <p:grpSpPr>
+        <a:xfrm>
+          <a:off x="0" y="0"/>
+          <a:ext cx="0" cy="0"/>
+          <a:chOff x="0" y="0"/>
+          <a:chExt cx="0" cy="0"/>
+        </a:xfrm>
+      </p:grpSpPr>
+      <p:sp>
+        <p:nvSpPr>
+          <p:cNvPr id="2" name="Title 1">
+            <a:extLst>
+              <a:ext uri="{FF2B5EF4-FFF2-40B4-BE49-F238E27FC236}">
+                <a16:creationId xmlns:a16="http://schemas.microsoft.com/office/drawing/2014/main" id="{1689B1F6-E3E9-6960-2EE0-495360AD911C}"/>
+              </a:ext>
+            </a:extLst>
+          </p:cNvPr>
+          <p:cNvSpPr>
+            <a:spLocks noGrp="1"/>
+          </p:cNvSpPr>
+          <p:nvPr>
+            <p:ph type="title"/>
+          </p:nvPr>
+        </p:nvSpPr>
+        <p:spPr/>
+        <p:txBody>
+          <a:bodyPr/>
+          <a:lstStyle/>
+          <a:p>
+            <a:r>
+              <a:rPr lang="en-IN" dirty="0"/>
+              <a:t>Test strategy</a:t>
+            </a:r>
+          </a:p>
+        </p:txBody>
+      </p:sp>
+      <p:sp>
+        <p:nvSpPr>
+          <p:cNvPr id="3" name="Content Placeholder 2">
+            <a:extLst>
+              <a:ext uri="{FF2B5EF4-FFF2-40B4-BE49-F238E27FC236}">
+                <a16:creationId xmlns:a16="http://schemas.microsoft.com/office/drawing/2014/main" id="{F038AE1A-20D6-F160-F956-6D660FD31AE8}"/>
+              </a:ext>
+            </a:extLst>
+          </p:cNvPr>
+          <p:cNvSpPr>
+            <a:spLocks noGrp="1"/>
+          </p:cNvSpPr>
+          <p:nvPr>
+            <p:ph idx="1"/>
+          </p:nvPr>
+        </p:nvSpPr>
+        <p:spPr/>
+        <p:txBody>
+          <a:bodyPr/>
+          <a:lstStyle/>
+          <a:p>
+            <a:r>
+              <a:rPr lang="en-US" b="0" i="0" dirty="0">
+                <a:solidFill>
+                  <a:srgbClr val="000000"/>
+                </a:solidFill>
+                <a:effectLst/>
+                <a:latin typeface="Inter"/>
+              </a:rPr>
+              <a:t>Test strategy is a high-level plan consisting of principles that guide the overall software testing process. It provides a structured approach to the entire QA team, guiding them toward achieving testing objectives in the most efficient way.</a:t>
+            </a:r>
+          </a:p>
+          <a:p>
+            <a:pPr algn="l" rtl="0" fontAlgn="base"/>
+            <a:r>
+              <a:rPr lang="en-US" b="0" i="0" dirty="0">
+                <a:solidFill>
+                  <a:srgbClr val="273239"/>
+                </a:solidFill>
+                <a:effectLst/>
+                <a:highlight>
+                  <a:srgbClr val="FFFFFF"/>
+                </a:highlight>
+                <a:latin typeface="Nunito" pitchFamily="2" charset="0"/>
+              </a:rPr>
+              <a:t>In addition, the test strategy provides the following details, which are required while writing the test document:</a:t>
+            </a:r>
+          </a:p>
+          <a:p>
+            <a:pPr algn="l" fontAlgn="base">
+              <a:buFont typeface="Arial" panose="020B0604020202020204" pitchFamily="34" charset="0"/>
+              <a:buChar char="•"/>
+            </a:pPr>
+            <a:r>
+              <a:rPr lang="en-US" b="0" i="0" dirty="0">
+                <a:solidFill>
+                  <a:srgbClr val="273239"/>
+                </a:solidFill>
+                <a:effectLst/>
+                <a:highlight>
+                  <a:srgbClr val="FFFFFF"/>
+                </a:highlight>
+                <a:latin typeface="Nunito" pitchFamily="2" charset="0"/>
+              </a:rPr>
+              <a:t>What technique must be used in addition to this?</a:t>
+            </a:r>
+          </a:p>
+          <a:p>
+            <a:pPr algn="l" fontAlgn="base">
+              <a:buFont typeface="Arial" panose="020B0604020202020204" pitchFamily="34" charset="0"/>
+              <a:buChar char="•"/>
+            </a:pPr>
+            <a:r>
+              <a:rPr lang="en-US" b="0" i="0" dirty="0">
+                <a:solidFill>
+                  <a:srgbClr val="273239"/>
+                </a:solidFill>
+                <a:effectLst/>
+                <a:highlight>
+                  <a:srgbClr val="FFFFFF"/>
+                </a:highlight>
+                <a:latin typeface="Nunito" pitchFamily="2" charset="0"/>
+              </a:rPr>
+              <a:t>Which of the modules will be examined?</a:t>
+            </a:r>
+          </a:p>
+          <a:p>
+            <a:pPr algn="l" fontAlgn="base">
+              <a:buFont typeface="Arial" panose="020B0604020202020204" pitchFamily="34" charset="0"/>
+              <a:buChar char="•"/>
+            </a:pPr>
+            <a:r>
+              <a:rPr lang="en-US" b="0" i="0" dirty="0">
+                <a:solidFill>
+                  <a:srgbClr val="273239"/>
+                </a:solidFill>
+                <a:effectLst/>
+                <a:highlight>
+                  <a:srgbClr val="FFFFFF"/>
+                </a:highlight>
+                <a:latin typeface="Nunito" pitchFamily="2" charset="0"/>
+              </a:rPr>
+              <a:t>What criteria apply for entry and exit?</a:t>
+            </a:r>
+          </a:p>
+          <a:p>
+            <a:pPr algn="l" fontAlgn="base">
+              <a:buFont typeface="Arial" panose="020B0604020202020204" pitchFamily="34" charset="0"/>
+              <a:buChar char="•"/>
+            </a:pPr>
+            <a:r>
+              <a:rPr lang="en-US" b="0" i="0" dirty="0">
+                <a:solidFill>
+                  <a:srgbClr val="273239"/>
+                </a:solidFill>
+                <a:effectLst/>
+                <a:highlight>
+                  <a:srgbClr val="FFFFFF"/>
+                </a:highlight>
+                <a:latin typeface="Nunito" pitchFamily="2" charset="0"/>
+              </a:rPr>
+              <a:t>What kind of testing is necessary?</a:t>
+            </a:r>
+          </a:p>
+          <a:p>
+            <a:endParaRPr lang="en-IN" dirty="0"/>
+          </a:p>
+        </p:txBody>
+      </p:sp>
+    </p:spTree>
+    <p:extLst>
+      <p:ext uri="{BB962C8B-B14F-4D97-AF65-F5344CB8AC3E}">
+        <p14:creationId xmlns:p14="http://schemas.microsoft.com/office/powerpoint/2010/main" val="1432547747"/>
       </p:ext>
     </p:extLst>
   </p:cSld>
@@ -22331,193 +22447,6 @@
           <p:cNvPr id="2" name="Title 1">
             <a:extLst>
               <a:ext uri="{FF2B5EF4-FFF2-40B4-BE49-F238E27FC236}">
-                <a16:creationId xmlns:a16="http://schemas.microsoft.com/office/drawing/2014/main" id="{1689B1F6-E3E9-6960-2EE0-495360AD911C}"/>
-              </a:ext>
-            </a:extLst>
-          </p:cNvPr>
-          <p:cNvSpPr>
-            <a:spLocks noGrp="1"/>
-          </p:cNvSpPr>
-          <p:nvPr>
-            <p:ph type="title"/>
-          </p:nvPr>
-        </p:nvSpPr>
-        <p:spPr/>
-        <p:txBody>
-          <a:bodyPr/>
-          <a:lstStyle/>
-          <a:p>
-            <a:r>
-              <a:rPr lang="en-IN" dirty="0"/>
-              <a:t>Test strategy</a:t>
-            </a:r>
-          </a:p>
-        </p:txBody>
-      </p:sp>
-      <p:sp>
-        <p:nvSpPr>
-          <p:cNvPr id="3" name="Content Placeholder 2">
-            <a:extLst>
-              <a:ext uri="{FF2B5EF4-FFF2-40B4-BE49-F238E27FC236}">
-                <a16:creationId xmlns:a16="http://schemas.microsoft.com/office/drawing/2014/main" id="{F038AE1A-20D6-F160-F956-6D660FD31AE8}"/>
-              </a:ext>
-            </a:extLst>
-          </p:cNvPr>
-          <p:cNvSpPr>
-            <a:spLocks noGrp="1"/>
-          </p:cNvSpPr>
-          <p:nvPr>
-            <p:ph idx="1"/>
-          </p:nvPr>
-        </p:nvSpPr>
-        <p:spPr/>
-        <p:txBody>
-          <a:bodyPr/>
-          <a:lstStyle/>
-          <a:p>
-            <a:r>
-              <a:rPr lang="en-US" b="0" i="0" dirty="0">
-                <a:solidFill>
-                  <a:srgbClr val="000000"/>
-                </a:solidFill>
-                <a:effectLst/>
-                <a:latin typeface="Inter"/>
-              </a:rPr>
-              <a:t>Test strategy is a high-level plan consisting of principles that guide the overall software testing process. It provides a structured approach to the entire QA team, guiding them toward achieving testing objectives in the most efficient way.</a:t>
-            </a:r>
-          </a:p>
-          <a:p>
-            <a:pPr algn="l" rtl="0" fontAlgn="base"/>
-            <a:r>
-              <a:rPr lang="en-US" b="0" i="0" dirty="0">
-                <a:solidFill>
-                  <a:srgbClr val="273239"/>
-                </a:solidFill>
-                <a:effectLst/>
-                <a:highlight>
-                  <a:srgbClr val="FFFFFF"/>
-                </a:highlight>
-                <a:latin typeface="Nunito" pitchFamily="2" charset="0"/>
-              </a:rPr>
-              <a:t>In addition, the test strategy provides the following details, which are required while writing the test document:</a:t>
-            </a:r>
-          </a:p>
-          <a:p>
-            <a:pPr algn="l" fontAlgn="base">
-              <a:buFont typeface="Arial" panose="020B0604020202020204" pitchFamily="34" charset="0"/>
-              <a:buChar char="•"/>
-            </a:pPr>
-            <a:r>
-              <a:rPr lang="en-US" b="0" i="0" dirty="0">
-                <a:solidFill>
-                  <a:srgbClr val="273239"/>
-                </a:solidFill>
-                <a:effectLst/>
-                <a:highlight>
-                  <a:srgbClr val="FFFFFF"/>
-                </a:highlight>
-                <a:latin typeface="Nunito" pitchFamily="2" charset="0"/>
-              </a:rPr>
-              <a:t>What technique must be used in addition to this?</a:t>
-            </a:r>
-          </a:p>
-          <a:p>
-            <a:pPr algn="l" fontAlgn="base">
-              <a:buFont typeface="Arial" panose="020B0604020202020204" pitchFamily="34" charset="0"/>
-              <a:buChar char="•"/>
-            </a:pPr>
-            <a:r>
-              <a:rPr lang="en-US" b="0" i="0" dirty="0">
-                <a:solidFill>
-                  <a:srgbClr val="273239"/>
-                </a:solidFill>
-                <a:effectLst/>
-                <a:highlight>
-                  <a:srgbClr val="FFFFFF"/>
-                </a:highlight>
-                <a:latin typeface="Nunito" pitchFamily="2" charset="0"/>
-              </a:rPr>
-              <a:t>Which of the modules will be examined?</a:t>
-            </a:r>
-          </a:p>
-          <a:p>
-            <a:pPr algn="l" fontAlgn="base">
-              <a:buFont typeface="Arial" panose="020B0604020202020204" pitchFamily="34" charset="0"/>
-              <a:buChar char="•"/>
-            </a:pPr>
-            <a:r>
-              <a:rPr lang="en-US" b="0" i="0" dirty="0">
-                <a:solidFill>
-                  <a:srgbClr val="273239"/>
-                </a:solidFill>
-                <a:effectLst/>
-                <a:highlight>
-                  <a:srgbClr val="FFFFFF"/>
-                </a:highlight>
-                <a:latin typeface="Nunito" pitchFamily="2" charset="0"/>
-              </a:rPr>
-              <a:t>What criteria apply for entry and exit?</a:t>
-            </a:r>
-          </a:p>
-          <a:p>
-            <a:pPr algn="l" fontAlgn="base">
-              <a:buFont typeface="Arial" panose="020B0604020202020204" pitchFamily="34" charset="0"/>
-              <a:buChar char="•"/>
-            </a:pPr>
-            <a:r>
-              <a:rPr lang="en-US" b="0" i="0" dirty="0">
-                <a:solidFill>
-                  <a:srgbClr val="273239"/>
-                </a:solidFill>
-                <a:effectLst/>
-                <a:highlight>
-                  <a:srgbClr val="FFFFFF"/>
-                </a:highlight>
-                <a:latin typeface="Nunito" pitchFamily="2" charset="0"/>
-              </a:rPr>
-              <a:t>What kind of testing is necessary?</a:t>
-            </a:r>
-          </a:p>
-          <a:p>
-            <a:endParaRPr lang="en-IN" dirty="0"/>
-          </a:p>
-        </p:txBody>
-      </p:sp>
-    </p:spTree>
-    <p:extLst>
-      <p:ext uri="{BB962C8B-B14F-4D97-AF65-F5344CB8AC3E}">
-        <p14:creationId xmlns:p14="http://schemas.microsoft.com/office/powerpoint/2010/main" val="1432547747"/>
-      </p:ext>
-    </p:extLst>
-  </p:cSld>
-  <p:clrMapOvr>
-    <a:masterClrMapping/>
-  </p:clrMapOvr>
-</p:sld>
-</file>
-
-<file path=ppt/slides/slide21.xml><?xml version="1.0" encoding="utf-8"?>
-<p:sld xmlns:a="http://schemas.openxmlformats.org/drawingml/2006/main" xmlns:r="http://schemas.openxmlformats.org/officeDocument/2006/relationships" xmlns:p="http://schemas.openxmlformats.org/presentationml/2006/main">
-  <p:cSld>
-    <p:spTree>
-      <p:nvGrpSpPr>
-        <p:cNvPr id="1" name=""/>
-        <p:cNvGrpSpPr/>
-        <p:nvPr/>
-      </p:nvGrpSpPr>
-      <p:grpSpPr>
-        <a:xfrm>
-          <a:off x="0" y="0"/>
-          <a:ext cx="0" cy="0"/>
-          <a:chOff x="0" y="0"/>
-          <a:chExt cx="0" cy="0"/>
-        </a:xfrm>
-      </p:grpSpPr>
-      <p:sp>
-        <p:nvSpPr>
-          <p:cNvPr id="2" name="Title 1">
-            <a:extLst>
-              <a:ext uri="{FF2B5EF4-FFF2-40B4-BE49-F238E27FC236}">
                 <a16:creationId xmlns:a16="http://schemas.microsoft.com/office/drawing/2014/main" id="{3D99431F-36B1-8EB9-C60D-2152B116274C}"/>
               </a:ext>
             </a:extLst>
@@ -22609,7 +22538,7 @@
 </p:sld>
 </file>
 
-<file path=ppt/slides/slide22.xml><?xml version="1.0" encoding="utf-8"?>
+<file path=ppt/slides/slide21.xml><?xml version="1.0" encoding="utf-8"?>
 <p:sld xmlns:a="http://schemas.openxmlformats.org/drawingml/2006/main" xmlns:r="http://schemas.openxmlformats.org/officeDocument/2006/relationships" xmlns:p="http://schemas.openxmlformats.org/presentationml/2006/main">
   <p:cSld>
     <p:spTree>
@@ -22696,7 +22625,7 @@
 </p:sld>
 </file>
 
-<file path=ppt/slides/slide23.xml><?xml version="1.0" encoding="utf-8"?>
+<file path=ppt/slides/slide22.xml><?xml version="1.0" encoding="utf-8"?>
 <p:sld xmlns:a="http://schemas.openxmlformats.org/drawingml/2006/main" xmlns:r="http://schemas.openxmlformats.org/officeDocument/2006/relationships" xmlns:p="http://schemas.openxmlformats.org/presentationml/2006/main">
   <p:cSld>
     <p:spTree>
@@ -22818,7 +22747,7 @@
 </p:sld>
 </file>
 
-<file path=ppt/slides/slide24.xml><?xml version="1.0" encoding="utf-8"?>
+<file path=ppt/slides/slide23.xml><?xml version="1.0" encoding="utf-8"?>
 <p:sld xmlns:a="http://schemas.openxmlformats.org/drawingml/2006/main" xmlns:r="http://schemas.openxmlformats.org/officeDocument/2006/relationships" xmlns:p="http://schemas.openxmlformats.org/presentationml/2006/main">
   <p:cSld>
     <p:spTree>
@@ -23085,7 +23014,7 @@
 </p:sld>
 </file>
 
-<file path=ppt/slides/slide25.xml><?xml version="1.0" encoding="utf-8"?>
+<file path=ppt/slides/slide24.xml><?xml version="1.0" encoding="utf-8"?>
 <p:sld xmlns:a="http://schemas.openxmlformats.org/drawingml/2006/main" xmlns:r="http://schemas.openxmlformats.org/officeDocument/2006/relationships" xmlns:p="http://schemas.openxmlformats.org/presentationml/2006/main">
   <p:cSld>
     <p:spTree>
@@ -23362,7 +23291,7 @@
 </p:sld>
 </file>
 
-<file path=ppt/slides/slide26.xml><?xml version="1.0" encoding="utf-8"?>
+<file path=ppt/slides/slide25.xml><?xml version="1.0" encoding="utf-8"?>
 <p:sld xmlns:a="http://schemas.openxmlformats.org/drawingml/2006/main" xmlns:r="http://schemas.openxmlformats.org/officeDocument/2006/relationships" xmlns:p="http://schemas.openxmlformats.org/presentationml/2006/main">
   <p:cSld>
     <p:spTree>
@@ -23449,7 +23378,7 @@
 </p:sld>
 </file>
 
-<file path=ppt/slides/slide27.xml><?xml version="1.0" encoding="utf-8"?>
+<file path=ppt/slides/slide26.xml><?xml version="1.0" encoding="utf-8"?>
 <p:sld xmlns:a="http://schemas.openxmlformats.org/drawingml/2006/main" xmlns:r="http://schemas.openxmlformats.org/officeDocument/2006/relationships" xmlns:p="http://schemas.openxmlformats.org/presentationml/2006/main">
   <p:cSld>
     <p:spTree>
@@ -23545,7 +23474,7 @@
 </p:sld>
 </file>
 
-<file path=ppt/slides/slide28.xml><?xml version="1.0" encoding="utf-8"?>
+<file path=ppt/slides/slide27.xml><?xml version="1.0" encoding="utf-8"?>
 <p:sld xmlns:a="http://schemas.openxmlformats.org/drawingml/2006/main" xmlns:r="http://schemas.openxmlformats.org/officeDocument/2006/relationships" xmlns:p="http://schemas.openxmlformats.org/presentationml/2006/main">
   <p:cSld>
     <p:spTree>
@@ -23758,7 +23687,7 @@
 </p:sld>
 </file>
 
-<file path=ppt/slides/slide29.xml><?xml version="1.0" encoding="utf-8"?>
+<file path=ppt/slides/slide28.xml><?xml version="1.0" encoding="utf-8"?>
 <p:sld xmlns:a="http://schemas.openxmlformats.org/drawingml/2006/main" xmlns:r="http://schemas.openxmlformats.org/officeDocument/2006/relationships" xmlns:p="http://schemas.openxmlformats.org/presentationml/2006/main">
   <p:cSld>
     <p:spTree>
@@ -23912,6 +23841,93 @@
     <p:extLst>
       <p:ext uri="{BB962C8B-B14F-4D97-AF65-F5344CB8AC3E}">
         <p14:creationId xmlns:p14="http://schemas.microsoft.com/office/powerpoint/2010/main" val="546612875"/>
+      </p:ext>
+    </p:extLst>
+  </p:cSld>
+  <p:clrMapOvr>
+    <a:masterClrMapping/>
+  </p:clrMapOvr>
+</p:sld>
+</file>
+
+<file path=ppt/slides/slide29.xml><?xml version="1.0" encoding="utf-8"?>
+<p:sld xmlns:a="http://schemas.openxmlformats.org/drawingml/2006/main" xmlns:r="http://schemas.openxmlformats.org/officeDocument/2006/relationships" xmlns:p="http://schemas.openxmlformats.org/presentationml/2006/main">
+  <p:cSld>
+    <p:spTree>
+      <p:nvGrpSpPr>
+        <p:cNvPr id="1" name=""/>
+        <p:cNvGrpSpPr/>
+        <p:nvPr/>
+      </p:nvGrpSpPr>
+      <p:grpSpPr>
+        <a:xfrm>
+          <a:off x="0" y="0"/>
+          <a:ext cx="0" cy="0"/>
+          <a:chOff x="0" y="0"/>
+          <a:chExt cx="0" cy="0"/>
+        </a:xfrm>
+      </p:grpSpPr>
+      <p:sp>
+        <p:nvSpPr>
+          <p:cNvPr id="2" name="Title 1">
+            <a:extLst>
+              <a:ext uri="{FF2B5EF4-FFF2-40B4-BE49-F238E27FC236}">
+                <a16:creationId xmlns:a16="http://schemas.microsoft.com/office/drawing/2014/main" id="{0CE41B93-8C91-D84C-BD2A-2020DCF1CE64}"/>
+              </a:ext>
+            </a:extLst>
+          </p:cNvPr>
+          <p:cNvSpPr>
+            <a:spLocks noGrp="1"/>
+          </p:cNvSpPr>
+          <p:nvPr>
+            <p:ph type="title"/>
+          </p:nvPr>
+        </p:nvSpPr>
+        <p:spPr/>
+        <p:txBody>
+          <a:bodyPr/>
+          <a:lstStyle/>
+          <a:p>
+            <a:r>
+              <a:rPr lang="en-IN" dirty="0"/>
+              <a:t>Types of software testing</a:t>
+            </a:r>
+          </a:p>
+        </p:txBody>
+      </p:sp>
+      <p:pic>
+        <p:nvPicPr>
+          <p:cNvPr id="5" name="Content Placeholder 4">
+            <a:extLst>
+              <a:ext uri="{FF2B5EF4-FFF2-40B4-BE49-F238E27FC236}">
+                <a16:creationId xmlns:a16="http://schemas.microsoft.com/office/drawing/2014/main" id="{CD7738DF-B28C-E36D-4D19-B35CA4FA878C}"/>
+              </a:ext>
+            </a:extLst>
+          </p:cNvPr>
+          <p:cNvPicPr>
+            <a:picLocks noGrp="1" noChangeAspect="1"/>
+          </p:cNvPicPr>
+          <p:nvPr>
+            <p:ph idx="1"/>
+          </p:nvPr>
+        </p:nvPicPr>
+        <p:blipFill>
+          <a:blip r:embed="rId2"/>
+          <a:stretch>
+            <a:fillRect/>
+          </a:stretch>
+        </p:blipFill>
+        <p:spPr>
+          <a:xfrm>
+            <a:off x="1024128" y="1915886"/>
+            <a:ext cx="9927772" cy="4680857"/>
+          </a:xfrm>
+        </p:spPr>
+      </p:pic>
+    </p:spTree>
+    <p:extLst>
+      <p:ext uri="{BB962C8B-B14F-4D97-AF65-F5344CB8AC3E}">
+        <p14:creationId xmlns:p14="http://schemas.microsoft.com/office/powerpoint/2010/main" val="3593932398"/>
       </p:ext>
     </p:extLst>
   </p:cSld>
@@ -24496,7 +24512,7 @@
           <p:cNvPr id="2" name="Title 1">
             <a:extLst>
               <a:ext uri="{FF2B5EF4-FFF2-40B4-BE49-F238E27FC236}">
-                <a16:creationId xmlns:a16="http://schemas.microsoft.com/office/drawing/2014/main" id="{B7FD5203-F2AD-DDCE-4D7B-1DEA3905BAF9}"/>
+                <a16:creationId xmlns:a16="http://schemas.microsoft.com/office/drawing/2014/main" id="{5BF65921-9345-DEFB-F469-09CD487CA20C}"/>
               </a:ext>
             </a:extLst>
           </p:cNvPr>
@@ -24514,7 +24530,7 @@
           <a:p>
             <a:r>
               <a:rPr lang="en-IN" dirty="0"/>
-              <a:t>Unit testing</a:t>
+              <a:t>White box testing technique</a:t>
             </a:r>
           </a:p>
         </p:txBody>
@@ -24524,7 +24540,7 @@
           <p:cNvPr id="3" name="Content Placeholder 2">
             <a:extLst>
               <a:ext uri="{FF2B5EF4-FFF2-40B4-BE49-F238E27FC236}">
-                <a16:creationId xmlns:a16="http://schemas.microsoft.com/office/drawing/2014/main" id="{FBEEF9A0-F5F6-EA55-ECC1-E6684D41B232}"/>
+                <a16:creationId xmlns:a16="http://schemas.microsoft.com/office/drawing/2014/main" id="{D851095C-CEDE-E5F6-A69C-859BCD93E59A}"/>
               </a:ext>
             </a:extLst>
           </p:cNvPr>
@@ -24540,6 +24556,23 @@
           <a:bodyPr/>
           <a:lstStyle/>
           <a:p>
+            <a:pPr algn="l" fontAlgn="base"/>
+            <a:r>
+              <a:rPr lang="en-US" b="1" i="0" dirty="0">
+                <a:solidFill>
+                  <a:srgbClr val="273239"/>
+                </a:solidFill>
+                <a:effectLst/>
+                <a:highlight>
+                  <a:srgbClr val="FFFFFF"/>
+                </a:highlight>
+                <a:latin typeface="Nunito" pitchFamily="2" charset="0"/>
+              </a:rPr>
+              <a:t>Condition Coverage</a:t>
+            </a:r>
+          </a:p>
+          <a:p>
+            <a:pPr algn="l" rtl="0" fontAlgn="base"/>
             <a:r>
               <a:rPr lang="en-US" b="0" i="0" dirty="0">
                 <a:solidFill>
@@ -24551,19 +24584,14 @@
                 </a:highlight>
                 <a:latin typeface="Nunito" pitchFamily="2" charset="0"/>
               </a:rPr>
-              <a:t>Unit testing is a type of </a:t>
-            </a:r>
-            <a:r>
-              <a:rPr lang="en-US" b="1" i="0" u="sng" dirty="0">
-                <a:effectLst/>
-                <a:highlight>
-                  <a:srgbClr val="FFFFFF"/>
-                </a:highlight>
-                <a:latin typeface="Nunito" pitchFamily="2" charset="0"/>
-                <a:hlinkClick r:id="rId2"/>
-              </a:rPr>
-              <a:t>software testing</a:t>
-            </a:r>
+              <a:t>In this technique, all individual conditions must be covered as shown in the following example:</a:t>
+            </a:r>
+          </a:p>
+          <a:p>
+            <a:pPr algn="l" fontAlgn="base">
+              <a:buFont typeface="Arial" panose="020B0604020202020204" pitchFamily="34" charset="0"/>
+              <a:buChar char="•"/>
+            </a:pPr>
             <a:r>
               <a:rPr lang="en-US" b="0" i="0" dirty="0">
                 <a:solidFill>
@@ -24575,7 +24603,499 @@
                 </a:highlight>
                 <a:latin typeface="Nunito" pitchFamily="2" charset="0"/>
               </a:rPr>
-              <a:t> that focuses on individual units or components of a software system. The purpose of unit testing is to validate that each unit of the software works as intended and meets the requirements. Developers typically perform unit testing, and it is performed early in the development process before the code is integrated and tested as a whole system.</a:t>
+              <a:t>READ X, Y</a:t>
+            </a:r>
+          </a:p>
+          <a:p>
+            <a:pPr algn="l" fontAlgn="base">
+              <a:buFont typeface="Arial" panose="020B0604020202020204" pitchFamily="34" charset="0"/>
+              <a:buChar char="•"/>
+            </a:pPr>
+            <a:r>
+              <a:rPr lang="en-US" b="0" i="0" dirty="0">
+                <a:solidFill>
+                  <a:srgbClr val="273239"/>
+                </a:solidFill>
+                <a:effectLst/>
+                <a:highlight>
+                  <a:srgbClr val="FFFFFF"/>
+                </a:highlight>
+                <a:latin typeface="Nunito" pitchFamily="2" charset="0"/>
+              </a:rPr>
+              <a:t>IF(X == 0 || Y == 0)</a:t>
+            </a:r>
+          </a:p>
+          <a:p>
+            <a:pPr algn="l" fontAlgn="base">
+              <a:buFont typeface="Arial" panose="020B0604020202020204" pitchFamily="34" charset="0"/>
+              <a:buChar char="•"/>
+            </a:pPr>
+            <a:r>
+              <a:rPr lang="en-US" b="0" i="0" dirty="0">
+                <a:solidFill>
+                  <a:srgbClr val="273239"/>
+                </a:solidFill>
+                <a:effectLst/>
+                <a:highlight>
+                  <a:srgbClr val="FFFFFF"/>
+                </a:highlight>
+                <a:latin typeface="Nunito" pitchFamily="2" charset="0"/>
+              </a:rPr>
+              <a:t>PRINT ‘0’</a:t>
+            </a:r>
+          </a:p>
+          <a:p>
+            <a:pPr algn="l" fontAlgn="base">
+              <a:buFont typeface="Arial" panose="020B0604020202020204" pitchFamily="34" charset="0"/>
+              <a:buChar char="•"/>
+            </a:pPr>
+            <a:r>
+              <a:rPr lang="en-US" b="0" i="0" dirty="0">
+                <a:solidFill>
+                  <a:srgbClr val="273239"/>
+                </a:solidFill>
+                <a:effectLst/>
+                <a:highlight>
+                  <a:srgbClr val="FFFFFF"/>
+                </a:highlight>
+                <a:latin typeface="Nunito" pitchFamily="2" charset="0"/>
+              </a:rPr>
+              <a:t>#TC1 – X = 0, Y = 55</a:t>
+            </a:r>
+          </a:p>
+          <a:p>
+            <a:pPr algn="l" fontAlgn="base">
+              <a:buFont typeface="Arial" panose="020B0604020202020204" pitchFamily="34" charset="0"/>
+              <a:buChar char="•"/>
+            </a:pPr>
+            <a:r>
+              <a:rPr lang="en-US" b="0" i="0" dirty="0">
+                <a:solidFill>
+                  <a:srgbClr val="273239"/>
+                </a:solidFill>
+                <a:effectLst/>
+                <a:highlight>
+                  <a:srgbClr val="FFFFFF"/>
+                </a:highlight>
+                <a:latin typeface="Nunito" pitchFamily="2" charset="0"/>
+              </a:rPr>
+              <a:t>#TC2 – X = 5, Y = 0</a:t>
+            </a:r>
+          </a:p>
+          <a:p>
+            <a:endParaRPr lang="en-IN" dirty="0"/>
+          </a:p>
+        </p:txBody>
+      </p:sp>
+    </p:spTree>
+    <p:extLst>
+      <p:ext uri="{BB962C8B-B14F-4D97-AF65-F5344CB8AC3E}">
+        <p14:creationId xmlns:p14="http://schemas.microsoft.com/office/powerpoint/2010/main" val="1210741138"/>
+      </p:ext>
+    </p:extLst>
+  </p:cSld>
+  <p:clrMapOvr>
+    <a:masterClrMapping/>
+  </p:clrMapOvr>
+</p:sld>
+</file>
+
+<file path=ppt/slides/slide34.xml><?xml version="1.0" encoding="utf-8"?>
+<p:sld xmlns:a="http://schemas.openxmlformats.org/drawingml/2006/main" xmlns:r="http://schemas.openxmlformats.org/officeDocument/2006/relationships" xmlns:p="http://schemas.openxmlformats.org/presentationml/2006/main">
+  <p:cSld>
+    <p:spTree>
+      <p:nvGrpSpPr>
+        <p:cNvPr id="1" name=""/>
+        <p:cNvGrpSpPr/>
+        <p:nvPr/>
+      </p:nvGrpSpPr>
+      <p:grpSpPr>
+        <a:xfrm>
+          <a:off x="0" y="0"/>
+          <a:ext cx="0" cy="0"/>
+          <a:chOff x="0" y="0"/>
+          <a:chExt cx="0" cy="0"/>
+        </a:xfrm>
+      </p:grpSpPr>
+      <p:sp>
+        <p:nvSpPr>
+          <p:cNvPr id="2" name="Title 1">
+            <a:extLst>
+              <a:ext uri="{FF2B5EF4-FFF2-40B4-BE49-F238E27FC236}">
+                <a16:creationId xmlns:a16="http://schemas.microsoft.com/office/drawing/2014/main" id="{7A9A399B-E3F1-340B-69AB-19EB33B720D8}"/>
+              </a:ext>
+            </a:extLst>
+          </p:cNvPr>
+          <p:cNvSpPr>
+            <a:spLocks noGrp="1"/>
+          </p:cNvSpPr>
+          <p:nvPr>
+            <p:ph type="title"/>
+          </p:nvPr>
+        </p:nvSpPr>
+        <p:spPr/>
+        <p:txBody>
+          <a:bodyPr/>
+          <a:lstStyle/>
+          <a:p>
+            <a:r>
+              <a:rPr lang="en-IN" dirty="0"/>
+              <a:t>White box testing technique</a:t>
+            </a:r>
+          </a:p>
+        </p:txBody>
+      </p:sp>
+      <p:sp>
+        <p:nvSpPr>
+          <p:cNvPr id="3" name="Content Placeholder 2">
+            <a:extLst>
+              <a:ext uri="{FF2B5EF4-FFF2-40B4-BE49-F238E27FC236}">
+                <a16:creationId xmlns:a16="http://schemas.microsoft.com/office/drawing/2014/main" id="{A3DFC961-90B1-4653-B0DD-743184649A2D}"/>
+              </a:ext>
+            </a:extLst>
+          </p:cNvPr>
+          <p:cNvSpPr>
+            <a:spLocks noGrp="1"/>
+          </p:cNvSpPr>
+          <p:nvPr>
+            <p:ph idx="1"/>
+          </p:nvPr>
+        </p:nvSpPr>
+        <p:spPr/>
+        <p:txBody>
+          <a:bodyPr>
+            <a:normAutofit fontScale="77500" lnSpcReduction="20000"/>
+          </a:bodyPr>
+          <a:lstStyle/>
+          <a:p>
+            <a:pPr algn="l" rtl="0" fontAlgn="base"/>
+            <a:r>
+              <a:rPr lang="en-US" b="0" i="0" dirty="0">
+                <a:solidFill>
+                  <a:srgbClr val="273239"/>
+                </a:solidFill>
+                <a:effectLst/>
+                <a:highlight>
+                  <a:srgbClr val="FFFFFF"/>
+                </a:highlight>
+                <a:latin typeface="Nunito" pitchFamily="2" charset="0"/>
+              </a:rPr>
+              <a:t>Loops are widely used and these are fundamental to many algorithms hence, their testing is very important. Errors often occur at the beginnings and ends of loops.</a:t>
+            </a:r>
+          </a:p>
+          <a:p>
+            <a:pPr algn="l" fontAlgn="base">
+              <a:buFont typeface="Arial" panose="020B0604020202020204" pitchFamily="34" charset="0"/>
+              <a:buChar char="•"/>
+            </a:pPr>
+            <a:r>
+              <a:rPr lang="en-US" b="1" i="0" dirty="0">
+                <a:solidFill>
+                  <a:srgbClr val="273239"/>
+                </a:solidFill>
+                <a:effectLst/>
+                <a:highlight>
+                  <a:srgbClr val="FFFFFF"/>
+                </a:highlight>
+                <a:latin typeface="Nunito" pitchFamily="2" charset="0"/>
+              </a:rPr>
+              <a:t>Simple loops:</a:t>
+            </a:r>
+            <a:r>
+              <a:rPr lang="en-US" b="0" i="0" dirty="0">
+                <a:solidFill>
+                  <a:srgbClr val="273239"/>
+                </a:solidFill>
+                <a:effectLst/>
+                <a:highlight>
+                  <a:srgbClr val="FFFFFF"/>
+                </a:highlight>
+                <a:latin typeface="Nunito" pitchFamily="2" charset="0"/>
+              </a:rPr>
+              <a:t> For simple loops of size n, test cases are designed that:</a:t>
+            </a:r>
+          </a:p>
+          <a:p>
+            <a:pPr algn="l" fontAlgn="base">
+              <a:buFont typeface="+mj-lt"/>
+              <a:buAutoNum type="arabicPeriod"/>
+            </a:pPr>
+            <a:r>
+              <a:rPr lang="en-US" b="0" i="0" dirty="0">
+                <a:solidFill>
+                  <a:srgbClr val="273239"/>
+                </a:solidFill>
+                <a:effectLst/>
+                <a:highlight>
+                  <a:srgbClr val="FFFFFF"/>
+                </a:highlight>
+                <a:latin typeface="Nunito" pitchFamily="2" charset="0"/>
+              </a:rPr>
+              <a:t>Skip the loop entirely</a:t>
+            </a:r>
+          </a:p>
+          <a:p>
+            <a:pPr algn="l" fontAlgn="base">
+              <a:buFont typeface="+mj-lt"/>
+              <a:buAutoNum type="arabicPeriod" startAt="2"/>
+            </a:pPr>
+            <a:r>
+              <a:rPr lang="en-US" b="0" i="0" dirty="0">
+                <a:solidFill>
+                  <a:srgbClr val="273239"/>
+                </a:solidFill>
+                <a:effectLst/>
+                <a:highlight>
+                  <a:srgbClr val="FFFFFF"/>
+                </a:highlight>
+                <a:latin typeface="Nunito" pitchFamily="2" charset="0"/>
+              </a:rPr>
+              <a:t>Only one pass through the loop</a:t>
+            </a:r>
+          </a:p>
+          <a:p>
+            <a:pPr algn="l" fontAlgn="base">
+              <a:buFont typeface="+mj-lt"/>
+              <a:buAutoNum type="arabicPeriod" startAt="3"/>
+            </a:pPr>
+            <a:r>
+              <a:rPr lang="en-US" b="0" i="0" dirty="0">
+                <a:solidFill>
+                  <a:srgbClr val="273239"/>
+                </a:solidFill>
+                <a:effectLst/>
+                <a:highlight>
+                  <a:srgbClr val="FFFFFF"/>
+                </a:highlight>
+                <a:latin typeface="Nunito" pitchFamily="2" charset="0"/>
+              </a:rPr>
+              <a:t>2 passes</a:t>
+            </a:r>
+          </a:p>
+          <a:p>
+            <a:pPr algn="l" fontAlgn="base">
+              <a:buFont typeface="+mj-lt"/>
+              <a:buAutoNum type="arabicPeriod" startAt="4"/>
+            </a:pPr>
+            <a:r>
+              <a:rPr lang="en-US" b="0" i="0" dirty="0">
+                <a:solidFill>
+                  <a:srgbClr val="273239"/>
+                </a:solidFill>
+                <a:effectLst/>
+                <a:highlight>
+                  <a:srgbClr val="FFFFFF"/>
+                </a:highlight>
+                <a:latin typeface="Nunito" pitchFamily="2" charset="0"/>
+              </a:rPr>
+              <a:t>m passes, where m &lt; n</a:t>
+            </a:r>
+          </a:p>
+          <a:p>
+            <a:pPr algn="l" fontAlgn="base">
+              <a:buFont typeface="+mj-lt"/>
+              <a:buAutoNum type="arabicPeriod" startAt="5"/>
+            </a:pPr>
+            <a:r>
+              <a:rPr lang="en-US" b="0" i="0" dirty="0">
+                <a:solidFill>
+                  <a:srgbClr val="273239"/>
+                </a:solidFill>
+                <a:effectLst/>
+                <a:highlight>
+                  <a:srgbClr val="FFFFFF"/>
+                </a:highlight>
+                <a:latin typeface="Nunito" pitchFamily="2" charset="0"/>
+              </a:rPr>
+              <a:t>n-1 </a:t>
+            </a:r>
+            <a:r>
+              <a:rPr lang="en-US" b="0" i="0" dirty="0" err="1">
+                <a:solidFill>
+                  <a:srgbClr val="273239"/>
+                </a:solidFill>
+                <a:effectLst/>
+                <a:highlight>
+                  <a:srgbClr val="FFFFFF"/>
+                </a:highlight>
+                <a:latin typeface="Nunito" pitchFamily="2" charset="0"/>
+              </a:rPr>
+              <a:t>ans</a:t>
+            </a:r>
+            <a:r>
+              <a:rPr lang="en-US" b="0" i="0" dirty="0">
+                <a:solidFill>
+                  <a:srgbClr val="273239"/>
+                </a:solidFill>
+                <a:effectLst/>
+                <a:highlight>
+                  <a:srgbClr val="FFFFFF"/>
+                </a:highlight>
+                <a:latin typeface="Nunito" pitchFamily="2" charset="0"/>
+              </a:rPr>
+              <a:t> n+1 passes</a:t>
+            </a:r>
+          </a:p>
+          <a:p>
+            <a:pPr algn="l" fontAlgn="base">
+              <a:buFont typeface="Arial" panose="020B0604020202020204" pitchFamily="34" charset="0"/>
+              <a:buChar char="•"/>
+            </a:pPr>
+            <a:r>
+              <a:rPr lang="en-US" b="1" i="0" dirty="0">
+                <a:solidFill>
+                  <a:srgbClr val="273239"/>
+                </a:solidFill>
+                <a:effectLst/>
+                <a:highlight>
+                  <a:srgbClr val="FFFFFF"/>
+                </a:highlight>
+                <a:latin typeface="Nunito" pitchFamily="2" charset="0"/>
+              </a:rPr>
+              <a:t>Nested loops:</a:t>
+            </a:r>
+            <a:r>
+              <a:rPr lang="en-US" b="0" i="0" dirty="0">
+                <a:solidFill>
+                  <a:srgbClr val="273239"/>
+                </a:solidFill>
+                <a:effectLst/>
+                <a:highlight>
+                  <a:srgbClr val="FFFFFF"/>
+                </a:highlight>
+                <a:latin typeface="Nunito" pitchFamily="2" charset="0"/>
+              </a:rPr>
+              <a:t> For nested loops, all the loops are set to their minimum count, and we start from the innermost loop. Simple loop tests are conducted for the innermost loop and this is worked outwards till all the loops have been tested.</a:t>
+            </a:r>
+          </a:p>
+          <a:p>
+            <a:pPr algn="l" fontAlgn="base">
+              <a:buFont typeface="Arial" panose="020B0604020202020204" pitchFamily="34" charset="0"/>
+              <a:buChar char="•"/>
+            </a:pPr>
+            <a:r>
+              <a:rPr lang="en-US" b="1" i="0" dirty="0">
+                <a:solidFill>
+                  <a:srgbClr val="273239"/>
+                </a:solidFill>
+                <a:effectLst/>
+                <a:highlight>
+                  <a:srgbClr val="FFFFFF"/>
+                </a:highlight>
+                <a:latin typeface="Nunito" pitchFamily="2" charset="0"/>
+              </a:rPr>
+              <a:t>Concatenated loops:</a:t>
+            </a:r>
+            <a:r>
+              <a:rPr lang="en-US" b="0" i="0" dirty="0">
+                <a:solidFill>
+                  <a:srgbClr val="273239"/>
+                </a:solidFill>
+                <a:effectLst/>
+                <a:highlight>
+                  <a:srgbClr val="FFFFFF"/>
+                </a:highlight>
+                <a:latin typeface="Nunito" pitchFamily="2" charset="0"/>
+              </a:rPr>
+              <a:t> Independent loops, one after another. Simple loop tests are applied for each. If they’re not independent, treat them like nesting.</a:t>
+            </a:r>
+          </a:p>
+          <a:p>
+            <a:endParaRPr lang="en-IN" dirty="0"/>
+          </a:p>
+        </p:txBody>
+      </p:sp>
+    </p:spTree>
+    <p:extLst>
+      <p:ext uri="{BB962C8B-B14F-4D97-AF65-F5344CB8AC3E}">
+        <p14:creationId xmlns:p14="http://schemas.microsoft.com/office/powerpoint/2010/main" val="2039576584"/>
+      </p:ext>
+    </p:extLst>
+  </p:cSld>
+  <p:clrMapOvr>
+    <a:masterClrMapping/>
+  </p:clrMapOvr>
+</p:sld>
+</file>
+
+<file path=ppt/slides/slide35.xml><?xml version="1.0" encoding="utf-8"?>
+<p:sld xmlns:a="http://schemas.openxmlformats.org/drawingml/2006/main" xmlns:r="http://schemas.openxmlformats.org/officeDocument/2006/relationships" xmlns:p="http://schemas.openxmlformats.org/presentationml/2006/main">
+  <p:cSld>
+    <p:spTree>
+      <p:nvGrpSpPr>
+        <p:cNvPr id="1" name=""/>
+        <p:cNvGrpSpPr/>
+        <p:nvPr/>
+      </p:nvGrpSpPr>
+      <p:grpSpPr>
+        <a:xfrm>
+          <a:off x="0" y="0"/>
+          <a:ext cx="0" cy="0"/>
+          <a:chOff x="0" y="0"/>
+          <a:chExt cx="0" cy="0"/>
+        </a:xfrm>
+      </p:grpSpPr>
+      <p:sp>
+        <p:nvSpPr>
+          <p:cNvPr id="2" name="Title 1">
+            <a:extLst>
+              <a:ext uri="{FF2B5EF4-FFF2-40B4-BE49-F238E27FC236}">
+                <a16:creationId xmlns:a16="http://schemas.microsoft.com/office/drawing/2014/main" id="{46EFBBB3-CDA8-579E-EA38-83C4BD9A817D}"/>
+              </a:ext>
+            </a:extLst>
+          </p:cNvPr>
+          <p:cNvSpPr>
+            <a:spLocks noGrp="1"/>
+          </p:cNvSpPr>
+          <p:nvPr>
+            <p:ph type="title"/>
+          </p:nvPr>
+        </p:nvSpPr>
+        <p:spPr/>
+        <p:txBody>
+          <a:bodyPr/>
+          <a:lstStyle/>
+          <a:p>
+            <a:r>
+              <a:rPr lang="en-IN" dirty="0"/>
+              <a:t>Black box testing</a:t>
+            </a:r>
+          </a:p>
+        </p:txBody>
+      </p:sp>
+      <p:sp>
+        <p:nvSpPr>
+          <p:cNvPr id="3" name="Content Placeholder 2">
+            <a:extLst>
+              <a:ext uri="{FF2B5EF4-FFF2-40B4-BE49-F238E27FC236}">
+                <a16:creationId xmlns:a16="http://schemas.microsoft.com/office/drawing/2014/main" id="{3A30E449-8184-534F-8513-1EE0685DCC14}"/>
+              </a:ext>
+            </a:extLst>
+          </p:cNvPr>
+          <p:cNvSpPr>
+            <a:spLocks noGrp="1"/>
+          </p:cNvSpPr>
+          <p:nvPr>
+            <p:ph idx="1"/>
+          </p:nvPr>
+        </p:nvSpPr>
+        <p:spPr/>
+        <p:txBody>
+          <a:bodyPr/>
+          <a:lstStyle/>
+          <a:p>
+            <a:r>
+              <a:rPr lang="en-US" b="0" i="0" dirty="0">
+                <a:solidFill>
+                  <a:srgbClr val="273239"/>
+                </a:solidFill>
+                <a:effectLst/>
+                <a:highlight>
+                  <a:srgbClr val="FFFFFF"/>
+                </a:highlight>
+                <a:latin typeface="Nunito" pitchFamily="2" charset="0"/>
+              </a:rPr>
+              <a:t>Black-box testing is a type of software testing in which the tester is not concerned with the internal knowledge or implementation details of the software but rather focuses on validating the functionality based on the provided specifications or requirements.</a:t>
             </a:r>
             <a:endParaRPr lang="en-IN" dirty="0"/>
           </a:p>
@@ -24586,7 +25106,7 @@
           <p:cNvPr id="5" name="Picture 4">
             <a:extLst>
               <a:ext uri="{FF2B5EF4-FFF2-40B4-BE49-F238E27FC236}">
-                <a16:creationId xmlns:a16="http://schemas.microsoft.com/office/drawing/2014/main" id="{C4AD71B5-EFA9-2CB2-3394-D5C75CB7FE96}"/>
+                <a16:creationId xmlns:a16="http://schemas.microsoft.com/office/drawing/2014/main" id="{DA8D5F43-CAC6-CF8B-0D28-C0D27354618A}"/>
               </a:ext>
             </a:extLst>
           </p:cNvPr>
@@ -24596,15 +25116,15 @@
           <p:nvPr/>
         </p:nvPicPr>
         <p:blipFill>
-          <a:blip r:embed="rId3"/>
+          <a:blip r:embed="rId2"/>
           <a:stretch>
             <a:fillRect/>
           </a:stretch>
         </p:blipFill>
         <p:spPr>
           <a:xfrm>
-            <a:off x="6096000" y="4219918"/>
-            <a:ext cx="2921150" cy="2290610"/>
+            <a:off x="2694075" y="3883535"/>
+            <a:ext cx="5410478" cy="2425825"/>
           </a:xfrm>
           <a:prstGeom prst="rect">
             <a:avLst/>
@@ -24614,7 +25134,544 @@
     </p:spTree>
     <p:extLst>
       <p:ext uri="{BB962C8B-B14F-4D97-AF65-F5344CB8AC3E}">
-        <p14:creationId xmlns:p14="http://schemas.microsoft.com/office/powerpoint/2010/main" val="1545610635"/>
+        <p14:creationId xmlns:p14="http://schemas.microsoft.com/office/powerpoint/2010/main" val="221674706"/>
+      </p:ext>
+    </p:extLst>
+  </p:cSld>
+  <p:clrMapOvr>
+    <a:masterClrMapping/>
+  </p:clrMapOvr>
+</p:sld>
+</file>
+
+<file path=ppt/slides/slide36.xml><?xml version="1.0" encoding="utf-8"?>
+<p:sld xmlns:a="http://schemas.openxmlformats.org/drawingml/2006/main" xmlns:r="http://schemas.openxmlformats.org/officeDocument/2006/relationships" xmlns:p="http://schemas.openxmlformats.org/presentationml/2006/main">
+  <p:cSld>
+    <p:spTree>
+      <p:nvGrpSpPr>
+        <p:cNvPr id="1" name=""/>
+        <p:cNvGrpSpPr/>
+        <p:nvPr/>
+      </p:nvGrpSpPr>
+      <p:grpSpPr>
+        <a:xfrm>
+          <a:off x="0" y="0"/>
+          <a:ext cx="0" cy="0"/>
+          <a:chOff x="0" y="0"/>
+          <a:chExt cx="0" cy="0"/>
+        </a:xfrm>
+      </p:grpSpPr>
+      <p:sp>
+        <p:nvSpPr>
+          <p:cNvPr id="2" name="Title 1">
+            <a:extLst>
+              <a:ext uri="{FF2B5EF4-FFF2-40B4-BE49-F238E27FC236}">
+                <a16:creationId xmlns:a16="http://schemas.microsoft.com/office/drawing/2014/main" id="{0EAF2036-7195-2C9D-5F68-A6E91BE8B89C}"/>
+              </a:ext>
+            </a:extLst>
+          </p:cNvPr>
+          <p:cNvSpPr>
+            <a:spLocks noGrp="1"/>
+          </p:cNvSpPr>
+          <p:nvPr>
+            <p:ph type="title"/>
+          </p:nvPr>
+        </p:nvSpPr>
+        <p:spPr/>
+        <p:txBody>
+          <a:bodyPr/>
+          <a:lstStyle/>
+          <a:p>
+            <a:r>
+              <a:rPr lang="en-IN" dirty="0"/>
+              <a:t>Types of black box testing</a:t>
+            </a:r>
+          </a:p>
+        </p:txBody>
+      </p:sp>
+      <p:sp>
+        <p:nvSpPr>
+          <p:cNvPr id="3" name="Content Placeholder 2">
+            <a:extLst>
+              <a:ext uri="{FF2B5EF4-FFF2-40B4-BE49-F238E27FC236}">
+                <a16:creationId xmlns:a16="http://schemas.microsoft.com/office/drawing/2014/main" id="{D8B5F9B4-8301-9D88-54BB-6EEC82867AE9}"/>
+              </a:ext>
+            </a:extLst>
+          </p:cNvPr>
+          <p:cNvSpPr>
+            <a:spLocks noGrp="1"/>
+          </p:cNvSpPr>
+          <p:nvPr>
+            <p:ph idx="1"/>
+          </p:nvPr>
+        </p:nvSpPr>
+        <p:spPr/>
+        <p:txBody>
+          <a:bodyPr>
+            <a:normAutofit fontScale="92500"/>
+          </a:bodyPr>
+          <a:lstStyle/>
+          <a:p>
+            <a:pPr algn="l" fontAlgn="base">
+              <a:buFont typeface="+mj-lt"/>
+              <a:buAutoNum type="arabicPeriod"/>
+            </a:pPr>
+            <a:r>
+              <a:rPr lang="en-US" b="1" i="0" u="sng" dirty="0">
+                <a:solidFill>
+                  <a:srgbClr val="273239"/>
+                </a:solidFill>
+                <a:effectLst/>
+                <a:highlight>
+                  <a:srgbClr val="FFFFFF"/>
+                </a:highlight>
+                <a:latin typeface="Nunito" pitchFamily="2" charset="0"/>
+                <a:hlinkClick r:id="rId2"/>
+              </a:rPr>
+              <a:t>Functional Testing </a:t>
+            </a:r>
+            <a:endParaRPr lang="en-US" b="0" i="0" dirty="0">
+              <a:solidFill>
+                <a:srgbClr val="273239"/>
+              </a:solidFill>
+              <a:effectLst/>
+              <a:highlight>
+                <a:srgbClr val="FFFFFF"/>
+              </a:highlight>
+              <a:latin typeface="Nunito" pitchFamily="2" charset="0"/>
+            </a:endParaRPr>
+          </a:p>
+          <a:p>
+            <a:pPr marL="0" indent="0" algn="l" fontAlgn="base">
+              <a:buNone/>
+            </a:pPr>
+            <a:r>
+              <a:rPr lang="en-US" b="1" i="0" u="sng" dirty="0">
+                <a:solidFill>
+                  <a:srgbClr val="273239"/>
+                </a:solidFill>
+                <a:effectLst/>
+                <a:highlight>
+                  <a:srgbClr val="FFFFFF"/>
+                </a:highlight>
+                <a:latin typeface="Nunito" pitchFamily="2" charset="0"/>
+                <a:hlinkClick r:id="rId3"/>
+              </a:rPr>
+              <a:t>2.Nonfunctional Testing (NFT) </a:t>
+            </a:r>
+            <a:endParaRPr lang="en-US" b="0" i="0" dirty="0">
+              <a:solidFill>
+                <a:srgbClr val="273239"/>
+              </a:solidFill>
+              <a:effectLst/>
+              <a:highlight>
+                <a:srgbClr val="FFFFFF"/>
+              </a:highlight>
+              <a:latin typeface="Nunito" pitchFamily="2" charset="0"/>
+            </a:endParaRPr>
+          </a:p>
+          <a:p>
+            <a:pPr algn="l" fontAlgn="base"/>
+            <a:r>
+              <a:rPr lang="en-US" b="1" i="0" dirty="0">
+                <a:solidFill>
+                  <a:srgbClr val="273239"/>
+                </a:solidFill>
+                <a:effectLst/>
+                <a:highlight>
+                  <a:srgbClr val="FFFFFF"/>
+                </a:highlight>
+                <a:latin typeface="Nunito" pitchFamily="2" charset="0"/>
+              </a:rPr>
+              <a:t>Functional Testing:</a:t>
+            </a:r>
+          </a:p>
+          <a:p>
+            <a:pPr algn="l" rtl="0" fontAlgn="base"/>
+            <a:r>
+              <a:rPr lang="en-US" b="0" i="0" dirty="0">
+                <a:solidFill>
+                  <a:srgbClr val="273239"/>
+                </a:solidFill>
+                <a:effectLst/>
+                <a:highlight>
+                  <a:srgbClr val="FFFFFF"/>
+                </a:highlight>
+                <a:latin typeface="Nunito" pitchFamily="2" charset="0"/>
+              </a:rPr>
+              <a:t>Functional testing is defined as a type of testing that verifies that each function of the software application works in conformance with the requirement and specification. This testing is not concerned with the source code of the application. Each functionality of the software application is tested by providing appropriate test input, expecting the output, and comparing the actual output with the expected output. This testing focuses on checking the user interface, APIs, database, security, client or server application, and functionality of the Application Under Test. Functional testing can be manual or automated. It determines the system’s software functional requirements.</a:t>
+            </a:r>
+          </a:p>
+          <a:p>
+            <a:endParaRPr lang="en-IN" dirty="0"/>
+          </a:p>
+        </p:txBody>
+      </p:sp>
+    </p:spTree>
+    <p:extLst>
+      <p:ext uri="{BB962C8B-B14F-4D97-AF65-F5344CB8AC3E}">
+        <p14:creationId xmlns:p14="http://schemas.microsoft.com/office/powerpoint/2010/main" val="3503942231"/>
+      </p:ext>
+    </p:extLst>
+  </p:cSld>
+  <p:clrMapOvr>
+    <a:masterClrMapping/>
+  </p:clrMapOvr>
+</p:sld>
+</file>
+
+<file path=ppt/slides/slide37.xml><?xml version="1.0" encoding="utf-8"?>
+<p:sld xmlns:a="http://schemas.openxmlformats.org/drawingml/2006/main" xmlns:r="http://schemas.openxmlformats.org/officeDocument/2006/relationships" xmlns:p="http://schemas.openxmlformats.org/presentationml/2006/main">
+  <p:cSld>
+    <p:spTree>
+      <p:nvGrpSpPr>
+        <p:cNvPr id="1" name=""/>
+        <p:cNvGrpSpPr/>
+        <p:nvPr/>
+      </p:nvGrpSpPr>
+      <p:grpSpPr>
+        <a:xfrm>
+          <a:off x="0" y="0"/>
+          <a:ext cx="0" cy="0"/>
+          <a:chOff x="0" y="0"/>
+          <a:chExt cx="0" cy="0"/>
+        </a:xfrm>
+      </p:grpSpPr>
+      <p:sp>
+        <p:nvSpPr>
+          <p:cNvPr id="2" name="Title 1">
+            <a:extLst>
+              <a:ext uri="{FF2B5EF4-FFF2-40B4-BE49-F238E27FC236}">
+                <a16:creationId xmlns:a16="http://schemas.microsoft.com/office/drawing/2014/main" id="{6520697A-1047-721D-108B-1F9365E5FD47}"/>
+              </a:ext>
+            </a:extLst>
+          </p:cNvPr>
+          <p:cNvSpPr>
+            <a:spLocks noGrp="1"/>
+          </p:cNvSpPr>
+          <p:nvPr>
+            <p:ph type="title"/>
+          </p:nvPr>
+        </p:nvSpPr>
+        <p:spPr/>
+        <p:txBody>
+          <a:bodyPr/>
+          <a:lstStyle/>
+          <a:p>
+            <a:r>
+              <a:rPr lang="en-IN" dirty="0"/>
+              <a:t>Types of black box testing</a:t>
+            </a:r>
+          </a:p>
+        </p:txBody>
+      </p:sp>
+      <p:sp>
+        <p:nvSpPr>
+          <p:cNvPr id="3" name="Content Placeholder 2">
+            <a:extLst>
+              <a:ext uri="{FF2B5EF4-FFF2-40B4-BE49-F238E27FC236}">
+                <a16:creationId xmlns:a16="http://schemas.microsoft.com/office/drawing/2014/main" id="{E9A04D0B-AECF-D669-5DFF-C6CCFEFD55D1}"/>
+              </a:ext>
+            </a:extLst>
+          </p:cNvPr>
+          <p:cNvSpPr>
+            <a:spLocks noGrp="1"/>
+          </p:cNvSpPr>
+          <p:nvPr>
+            <p:ph idx="1"/>
+          </p:nvPr>
+        </p:nvSpPr>
+        <p:spPr/>
+        <p:txBody>
+          <a:bodyPr/>
+          <a:lstStyle/>
+          <a:p>
+            <a:pPr algn="l" fontAlgn="base"/>
+            <a:r>
+              <a:rPr lang="en-US" b="1" i="0" dirty="0">
+                <a:solidFill>
+                  <a:srgbClr val="273239"/>
+                </a:solidFill>
+                <a:effectLst/>
+                <a:highlight>
+                  <a:srgbClr val="FFFFFF"/>
+                </a:highlight>
+                <a:latin typeface="Nunito" pitchFamily="2" charset="0"/>
+              </a:rPr>
+              <a:t>Nonfunctional Testing:</a:t>
+            </a:r>
+          </a:p>
+          <a:p>
+            <a:pPr algn="l" rtl="0" fontAlgn="base"/>
+            <a:r>
+              <a:rPr lang="en-US" b="0" i="0" dirty="0">
+                <a:solidFill>
+                  <a:srgbClr val="273239"/>
+                </a:solidFill>
+                <a:effectLst/>
+                <a:highlight>
+                  <a:srgbClr val="FFFFFF"/>
+                </a:highlight>
+                <a:latin typeface="Nunito" pitchFamily="2" charset="0"/>
+              </a:rPr>
+              <a:t>Non-functional testing is a software testing technique that checks the non-functional attributes of the system. Non-functional testing is defined as a type of software testing to check non-functional aspects of a software application. It is designed to test the readiness of a system as per nonfunctional parameters which are never addressed by functional testing. Non-functional testing is as important as functional testing. Non-functional testing is also known as NFT. This testing is not functional testing of software. It focuses on the software’s performance, usability, and scalability.</a:t>
+            </a:r>
+          </a:p>
+          <a:p>
+            <a:endParaRPr lang="en-IN" dirty="0"/>
+          </a:p>
+        </p:txBody>
+      </p:sp>
+    </p:spTree>
+    <p:extLst>
+      <p:ext uri="{BB962C8B-B14F-4D97-AF65-F5344CB8AC3E}">
+        <p14:creationId xmlns:p14="http://schemas.microsoft.com/office/powerpoint/2010/main" val="3866991969"/>
+      </p:ext>
+    </p:extLst>
+  </p:cSld>
+  <p:clrMapOvr>
+    <a:masterClrMapping/>
+  </p:clrMapOvr>
+</p:sld>
+</file>
+
+<file path=ppt/slides/slide38.xml><?xml version="1.0" encoding="utf-8"?>
+<p:sld xmlns:a="http://schemas.openxmlformats.org/drawingml/2006/main" xmlns:r="http://schemas.openxmlformats.org/officeDocument/2006/relationships" xmlns:p="http://schemas.openxmlformats.org/presentationml/2006/main">
+  <p:cSld>
+    <p:spTree>
+      <p:nvGrpSpPr>
+        <p:cNvPr id="1" name=""/>
+        <p:cNvGrpSpPr/>
+        <p:nvPr/>
+      </p:nvGrpSpPr>
+      <p:grpSpPr>
+        <a:xfrm>
+          <a:off x="0" y="0"/>
+          <a:ext cx="0" cy="0"/>
+          <a:chOff x="0" y="0"/>
+          <a:chExt cx="0" cy="0"/>
+        </a:xfrm>
+      </p:grpSpPr>
+      <p:sp>
+        <p:nvSpPr>
+          <p:cNvPr id="2" name="Title 1">
+            <a:extLst>
+              <a:ext uri="{FF2B5EF4-FFF2-40B4-BE49-F238E27FC236}">
+                <a16:creationId xmlns:a16="http://schemas.microsoft.com/office/drawing/2014/main" id="{817B742C-5EF8-8B00-0FC4-FF6260722376}"/>
+              </a:ext>
+            </a:extLst>
+          </p:cNvPr>
+          <p:cNvSpPr>
+            <a:spLocks noGrp="1"/>
+          </p:cNvSpPr>
+          <p:nvPr>
+            <p:ph type="title"/>
+          </p:nvPr>
+        </p:nvSpPr>
+        <p:spPr/>
+        <p:txBody>
+          <a:bodyPr/>
+          <a:lstStyle/>
+          <a:p>
+            <a:r>
+              <a:rPr lang="en-IN" dirty="0"/>
+              <a:t>Ways of black box testing</a:t>
+            </a:r>
+          </a:p>
+        </p:txBody>
+      </p:sp>
+      <p:sp>
+        <p:nvSpPr>
+          <p:cNvPr id="3" name="Content Placeholder 2">
+            <a:extLst>
+              <a:ext uri="{FF2B5EF4-FFF2-40B4-BE49-F238E27FC236}">
+                <a16:creationId xmlns:a16="http://schemas.microsoft.com/office/drawing/2014/main" id="{857F868A-00FB-4E1D-DE2D-88E5254EFAAD}"/>
+              </a:ext>
+            </a:extLst>
+          </p:cNvPr>
+          <p:cNvSpPr>
+            <a:spLocks noGrp="1"/>
+          </p:cNvSpPr>
+          <p:nvPr>
+            <p:ph idx="1"/>
+          </p:nvPr>
+        </p:nvSpPr>
+        <p:spPr/>
+        <p:txBody>
+          <a:bodyPr/>
+          <a:lstStyle/>
+          <a:p>
+            <a:r>
+              <a:rPr lang="en-US" b="1" i="0" dirty="0">
+                <a:solidFill>
+                  <a:srgbClr val="273239"/>
+                </a:solidFill>
+                <a:effectLst/>
+                <a:highlight>
+                  <a:srgbClr val="FFFFFF"/>
+                </a:highlight>
+                <a:latin typeface="Nunito" pitchFamily="2" charset="0"/>
+              </a:rPr>
+              <a:t>Equivalence partitioning –</a:t>
+            </a:r>
+            <a:r>
+              <a:rPr lang="en-US" b="0" i="0" dirty="0">
+                <a:solidFill>
+                  <a:srgbClr val="273239"/>
+                </a:solidFill>
+                <a:effectLst/>
+                <a:highlight>
+                  <a:srgbClr val="FFFFFF"/>
+                </a:highlight>
+                <a:latin typeface="Nunito" pitchFamily="2" charset="0"/>
+              </a:rPr>
+              <a:t> It is often seen that many types of inputs work similarly so instead of giving all of them separately we can group them and test only one input of each group. The idea is to partition the input domain of the system into several equivalence classes such that each member of the class works similarly, i.e., if a test case in one class results in some error, other members of the class would also result in the same error. </a:t>
+            </a:r>
+          </a:p>
+          <a:p>
+            <a:r>
+              <a:rPr lang="en-US" b="1" i="0" dirty="0">
+                <a:solidFill>
+                  <a:srgbClr val="273239"/>
+                </a:solidFill>
+                <a:effectLst/>
+                <a:highlight>
+                  <a:srgbClr val="FFFFFF"/>
+                </a:highlight>
+                <a:latin typeface="Nunito" pitchFamily="2" charset="0"/>
+              </a:rPr>
+              <a:t>Boundary value analysis –</a:t>
+            </a:r>
+            <a:r>
+              <a:rPr lang="en-US" b="0" i="0" dirty="0">
+                <a:solidFill>
+                  <a:srgbClr val="273239"/>
+                </a:solidFill>
+                <a:effectLst/>
+                <a:highlight>
+                  <a:srgbClr val="FFFFFF"/>
+                </a:highlight>
+                <a:latin typeface="Nunito" pitchFamily="2" charset="0"/>
+              </a:rPr>
+              <a:t> Boundaries are very good places for errors to occur. Hence, if test cases are designed for boundary values of the input domain then the efficiency of testing improves and the probability of finding errors also increases. For example – If the valid range is 10 to 100 then test for 10,100 also apart from valid and invalid inputs. </a:t>
+            </a:r>
+            <a:endParaRPr lang="en-IN" dirty="0"/>
+          </a:p>
+        </p:txBody>
+      </p:sp>
+    </p:spTree>
+    <p:extLst>
+      <p:ext uri="{BB962C8B-B14F-4D97-AF65-F5344CB8AC3E}">
+        <p14:creationId xmlns:p14="http://schemas.microsoft.com/office/powerpoint/2010/main" val="2548704490"/>
+      </p:ext>
+    </p:extLst>
+  </p:cSld>
+  <p:clrMapOvr>
+    <a:masterClrMapping/>
+  </p:clrMapOvr>
+</p:sld>
+</file>
+
+<file path=ppt/slides/slide39.xml><?xml version="1.0" encoding="utf-8"?>
+<p:sld xmlns:a="http://schemas.openxmlformats.org/drawingml/2006/main" xmlns:r="http://schemas.openxmlformats.org/officeDocument/2006/relationships" xmlns:p="http://schemas.openxmlformats.org/presentationml/2006/main">
+  <p:cSld>
+    <p:spTree>
+      <p:nvGrpSpPr>
+        <p:cNvPr id="1" name=""/>
+        <p:cNvGrpSpPr/>
+        <p:nvPr/>
+      </p:nvGrpSpPr>
+      <p:grpSpPr>
+        <a:xfrm>
+          <a:off x="0" y="0"/>
+          <a:ext cx="0" cy="0"/>
+          <a:chOff x="0" y="0"/>
+          <a:chExt cx="0" cy="0"/>
+        </a:xfrm>
+      </p:grpSpPr>
+      <p:sp>
+        <p:nvSpPr>
+          <p:cNvPr id="2" name="Title 1">
+            <a:extLst>
+              <a:ext uri="{FF2B5EF4-FFF2-40B4-BE49-F238E27FC236}">
+                <a16:creationId xmlns:a16="http://schemas.microsoft.com/office/drawing/2014/main" id="{F932307E-529C-4BA5-A3AC-A697916BD56D}"/>
+              </a:ext>
+            </a:extLst>
+          </p:cNvPr>
+          <p:cNvSpPr>
+            <a:spLocks noGrp="1"/>
+          </p:cNvSpPr>
+          <p:nvPr>
+            <p:ph type="title"/>
+          </p:nvPr>
+        </p:nvSpPr>
+        <p:spPr/>
+        <p:txBody>
+          <a:bodyPr/>
+          <a:lstStyle/>
+          <a:p>
+            <a:r>
+              <a:rPr lang="en-IN" dirty="0"/>
+              <a:t>Ways of black box testing</a:t>
+            </a:r>
+          </a:p>
+        </p:txBody>
+      </p:sp>
+      <p:sp>
+        <p:nvSpPr>
+          <p:cNvPr id="3" name="Content Placeholder 2">
+            <a:extLst>
+              <a:ext uri="{FF2B5EF4-FFF2-40B4-BE49-F238E27FC236}">
+                <a16:creationId xmlns:a16="http://schemas.microsoft.com/office/drawing/2014/main" id="{955E9A62-F89D-6407-1EFC-7FD8AF6C8629}"/>
+              </a:ext>
+            </a:extLst>
+          </p:cNvPr>
+          <p:cNvSpPr>
+            <a:spLocks noGrp="1"/>
+          </p:cNvSpPr>
+          <p:nvPr>
+            <p:ph idx="1"/>
+          </p:nvPr>
+        </p:nvSpPr>
+        <p:spPr/>
+        <p:txBody>
+          <a:bodyPr/>
+          <a:lstStyle/>
+          <a:p>
+            <a:r>
+              <a:rPr lang="en-US" b="1" i="0" dirty="0">
+                <a:solidFill>
+                  <a:srgbClr val="273239"/>
+                </a:solidFill>
+                <a:effectLst/>
+                <a:highlight>
+                  <a:srgbClr val="FFFFFF"/>
+                </a:highlight>
+                <a:latin typeface="Nunito" pitchFamily="2" charset="0"/>
+              </a:rPr>
+              <a:t>Decision tables </a:t>
+            </a:r>
+            <a:r>
+              <a:rPr lang="en-US" b="0" i="0" dirty="0">
+                <a:solidFill>
+                  <a:srgbClr val="273239"/>
+                </a:solidFill>
+                <a:effectLst/>
+                <a:highlight>
+                  <a:srgbClr val="FFFFFF"/>
+                </a:highlight>
+                <a:latin typeface="Nunito" pitchFamily="2" charset="0"/>
+              </a:rPr>
+              <a:t>are used in various engineering fields to represent complex logical relationships. This testing is a very effective tool in testing the software and its requirements management. The output may be dependent on many input conditions and decision tables give a tabular view of various combinations of input conditions and these conditions are in the form of True(T) and False(F). Also, it provides a set of conditions and its corresponding actions required in the testing.</a:t>
+            </a:r>
+            <a:endParaRPr lang="en-IN" dirty="0"/>
+          </a:p>
+        </p:txBody>
+      </p:sp>
+    </p:spTree>
+    <p:extLst>
+      <p:ext uri="{BB962C8B-B14F-4D97-AF65-F5344CB8AC3E}">
+        <p14:creationId xmlns:p14="http://schemas.microsoft.com/office/powerpoint/2010/main" val="1957031657"/>
       </p:ext>
     </p:extLst>
   </p:cSld>
@@ -24746,6 +25803,1388 @@
     <p:extLst>
       <p:ext uri="{BB962C8B-B14F-4D97-AF65-F5344CB8AC3E}">
         <p14:creationId xmlns:p14="http://schemas.microsoft.com/office/powerpoint/2010/main" val="2028549553"/>
+      </p:ext>
+    </p:extLst>
+  </p:cSld>
+  <p:clrMapOvr>
+    <a:masterClrMapping/>
+  </p:clrMapOvr>
+</p:sld>
+</file>
+
+<file path=ppt/slides/slide40.xml><?xml version="1.0" encoding="utf-8"?>
+<p:sld xmlns:a="http://schemas.openxmlformats.org/drawingml/2006/main" xmlns:r="http://schemas.openxmlformats.org/officeDocument/2006/relationships" xmlns:p="http://schemas.openxmlformats.org/presentationml/2006/main">
+  <p:cSld>
+    <p:spTree>
+      <p:nvGrpSpPr>
+        <p:cNvPr id="1" name=""/>
+        <p:cNvGrpSpPr/>
+        <p:nvPr/>
+      </p:nvGrpSpPr>
+      <p:grpSpPr>
+        <a:xfrm>
+          <a:off x="0" y="0"/>
+          <a:ext cx="0" cy="0"/>
+          <a:chOff x="0" y="0"/>
+          <a:chExt cx="0" cy="0"/>
+        </a:xfrm>
+      </p:grpSpPr>
+      <p:sp>
+        <p:nvSpPr>
+          <p:cNvPr id="2" name="Title 1">
+            <a:extLst>
+              <a:ext uri="{FF2B5EF4-FFF2-40B4-BE49-F238E27FC236}">
+                <a16:creationId xmlns:a16="http://schemas.microsoft.com/office/drawing/2014/main" id="{F6C062BA-C527-88C6-A0D7-D16E1778E42F}"/>
+              </a:ext>
+            </a:extLst>
+          </p:cNvPr>
+          <p:cNvSpPr>
+            <a:spLocks noGrp="1"/>
+          </p:cNvSpPr>
+          <p:nvPr>
+            <p:ph type="title"/>
+          </p:nvPr>
+        </p:nvSpPr>
+        <p:spPr/>
+        <p:txBody>
+          <a:bodyPr/>
+          <a:lstStyle/>
+          <a:p>
+            <a:r>
+              <a:rPr lang="en-IN" dirty="0"/>
+              <a:t>Functional testing types</a:t>
+            </a:r>
+          </a:p>
+        </p:txBody>
+      </p:sp>
+      <p:sp>
+        <p:nvSpPr>
+          <p:cNvPr id="3" name="Content Placeholder 2">
+            <a:extLst>
+              <a:ext uri="{FF2B5EF4-FFF2-40B4-BE49-F238E27FC236}">
+                <a16:creationId xmlns:a16="http://schemas.microsoft.com/office/drawing/2014/main" id="{BC26C188-021E-A5F5-2F2D-F21BAF6BBCEF}"/>
+              </a:ext>
+            </a:extLst>
+          </p:cNvPr>
+          <p:cNvSpPr>
+            <a:spLocks noGrp="1"/>
+          </p:cNvSpPr>
+          <p:nvPr>
+            <p:ph idx="1"/>
+          </p:nvPr>
+        </p:nvSpPr>
+        <p:spPr/>
+        <p:txBody>
+          <a:bodyPr>
+            <a:normAutofit fontScale="77500" lnSpcReduction="20000"/>
+          </a:bodyPr>
+          <a:lstStyle/>
+          <a:p>
+            <a:r>
+              <a:rPr lang="en-US" sz="3600" b="1" i="0" dirty="0">
+                <a:solidFill>
+                  <a:srgbClr val="273239"/>
+                </a:solidFill>
+                <a:effectLst/>
+                <a:highlight>
+                  <a:srgbClr val="FFFFFF"/>
+                </a:highlight>
+                <a:latin typeface="Nunito" pitchFamily="2" charset="0"/>
+              </a:rPr>
+              <a:t>Unit testing </a:t>
+            </a:r>
+            <a:r>
+              <a:rPr lang="en-US" b="0" i="0" dirty="0">
+                <a:solidFill>
+                  <a:srgbClr val="273239"/>
+                </a:solidFill>
+                <a:effectLst/>
+                <a:highlight>
+                  <a:srgbClr val="FFFFFF"/>
+                </a:highlight>
+                <a:latin typeface="Nunito" pitchFamily="2" charset="0"/>
+              </a:rPr>
+              <a:t>is a type of </a:t>
+            </a:r>
+            <a:r>
+              <a:rPr lang="en-US" b="1" i="0" u="sng" dirty="0">
+                <a:effectLst/>
+                <a:highlight>
+                  <a:srgbClr val="FFFFFF"/>
+                </a:highlight>
+                <a:latin typeface="Nunito" pitchFamily="2" charset="0"/>
+                <a:hlinkClick r:id="rId2"/>
+              </a:rPr>
+              <a:t>software testing</a:t>
+            </a:r>
+            <a:r>
+              <a:rPr lang="en-US" b="0" i="0" dirty="0">
+                <a:solidFill>
+                  <a:srgbClr val="273239"/>
+                </a:solidFill>
+                <a:effectLst/>
+                <a:highlight>
+                  <a:srgbClr val="FFFFFF"/>
+                </a:highlight>
+                <a:latin typeface="Nunito" pitchFamily="2" charset="0"/>
+              </a:rPr>
+              <a:t> that focuses on individual units or components of a software system. The purpose of unit testing is to validate that each unit of the software works as intended and meets the requirements. Developers typically perform unit testing, and it is performed early in the development process before the code is integrated and tested as a whole system.</a:t>
+            </a:r>
+          </a:p>
+          <a:p>
+            <a:pPr algn="l" fontAlgn="base"/>
+            <a:r>
+              <a:rPr lang="en-US" b="1" i="0" dirty="0">
+                <a:solidFill>
+                  <a:srgbClr val="273239"/>
+                </a:solidFill>
+                <a:effectLst/>
+                <a:highlight>
+                  <a:srgbClr val="FFFFFF"/>
+                </a:highlight>
+                <a:latin typeface="Nunito" pitchFamily="2" charset="0"/>
+              </a:rPr>
+              <a:t>Objective of Unit Testing</a:t>
+            </a:r>
+          </a:p>
+          <a:p>
+            <a:pPr algn="l" rtl="0" fontAlgn="base"/>
+            <a:r>
+              <a:rPr lang="en-US" b="0" i="0" dirty="0">
+                <a:solidFill>
+                  <a:srgbClr val="273239"/>
+                </a:solidFill>
+                <a:effectLst/>
+                <a:highlight>
+                  <a:srgbClr val="FFFFFF"/>
+                </a:highlight>
+                <a:latin typeface="Nunito" pitchFamily="2" charset="0"/>
+              </a:rPr>
+              <a:t>The objective of Unit Testing are follows</a:t>
+            </a:r>
+          </a:p>
+          <a:p>
+            <a:pPr algn="l" fontAlgn="base">
+              <a:buFont typeface="Arial" panose="020B0604020202020204" pitchFamily="34" charset="0"/>
+              <a:buChar char="•"/>
+            </a:pPr>
+            <a:r>
+              <a:rPr lang="en-US" b="0" i="0" dirty="0">
+                <a:solidFill>
+                  <a:srgbClr val="273239"/>
+                </a:solidFill>
+                <a:effectLst/>
+                <a:highlight>
+                  <a:srgbClr val="FFFFFF"/>
+                </a:highlight>
+                <a:latin typeface="Nunito" pitchFamily="2" charset="0"/>
+              </a:rPr>
+              <a:t>To isolate a section of code.</a:t>
+            </a:r>
+          </a:p>
+          <a:p>
+            <a:pPr algn="l" fontAlgn="base">
+              <a:buFont typeface="Arial" panose="020B0604020202020204" pitchFamily="34" charset="0"/>
+              <a:buChar char="•"/>
+            </a:pPr>
+            <a:r>
+              <a:rPr lang="en-US" b="0" i="0" dirty="0">
+                <a:solidFill>
+                  <a:srgbClr val="273239"/>
+                </a:solidFill>
+                <a:effectLst/>
+                <a:highlight>
+                  <a:srgbClr val="FFFFFF"/>
+                </a:highlight>
+                <a:latin typeface="Nunito" pitchFamily="2" charset="0"/>
+              </a:rPr>
+              <a:t>To verify the correctness of the code.</a:t>
+            </a:r>
+          </a:p>
+          <a:p>
+            <a:pPr algn="l" fontAlgn="base">
+              <a:buFont typeface="Arial" panose="020B0604020202020204" pitchFamily="34" charset="0"/>
+              <a:buChar char="•"/>
+            </a:pPr>
+            <a:r>
+              <a:rPr lang="en-US" b="0" i="0" dirty="0">
+                <a:solidFill>
+                  <a:srgbClr val="273239"/>
+                </a:solidFill>
+                <a:effectLst/>
+                <a:highlight>
+                  <a:srgbClr val="FFFFFF"/>
+                </a:highlight>
+                <a:latin typeface="Nunito" pitchFamily="2" charset="0"/>
+              </a:rPr>
+              <a:t>To test every function and procedure.</a:t>
+            </a:r>
+          </a:p>
+          <a:p>
+            <a:pPr algn="l" fontAlgn="base">
+              <a:buFont typeface="Arial" panose="020B0604020202020204" pitchFamily="34" charset="0"/>
+              <a:buChar char="•"/>
+            </a:pPr>
+            <a:r>
+              <a:rPr lang="en-US" b="0" i="0" dirty="0">
+                <a:solidFill>
+                  <a:srgbClr val="273239"/>
+                </a:solidFill>
+                <a:effectLst/>
+                <a:highlight>
+                  <a:srgbClr val="FFFFFF"/>
+                </a:highlight>
+                <a:latin typeface="Nunito" pitchFamily="2" charset="0"/>
+              </a:rPr>
+              <a:t>To fix bugs early in the development cycle and to save costs.</a:t>
+            </a:r>
+          </a:p>
+          <a:p>
+            <a:pPr algn="l" fontAlgn="base">
+              <a:buFont typeface="Arial" panose="020B0604020202020204" pitchFamily="34" charset="0"/>
+              <a:buChar char="•"/>
+            </a:pPr>
+            <a:r>
+              <a:rPr lang="en-US" b="0" i="0" dirty="0">
+                <a:solidFill>
+                  <a:srgbClr val="273239"/>
+                </a:solidFill>
+                <a:effectLst/>
+                <a:highlight>
+                  <a:srgbClr val="FFFFFF"/>
+                </a:highlight>
+                <a:latin typeface="Nunito" pitchFamily="2" charset="0"/>
+              </a:rPr>
+              <a:t>To help the developers understand the code base and enable them to make changes quickly.</a:t>
+            </a:r>
+          </a:p>
+          <a:p>
+            <a:pPr algn="l" fontAlgn="base">
+              <a:buFont typeface="Arial" panose="020B0604020202020204" pitchFamily="34" charset="0"/>
+              <a:buChar char="•"/>
+            </a:pPr>
+            <a:r>
+              <a:rPr lang="en-US" b="0" i="0" dirty="0">
+                <a:solidFill>
+                  <a:srgbClr val="273239"/>
+                </a:solidFill>
+                <a:effectLst/>
+                <a:highlight>
+                  <a:srgbClr val="FFFFFF"/>
+                </a:highlight>
+                <a:latin typeface="Nunito" pitchFamily="2" charset="0"/>
+              </a:rPr>
+              <a:t>To help with code reuse.</a:t>
+            </a:r>
+          </a:p>
+          <a:p>
+            <a:endParaRPr lang="en-IN" dirty="0"/>
+          </a:p>
+        </p:txBody>
+      </p:sp>
+    </p:spTree>
+    <p:extLst>
+      <p:ext uri="{BB962C8B-B14F-4D97-AF65-F5344CB8AC3E}">
+        <p14:creationId xmlns:p14="http://schemas.microsoft.com/office/powerpoint/2010/main" val="2764937475"/>
+      </p:ext>
+    </p:extLst>
+  </p:cSld>
+  <p:clrMapOvr>
+    <a:masterClrMapping/>
+  </p:clrMapOvr>
+</p:sld>
+</file>
+
+<file path=ppt/slides/slide41.xml><?xml version="1.0" encoding="utf-8"?>
+<p:sld xmlns:a="http://schemas.openxmlformats.org/drawingml/2006/main" xmlns:r="http://schemas.openxmlformats.org/officeDocument/2006/relationships" xmlns:p="http://schemas.openxmlformats.org/presentationml/2006/main">
+  <p:cSld>
+    <p:spTree>
+      <p:nvGrpSpPr>
+        <p:cNvPr id="1" name=""/>
+        <p:cNvGrpSpPr/>
+        <p:nvPr/>
+      </p:nvGrpSpPr>
+      <p:grpSpPr>
+        <a:xfrm>
+          <a:off x="0" y="0"/>
+          <a:ext cx="0" cy="0"/>
+          <a:chOff x="0" y="0"/>
+          <a:chExt cx="0" cy="0"/>
+        </a:xfrm>
+      </p:grpSpPr>
+      <p:sp>
+        <p:nvSpPr>
+          <p:cNvPr id="2" name="Title 1">
+            <a:extLst>
+              <a:ext uri="{FF2B5EF4-FFF2-40B4-BE49-F238E27FC236}">
+                <a16:creationId xmlns:a16="http://schemas.microsoft.com/office/drawing/2014/main" id="{FDA262B9-E5B4-5945-226C-601C939F3CB7}"/>
+              </a:ext>
+            </a:extLst>
+          </p:cNvPr>
+          <p:cNvSpPr>
+            <a:spLocks noGrp="1"/>
+          </p:cNvSpPr>
+          <p:nvPr>
+            <p:ph type="title"/>
+          </p:nvPr>
+        </p:nvSpPr>
+        <p:spPr/>
+        <p:txBody>
+          <a:bodyPr/>
+          <a:lstStyle/>
+          <a:p>
+            <a:r>
+              <a:rPr lang="en-IN" dirty="0"/>
+              <a:t>Objective of unit testing </a:t>
+            </a:r>
+          </a:p>
+        </p:txBody>
+      </p:sp>
+      <p:pic>
+        <p:nvPicPr>
+          <p:cNvPr id="5" name="Content Placeholder 4">
+            <a:extLst>
+              <a:ext uri="{FF2B5EF4-FFF2-40B4-BE49-F238E27FC236}">
+                <a16:creationId xmlns:a16="http://schemas.microsoft.com/office/drawing/2014/main" id="{72C5222E-7827-6F89-C81E-CB44F158F0F7}"/>
+              </a:ext>
+            </a:extLst>
+          </p:cNvPr>
+          <p:cNvPicPr>
+            <a:picLocks noGrp="1" noChangeAspect="1"/>
+          </p:cNvPicPr>
+          <p:nvPr>
+            <p:ph idx="1"/>
+          </p:nvPr>
+        </p:nvPicPr>
+        <p:blipFill>
+          <a:blip r:embed="rId2"/>
+          <a:stretch>
+            <a:fillRect/>
+          </a:stretch>
+        </p:blipFill>
+        <p:spPr>
+          <a:xfrm>
+            <a:off x="2510327" y="1874774"/>
+            <a:ext cx="6601015" cy="4526025"/>
+          </a:xfrm>
+        </p:spPr>
+      </p:pic>
+    </p:spTree>
+    <p:extLst>
+      <p:ext uri="{BB962C8B-B14F-4D97-AF65-F5344CB8AC3E}">
+        <p14:creationId xmlns:p14="http://schemas.microsoft.com/office/powerpoint/2010/main" val="1174368002"/>
+      </p:ext>
+    </p:extLst>
+  </p:cSld>
+  <p:clrMapOvr>
+    <a:masterClrMapping/>
+  </p:clrMapOvr>
+</p:sld>
+</file>
+
+<file path=ppt/slides/slide42.xml><?xml version="1.0" encoding="utf-8"?>
+<p:sld xmlns:a="http://schemas.openxmlformats.org/drawingml/2006/main" xmlns:r="http://schemas.openxmlformats.org/officeDocument/2006/relationships" xmlns:p="http://schemas.openxmlformats.org/presentationml/2006/main">
+  <p:cSld>
+    <p:spTree>
+      <p:nvGrpSpPr>
+        <p:cNvPr id="1" name=""/>
+        <p:cNvGrpSpPr/>
+        <p:nvPr/>
+      </p:nvGrpSpPr>
+      <p:grpSpPr>
+        <a:xfrm>
+          <a:off x="0" y="0"/>
+          <a:ext cx="0" cy="0"/>
+          <a:chOff x="0" y="0"/>
+          <a:chExt cx="0" cy="0"/>
+        </a:xfrm>
+      </p:grpSpPr>
+      <p:sp>
+        <p:nvSpPr>
+          <p:cNvPr id="2" name="Title 1">
+            <a:extLst>
+              <a:ext uri="{FF2B5EF4-FFF2-40B4-BE49-F238E27FC236}">
+                <a16:creationId xmlns:a16="http://schemas.microsoft.com/office/drawing/2014/main" id="{705CB928-310F-9C8E-F7C6-D5EBAF8AFF90}"/>
+              </a:ext>
+            </a:extLst>
+          </p:cNvPr>
+          <p:cNvSpPr>
+            <a:spLocks noGrp="1"/>
+          </p:cNvSpPr>
+          <p:nvPr>
+            <p:ph type="title"/>
+          </p:nvPr>
+        </p:nvSpPr>
+        <p:spPr/>
+        <p:txBody>
+          <a:bodyPr/>
+          <a:lstStyle/>
+          <a:p>
+            <a:r>
+              <a:rPr lang="en-IN" dirty="0"/>
+              <a:t>Tools for unit testing</a:t>
+            </a:r>
+          </a:p>
+        </p:txBody>
+      </p:sp>
+      <p:sp>
+        <p:nvSpPr>
+          <p:cNvPr id="3" name="Content Placeholder 2">
+            <a:extLst>
+              <a:ext uri="{FF2B5EF4-FFF2-40B4-BE49-F238E27FC236}">
+                <a16:creationId xmlns:a16="http://schemas.microsoft.com/office/drawing/2014/main" id="{E4C1F319-0A4C-EF27-771F-B44CF9095A19}"/>
+              </a:ext>
+            </a:extLst>
+          </p:cNvPr>
+          <p:cNvSpPr>
+            <a:spLocks noGrp="1"/>
+          </p:cNvSpPr>
+          <p:nvPr>
+            <p:ph idx="1"/>
+          </p:nvPr>
+        </p:nvSpPr>
+        <p:spPr/>
+        <p:txBody>
+          <a:bodyPr/>
+          <a:lstStyle/>
+          <a:p>
+            <a:pPr algn="l" fontAlgn="base"/>
+            <a:r>
+              <a:rPr lang="en-US" b="1" i="0" dirty="0">
+                <a:solidFill>
+                  <a:srgbClr val="273239"/>
+                </a:solidFill>
+                <a:effectLst/>
+                <a:highlight>
+                  <a:srgbClr val="FFFFFF"/>
+                </a:highlight>
+                <a:latin typeface="Nunito" pitchFamily="2" charset="0"/>
+              </a:rPr>
+              <a:t>Unit Testing Tools</a:t>
+            </a:r>
+          </a:p>
+          <a:p>
+            <a:pPr algn="l" rtl="0" fontAlgn="base"/>
+            <a:r>
+              <a:rPr lang="en-US" b="0" i="0" dirty="0">
+                <a:solidFill>
+                  <a:srgbClr val="273239"/>
+                </a:solidFill>
+                <a:effectLst/>
+                <a:highlight>
+                  <a:srgbClr val="FFFFFF"/>
+                </a:highlight>
+                <a:latin typeface="Nunito" pitchFamily="2" charset="0"/>
+              </a:rPr>
+              <a:t>Here are some commonly used </a:t>
+            </a:r>
+            <a:r>
+              <a:rPr lang="en-US" b="1" i="0" u="sng" dirty="0">
+                <a:solidFill>
+                  <a:srgbClr val="273239"/>
+                </a:solidFill>
+                <a:effectLst/>
+                <a:highlight>
+                  <a:srgbClr val="FFFFFF"/>
+                </a:highlight>
+                <a:latin typeface="Nunito" pitchFamily="2" charset="0"/>
+                <a:hlinkClick r:id="rId2"/>
+              </a:rPr>
+              <a:t>Unit Testing tools</a:t>
+            </a:r>
+            <a:r>
+              <a:rPr lang="en-US" b="0" i="0" dirty="0">
+                <a:solidFill>
+                  <a:srgbClr val="273239"/>
+                </a:solidFill>
+                <a:effectLst/>
+                <a:highlight>
+                  <a:srgbClr val="FFFFFF"/>
+                </a:highlight>
+                <a:latin typeface="Nunito" pitchFamily="2" charset="0"/>
+              </a:rPr>
+              <a:t>: </a:t>
+            </a:r>
+          </a:p>
+          <a:p>
+            <a:pPr algn="l" fontAlgn="base">
+              <a:buFont typeface="+mj-lt"/>
+              <a:buAutoNum type="arabicPeriod"/>
+            </a:pPr>
+            <a:r>
+              <a:rPr lang="en-US" b="0" i="0" u="sng" dirty="0" err="1">
+                <a:solidFill>
+                  <a:srgbClr val="273239"/>
+                </a:solidFill>
+                <a:effectLst/>
+                <a:highlight>
+                  <a:srgbClr val="FFFFFF"/>
+                </a:highlight>
+                <a:latin typeface="Nunito" pitchFamily="2" charset="0"/>
+                <a:hlinkClick r:id="rId3"/>
+              </a:rPr>
+              <a:t>Jtest</a:t>
+            </a:r>
+            <a:r>
+              <a:rPr lang="en-US" b="0" i="0" u="sng" dirty="0">
+                <a:solidFill>
+                  <a:srgbClr val="273239"/>
+                </a:solidFill>
+                <a:effectLst/>
+                <a:highlight>
+                  <a:srgbClr val="FFFFFF"/>
+                </a:highlight>
+                <a:latin typeface="Nunito" pitchFamily="2" charset="0"/>
+                <a:hlinkClick r:id="rId3"/>
+              </a:rPr>
+              <a:t> </a:t>
+            </a:r>
+            <a:endParaRPr lang="en-US" b="0" i="0" dirty="0">
+              <a:solidFill>
+                <a:srgbClr val="273239"/>
+              </a:solidFill>
+              <a:effectLst/>
+              <a:highlight>
+                <a:srgbClr val="FFFFFF"/>
+              </a:highlight>
+              <a:latin typeface="Nunito" pitchFamily="2" charset="0"/>
+            </a:endParaRPr>
+          </a:p>
+          <a:p>
+            <a:pPr algn="l" fontAlgn="base">
+              <a:buFont typeface="+mj-lt"/>
+              <a:buAutoNum type="arabicPeriod" startAt="2"/>
+            </a:pPr>
+            <a:r>
+              <a:rPr lang="en-US" b="0" i="0" u="sng" dirty="0">
+                <a:solidFill>
+                  <a:srgbClr val="273239"/>
+                </a:solidFill>
+                <a:effectLst/>
+                <a:highlight>
+                  <a:srgbClr val="FFFFFF"/>
+                </a:highlight>
+                <a:latin typeface="Nunito" pitchFamily="2" charset="0"/>
+                <a:hlinkClick r:id="rId4"/>
+              </a:rPr>
+              <a:t>Junit </a:t>
+            </a:r>
+            <a:endParaRPr lang="en-US" b="0" i="0" dirty="0">
+              <a:solidFill>
+                <a:srgbClr val="273239"/>
+              </a:solidFill>
+              <a:effectLst/>
+              <a:highlight>
+                <a:srgbClr val="FFFFFF"/>
+              </a:highlight>
+              <a:latin typeface="Nunito" pitchFamily="2" charset="0"/>
+            </a:endParaRPr>
+          </a:p>
+          <a:p>
+            <a:pPr algn="l" fontAlgn="base">
+              <a:buFont typeface="+mj-lt"/>
+              <a:buAutoNum type="arabicPeriod" startAt="3"/>
+            </a:pPr>
+            <a:r>
+              <a:rPr lang="en-US" b="0" i="0" dirty="0" err="1">
+                <a:solidFill>
+                  <a:srgbClr val="273239"/>
+                </a:solidFill>
+                <a:effectLst/>
+                <a:highlight>
+                  <a:srgbClr val="FFFFFF"/>
+                </a:highlight>
+                <a:latin typeface="Nunito" pitchFamily="2" charset="0"/>
+              </a:rPr>
+              <a:t>NUnit</a:t>
+            </a:r>
+            <a:r>
+              <a:rPr lang="en-US" b="0" i="0" dirty="0">
+                <a:solidFill>
+                  <a:srgbClr val="273239"/>
+                </a:solidFill>
+                <a:effectLst/>
+                <a:highlight>
+                  <a:srgbClr val="FFFFFF"/>
+                </a:highlight>
+                <a:latin typeface="Nunito" pitchFamily="2" charset="0"/>
+              </a:rPr>
+              <a:t> </a:t>
+            </a:r>
+          </a:p>
+          <a:p>
+            <a:pPr algn="l" fontAlgn="base">
+              <a:buFont typeface="+mj-lt"/>
+              <a:buAutoNum type="arabicPeriod" startAt="4"/>
+            </a:pPr>
+            <a:r>
+              <a:rPr lang="en-US" b="0" i="0" dirty="0">
+                <a:solidFill>
+                  <a:srgbClr val="273239"/>
+                </a:solidFill>
+                <a:effectLst/>
+                <a:highlight>
+                  <a:srgbClr val="FFFFFF"/>
+                </a:highlight>
+                <a:latin typeface="Nunito" pitchFamily="2" charset="0"/>
+              </a:rPr>
+              <a:t>EMMA</a:t>
+            </a:r>
+          </a:p>
+          <a:p>
+            <a:pPr algn="l" fontAlgn="base">
+              <a:buFont typeface="+mj-lt"/>
+              <a:buAutoNum type="arabicPeriod" startAt="5"/>
+            </a:pPr>
+            <a:r>
+              <a:rPr lang="en-US" b="0" i="0" u="sng" dirty="0" err="1">
+                <a:solidFill>
+                  <a:srgbClr val="273239"/>
+                </a:solidFill>
+                <a:effectLst/>
+                <a:highlight>
+                  <a:srgbClr val="FFFFFF"/>
+                </a:highlight>
+                <a:latin typeface="Nunito" pitchFamily="2" charset="0"/>
+                <a:hlinkClick r:id="rId5"/>
+              </a:rPr>
+              <a:t>PHPUnit</a:t>
+            </a:r>
+            <a:r>
+              <a:rPr lang="en-US" b="0" i="0" u="sng" dirty="0">
+                <a:solidFill>
+                  <a:srgbClr val="273239"/>
+                </a:solidFill>
+                <a:effectLst/>
+                <a:highlight>
+                  <a:srgbClr val="FFFFFF"/>
+                </a:highlight>
+                <a:latin typeface="Nunito" pitchFamily="2" charset="0"/>
+                <a:hlinkClick r:id="rId5"/>
+              </a:rPr>
+              <a:t> </a:t>
+            </a:r>
+            <a:endParaRPr lang="en-US" b="0" i="0" dirty="0">
+              <a:solidFill>
+                <a:srgbClr val="273239"/>
+              </a:solidFill>
+              <a:effectLst/>
+              <a:highlight>
+                <a:srgbClr val="FFFFFF"/>
+              </a:highlight>
+              <a:latin typeface="Nunito" pitchFamily="2" charset="0"/>
+            </a:endParaRPr>
+          </a:p>
+          <a:p>
+            <a:endParaRPr lang="en-IN" dirty="0"/>
+          </a:p>
+        </p:txBody>
+      </p:sp>
+    </p:spTree>
+    <p:extLst>
+      <p:ext uri="{BB962C8B-B14F-4D97-AF65-F5344CB8AC3E}">
+        <p14:creationId xmlns:p14="http://schemas.microsoft.com/office/powerpoint/2010/main" val="4250555121"/>
+      </p:ext>
+    </p:extLst>
+  </p:cSld>
+  <p:clrMapOvr>
+    <a:masterClrMapping/>
+  </p:clrMapOvr>
+</p:sld>
+</file>
+
+<file path=ppt/slides/slide43.xml><?xml version="1.0" encoding="utf-8"?>
+<p:sld xmlns:a="http://schemas.openxmlformats.org/drawingml/2006/main" xmlns:r="http://schemas.openxmlformats.org/officeDocument/2006/relationships" xmlns:p="http://schemas.openxmlformats.org/presentationml/2006/main">
+  <p:cSld>
+    <p:spTree>
+      <p:nvGrpSpPr>
+        <p:cNvPr id="1" name=""/>
+        <p:cNvGrpSpPr/>
+        <p:nvPr/>
+      </p:nvGrpSpPr>
+      <p:grpSpPr>
+        <a:xfrm>
+          <a:off x="0" y="0"/>
+          <a:ext cx="0" cy="0"/>
+          <a:chOff x="0" y="0"/>
+          <a:chExt cx="0" cy="0"/>
+        </a:xfrm>
+      </p:grpSpPr>
+      <p:sp>
+        <p:nvSpPr>
+          <p:cNvPr id="2" name="Title 1">
+            <a:extLst>
+              <a:ext uri="{FF2B5EF4-FFF2-40B4-BE49-F238E27FC236}">
+                <a16:creationId xmlns:a16="http://schemas.microsoft.com/office/drawing/2014/main" id="{2A1C6B1D-ABC6-2DEA-A725-914CF225F0F6}"/>
+              </a:ext>
+            </a:extLst>
+          </p:cNvPr>
+          <p:cNvSpPr>
+            <a:spLocks noGrp="1"/>
+          </p:cNvSpPr>
+          <p:nvPr>
+            <p:ph type="title"/>
+          </p:nvPr>
+        </p:nvSpPr>
+        <p:spPr/>
+        <p:txBody>
+          <a:bodyPr/>
+          <a:lstStyle/>
+          <a:p>
+            <a:r>
+              <a:rPr lang="en-IN" dirty="0"/>
+              <a:t>Integration testing</a:t>
+            </a:r>
+          </a:p>
+        </p:txBody>
+      </p:sp>
+      <p:sp>
+        <p:nvSpPr>
+          <p:cNvPr id="3" name="Content Placeholder 2">
+            <a:extLst>
+              <a:ext uri="{FF2B5EF4-FFF2-40B4-BE49-F238E27FC236}">
+                <a16:creationId xmlns:a16="http://schemas.microsoft.com/office/drawing/2014/main" id="{4AF8DDDD-0F74-6256-9627-CE236BC35628}"/>
+              </a:ext>
+            </a:extLst>
+          </p:cNvPr>
+          <p:cNvSpPr>
+            <a:spLocks noGrp="1"/>
+          </p:cNvSpPr>
+          <p:nvPr>
+            <p:ph idx="1"/>
+          </p:nvPr>
+        </p:nvSpPr>
+        <p:spPr/>
+        <p:txBody>
+          <a:bodyPr/>
+          <a:lstStyle/>
+          <a:p>
+            <a:r>
+              <a:rPr lang="en-US" b="1" i="0" dirty="0">
+                <a:solidFill>
+                  <a:srgbClr val="273239"/>
+                </a:solidFill>
+                <a:effectLst/>
+                <a:highlight>
+                  <a:srgbClr val="FFFFFF"/>
+                </a:highlight>
+                <a:latin typeface="Nunito" pitchFamily="2" charset="0"/>
+              </a:rPr>
+              <a:t>Integration testing</a:t>
+            </a:r>
+            <a:r>
+              <a:rPr lang="en-US" b="0" i="0" dirty="0">
+                <a:solidFill>
+                  <a:srgbClr val="273239"/>
+                </a:solidFill>
+                <a:effectLst/>
+                <a:highlight>
+                  <a:srgbClr val="FFFFFF"/>
+                </a:highlight>
+                <a:latin typeface="Nunito" pitchFamily="2" charset="0"/>
+              </a:rPr>
+              <a:t> is the process of testing the interface between two software units or modules. It focuses on determining the correctness of the interface. The purpose of integration testing is to expose faults in the interaction between integrated units. Once all the modules have been unit-tested, integration testing is performed.</a:t>
+            </a:r>
+          </a:p>
+          <a:p>
+            <a:r>
+              <a:rPr lang="en-US" b="0" i="0" dirty="0">
+                <a:solidFill>
+                  <a:srgbClr val="273239"/>
+                </a:solidFill>
+                <a:effectLst/>
+                <a:highlight>
+                  <a:srgbClr val="FFFFFF"/>
+                </a:highlight>
+                <a:latin typeface="Nunito" pitchFamily="2" charset="0"/>
+              </a:rPr>
+              <a:t>The goal of integration testing is to identify any problems or bugs that arise when different components are combined and interact with each other. Integration testing is typically performed after unit testing and before system testing. It helps to identify and resolve integration issues early in the development cycle, reducing the risk of more severe and costly problems later on.</a:t>
+            </a:r>
+            <a:endParaRPr lang="en-IN" dirty="0"/>
+          </a:p>
+        </p:txBody>
+      </p:sp>
+    </p:spTree>
+    <p:extLst>
+      <p:ext uri="{BB962C8B-B14F-4D97-AF65-F5344CB8AC3E}">
+        <p14:creationId xmlns:p14="http://schemas.microsoft.com/office/powerpoint/2010/main" val="2825386172"/>
+      </p:ext>
+    </p:extLst>
+  </p:cSld>
+  <p:clrMapOvr>
+    <a:masterClrMapping/>
+  </p:clrMapOvr>
+</p:sld>
+</file>
+
+<file path=ppt/slides/slide44.xml><?xml version="1.0" encoding="utf-8"?>
+<p:sld xmlns:a="http://schemas.openxmlformats.org/drawingml/2006/main" xmlns:r="http://schemas.openxmlformats.org/officeDocument/2006/relationships" xmlns:p="http://schemas.openxmlformats.org/presentationml/2006/main">
+  <p:cSld>
+    <p:spTree>
+      <p:nvGrpSpPr>
+        <p:cNvPr id="1" name=""/>
+        <p:cNvGrpSpPr/>
+        <p:nvPr/>
+      </p:nvGrpSpPr>
+      <p:grpSpPr>
+        <a:xfrm>
+          <a:off x="0" y="0"/>
+          <a:ext cx="0" cy="0"/>
+          <a:chOff x="0" y="0"/>
+          <a:chExt cx="0" cy="0"/>
+        </a:xfrm>
+      </p:grpSpPr>
+      <p:sp>
+        <p:nvSpPr>
+          <p:cNvPr id="2" name="Title 1">
+            <a:extLst>
+              <a:ext uri="{FF2B5EF4-FFF2-40B4-BE49-F238E27FC236}">
+                <a16:creationId xmlns:a16="http://schemas.microsoft.com/office/drawing/2014/main" id="{027F66B1-82B2-59ED-AA69-2FD2A6972C37}"/>
+              </a:ext>
+            </a:extLst>
+          </p:cNvPr>
+          <p:cNvSpPr>
+            <a:spLocks noGrp="1"/>
+          </p:cNvSpPr>
+          <p:nvPr>
+            <p:ph type="title"/>
+          </p:nvPr>
+        </p:nvSpPr>
+        <p:spPr/>
+        <p:txBody>
+          <a:bodyPr/>
+          <a:lstStyle/>
+          <a:p>
+            <a:r>
+              <a:rPr lang="en-IN" dirty="0"/>
+              <a:t>Integration testing approach</a:t>
+            </a:r>
+          </a:p>
+        </p:txBody>
+      </p:sp>
+      <p:pic>
+        <p:nvPicPr>
+          <p:cNvPr id="5" name="Content Placeholder 4">
+            <a:extLst>
+              <a:ext uri="{FF2B5EF4-FFF2-40B4-BE49-F238E27FC236}">
+                <a16:creationId xmlns:a16="http://schemas.microsoft.com/office/drawing/2014/main" id="{1564DD03-8548-9529-B8F6-73164BA844FC}"/>
+              </a:ext>
+            </a:extLst>
+          </p:cNvPr>
+          <p:cNvPicPr>
+            <a:picLocks noGrp="1" noChangeAspect="1"/>
+          </p:cNvPicPr>
+          <p:nvPr>
+            <p:ph idx="1"/>
+          </p:nvPr>
+        </p:nvPicPr>
+        <p:blipFill>
+          <a:blip r:embed="rId2"/>
+          <a:stretch>
+            <a:fillRect/>
+          </a:stretch>
+        </p:blipFill>
+        <p:spPr>
+          <a:xfrm>
+            <a:off x="1273629" y="2231571"/>
+            <a:ext cx="9296400" cy="4041213"/>
+          </a:xfrm>
+        </p:spPr>
+      </p:pic>
+    </p:spTree>
+    <p:extLst>
+      <p:ext uri="{BB962C8B-B14F-4D97-AF65-F5344CB8AC3E}">
+        <p14:creationId xmlns:p14="http://schemas.microsoft.com/office/powerpoint/2010/main" val="2750998469"/>
+      </p:ext>
+    </p:extLst>
+  </p:cSld>
+  <p:clrMapOvr>
+    <a:masterClrMapping/>
+  </p:clrMapOvr>
+</p:sld>
+</file>
+
+<file path=ppt/slides/slide45.xml><?xml version="1.0" encoding="utf-8"?>
+<p:sld xmlns:a="http://schemas.openxmlformats.org/drawingml/2006/main" xmlns:r="http://schemas.openxmlformats.org/officeDocument/2006/relationships" xmlns:p="http://schemas.openxmlformats.org/presentationml/2006/main">
+  <p:cSld>
+    <p:spTree>
+      <p:nvGrpSpPr>
+        <p:cNvPr id="1" name=""/>
+        <p:cNvGrpSpPr/>
+        <p:nvPr/>
+      </p:nvGrpSpPr>
+      <p:grpSpPr>
+        <a:xfrm>
+          <a:off x="0" y="0"/>
+          <a:ext cx="0" cy="0"/>
+          <a:chOff x="0" y="0"/>
+          <a:chExt cx="0" cy="0"/>
+        </a:xfrm>
+      </p:grpSpPr>
+      <p:sp>
+        <p:nvSpPr>
+          <p:cNvPr id="2" name="Title 1">
+            <a:extLst>
+              <a:ext uri="{FF2B5EF4-FFF2-40B4-BE49-F238E27FC236}">
+                <a16:creationId xmlns:a16="http://schemas.microsoft.com/office/drawing/2014/main" id="{65E53B33-A517-50F6-EB0E-67B556D3E17E}"/>
+              </a:ext>
+            </a:extLst>
+          </p:cNvPr>
+          <p:cNvSpPr>
+            <a:spLocks noGrp="1"/>
+          </p:cNvSpPr>
+          <p:nvPr>
+            <p:ph type="title"/>
+          </p:nvPr>
+        </p:nvSpPr>
+        <p:spPr/>
+        <p:txBody>
+          <a:bodyPr/>
+          <a:lstStyle/>
+          <a:p>
+            <a:r>
+              <a:rPr lang="en-IN" dirty="0"/>
+              <a:t>Big bang integration testing </a:t>
+            </a:r>
+          </a:p>
+        </p:txBody>
+      </p:sp>
+      <p:sp>
+        <p:nvSpPr>
+          <p:cNvPr id="3" name="Content Placeholder 2">
+            <a:extLst>
+              <a:ext uri="{FF2B5EF4-FFF2-40B4-BE49-F238E27FC236}">
+                <a16:creationId xmlns:a16="http://schemas.microsoft.com/office/drawing/2014/main" id="{6E1B1D14-D572-6F6C-1E5D-CF1189C77FD3}"/>
+              </a:ext>
+            </a:extLst>
+          </p:cNvPr>
+          <p:cNvSpPr>
+            <a:spLocks noGrp="1"/>
+          </p:cNvSpPr>
+          <p:nvPr>
+            <p:ph idx="1"/>
+          </p:nvPr>
+        </p:nvSpPr>
+        <p:spPr/>
+        <p:txBody>
+          <a:bodyPr/>
+          <a:lstStyle/>
+          <a:p>
+            <a:r>
+              <a:rPr lang="en-US" b="0" i="0" dirty="0">
+                <a:solidFill>
+                  <a:srgbClr val="273239"/>
+                </a:solidFill>
+                <a:effectLst/>
+                <a:highlight>
+                  <a:srgbClr val="FFFFFF"/>
+                </a:highlight>
+                <a:latin typeface="Nunito" pitchFamily="2" charset="0"/>
+              </a:rPr>
+              <a:t>It is the simplest integration testing approach, where all the modules are combined and the functionality is verified after the completion of individual module testing. In simple words, all the modules of the system are simply put together and tested. This approach is practicable only for very small systems. If an error is found during the integration testing, it is very difficult to localize the error as the error may potentially belong to any of the modules being integrated. So, debugging errors reported during Big Bang integration testing is very expensive to fix.</a:t>
+            </a:r>
+            <a:endParaRPr lang="en-IN" dirty="0"/>
+          </a:p>
+        </p:txBody>
+      </p:sp>
+    </p:spTree>
+    <p:extLst>
+      <p:ext uri="{BB962C8B-B14F-4D97-AF65-F5344CB8AC3E}">
+        <p14:creationId xmlns:p14="http://schemas.microsoft.com/office/powerpoint/2010/main" val="1853658646"/>
+      </p:ext>
+    </p:extLst>
+  </p:cSld>
+  <p:clrMapOvr>
+    <a:masterClrMapping/>
+  </p:clrMapOvr>
+</p:sld>
+</file>
+
+<file path=ppt/slides/slide46.xml><?xml version="1.0" encoding="utf-8"?>
+<p:sld xmlns:a="http://schemas.openxmlformats.org/drawingml/2006/main" xmlns:r="http://schemas.openxmlformats.org/officeDocument/2006/relationships" xmlns:p="http://schemas.openxmlformats.org/presentationml/2006/main">
+  <p:cSld>
+    <p:spTree>
+      <p:nvGrpSpPr>
+        <p:cNvPr id="1" name=""/>
+        <p:cNvGrpSpPr/>
+        <p:nvPr/>
+      </p:nvGrpSpPr>
+      <p:grpSpPr>
+        <a:xfrm>
+          <a:off x="0" y="0"/>
+          <a:ext cx="0" cy="0"/>
+          <a:chOff x="0" y="0"/>
+          <a:chExt cx="0" cy="0"/>
+        </a:xfrm>
+      </p:grpSpPr>
+      <p:sp>
+        <p:nvSpPr>
+          <p:cNvPr id="2" name="Title 1">
+            <a:extLst>
+              <a:ext uri="{FF2B5EF4-FFF2-40B4-BE49-F238E27FC236}">
+                <a16:creationId xmlns:a16="http://schemas.microsoft.com/office/drawing/2014/main" id="{119F4140-5787-49F3-1BF5-7C6DF19B11DE}"/>
+              </a:ext>
+            </a:extLst>
+          </p:cNvPr>
+          <p:cNvSpPr>
+            <a:spLocks noGrp="1"/>
+          </p:cNvSpPr>
+          <p:nvPr>
+            <p:ph type="title"/>
+          </p:nvPr>
+        </p:nvSpPr>
+        <p:spPr/>
+        <p:txBody>
+          <a:bodyPr/>
+          <a:lstStyle/>
+          <a:p>
+            <a:r>
+              <a:rPr lang="en-IN" dirty="0"/>
+              <a:t>Bottom up integration testing</a:t>
+            </a:r>
+          </a:p>
+        </p:txBody>
+      </p:sp>
+      <p:sp>
+        <p:nvSpPr>
+          <p:cNvPr id="3" name="Content Placeholder 2">
+            <a:extLst>
+              <a:ext uri="{FF2B5EF4-FFF2-40B4-BE49-F238E27FC236}">
+                <a16:creationId xmlns:a16="http://schemas.microsoft.com/office/drawing/2014/main" id="{2836DC36-FABC-C378-5FC0-5598C089F831}"/>
+              </a:ext>
+            </a:extLst>
+          </p:cNvPr>
+          <p:cNvSpPr>
+            <a:spLocks noGrp="1"/>
+          </p:cNvSpPr>
+          <p:nvPr>
+            <p:ph idx="1"/>
+          </p:nvPr>
+        </p:nvSpPr>
+        <p:spPr/>
+        <p:txBody>
+          <a:bodyPr/>
+          <a:lstStyle/>
+          <a:p>
+            <a:r>
+              <a:rPr lang="en-US" b="0" i="0" dirty="0">
+                <a:solidFill>
+                  <a:srgbClr val="273239"/>
+                </a:solidFill>
+                <a:effectLst/>
+                <a:highlight>
+                  <a:srgbClr val="FFFFFF"/>
+                </a:highlight>
+                <a:latin typeface="Nunito" pitchFamily="2" charset="0"/>
+              </a:rPr>
+              <a:t>In bottom-up testing, each module at lower levels are tested with higher modules until all modules are tested. The primary purpose of this integration testing is that each subsystem tests the interfaces among various modules making up the subsystem. This integration testing uses test drivers to drive and pass appropriate data to the lower-level modules.</a:t>
+            </a:r>
+            <a:endParaRPr lang="en-IN" dirty="0"/>
+          </a:p>
+        </p:txBody>
+      </p:sp>
+    </p:spTree>
+    <p:extLst>
+      <p:ext uri="{BB962C8B-B14F-4D97-AF65-F5344CB8AC3E}">
+        <p14:creationId xmlns:p14="http://schemas.microsoft.com/office/powerpoint/2010/main" val="3203117556"/>
+      </p:ext>
+    </p:extLst>
+  </p:cSld>
+  <p:clrMapOvr>
+    <a:masterClrMapping/>
+  </p:clrMapOvr>
+</p:sld>
+</file>
+
+<file path=ppt/slides/slide47.xml><?xml version="1.0" encoding="utf-8"?>
+<p:sld xmlns:a="http://schemas.openxmlformats.org/drawingml/2006/main" xmlns:r="http://schemas.openxmlformats.org/officeDocument/2006/relationships" xmlns:p="http://schemas.openxmlformats.org/presentationml/2006/main">
+  <p:cSld>
+    <p:spTree>
+      <p:nvGrpSpPr>
+        <p:cNvPr id="1" name=""/>
+        <p:cNvGrpSpPr/>
+        <p:nvPr/>
+      </p:nvGrpSpPr>
+      <p:grpSpPr>
+        <a:xfrm>
+          <a:off x="0" y="0"/>
+          <a:ext cx="0" cy="0"/>
+          <a:chOff x="0" y="0"/>
+          <a:chExt cx="0" cy="0"/>
+        </a:xfrm>
+      </p:grpSpPr>
+      <p:sp>
+        <p:nvSpPr>
+          <p:cNvPr id="2" name="Title 1">
+            <a:extLst>
+              <a:ext uri="{FF2B5EF4-FFF2-40B4-BE49-F238E27FC236}">
+                <a16:creationId xmlns:a16="http://schemas.microsoft.com/office/drawing/2014/main" id="{3F70FECA-C1B7-B970-490A-ECBE1776380F}"/>
+              </a:ext>
+            </a:extLst>
+          </p:cNvPr>
+          <p:cNvSpPr>
+            <a:spLocks noGrp="1"/>
+          </p:cNvSpPr>
+          <p:nvPr>
+            <p:ph type="title"/>
+          </p:nvPr>
+        </p:nvSpPr>
+        <p:spPr/>
+        <p:txBody>
+          <a:bodyPr/>
+          <a:lstStyle/>
+          <a:p>
+            <a:r>
+              <a:rPr lang="en-IN" dirty="0"/>
+              <a:t>Top down integration testing</a:t>
+            </a:r>
+          </a:p>
+        </p:txBody>
+      </p:sp>
+      <p:sp>
+        <p:nvSpPr>
+          <p:cNvPr id="3" name="Content Placeholder 2">
+            <a:extLst>
+              <a:ext uri="{FF2B5EF4-FFF2-40B4-BE49-F238E27FC236}">
+                <a16:creationId xmlns:a16="http://schemas.microsoft.com/office/drawing/2014/main" id="{CE62DE16-22F5-F058-E1A1-CBCDBE031A4B}"/>
+              </a:ext>
+            </a:extLst>
+          </p:cNvPr>
+          <p:cNvSpPr>
+            <a:spLocks noGrp="1"/>
+          </p:cNvSpPr>
+          <p:nvPr>
+            <p:ph idx="1"/>
+          </p:nvPr>
+        </p:nvSpPr>
+        <p:spPr/>
+        <p:txBody>
+          <a:bodyPr/>
+          <a:lstStyle/>
+          <a:p>
+            <a:r>
+              <a:rPr lang="en-US" b="0" i="0" dirty="0">
+                <a:solidFill>
+                  <a:srgbClr val="273239"/>
+                </a:solidFill>
+                <a:effectLst/>
+                <a:highlight>
+                  <a:srgbClr val="FFFFFF"/>
+                </a:highlight>
+                <a:latin typeface="Nunito" pitchFamily="2" charset="0"/>
+              </a:rPr>
+              <a:t>Top-down integration testing technique is used in order to simulate the </a:t>
+            </a:r>
+            <a:r>
+              <a:rPr lang="en-US" b="0" i="0" dirty="0" err="1">
+                <a:solidFill>
+                  <a:srgbClr val="273239"/>
+                </a:solidFill>
+                <a:effectLst/>
+                <a:highlight>
+                  <a:srgbClr val="FFFFFF"/>
+                </a:highlight>
+                <a:latin typeface="Nunito" pitchFamily="2" charset="0"/>
+              </a:rPr>
+              <a:t>behaviour</a:t>
+            </a:r>
+            <a:r>
+              <a:rPr lang="en-US" b="0" i="0" dirty="0">
+                <a:solidFill>
+                  <a:srgbClr val="273239"/>
+                </a:solidFill>
+                <a:effectLst/>
+                <a:highlight>
+                  <a:srgbClr val="FFFFFF"/>
+                </a:highlight>
+                <a:latin typeface="Nunito" pitchFamily="2" charset="0"/>
+              </a:rPr>
+              <a:t> of the lower-level modules that are not yet integrated. In this integration testing, testing takes place from top to bottom. First, high-level modules are tested and then low-level modules and finally integrating the low-level modules to a high level to ensure the system is working as intended. </a:t>
+            </a:r>
+            <a:endParaRPr lang="en-IN" dirty="0"/>
+          </a:p>
+        </p:txBody>
+      </p:sp>
+    </p:spTree>
+    <p:extLst>
+      <p:ext uri="{BB962C8B-B14F-4D97-AF65-F5344CB8AC3E}">
+        <p14:creationId xmlns:p14="http://schemas.microsoft.com/office/powerpoint/2010/main" val="1167652566"/>
+      </p:ext>
+    </p:extLst>
+  </p:cSld>
+  <p:clrMapOvr>
+    <a:masterClrMapping/>
+  </p:clrMapOvr>
+</p:sld>
+</file>
+
+<file path=ppt/slides/slide48.xml><?xml version="1.0" encoding="utf-8"?>
+<p:sld xmlns:a="http://schemas.openxmlformats.org/drawingml/2006/main" xmlns:r="http://schemas.openxmlformats.org/officeDocument/2006/relationships" xmlns:p="http://schemas.openxmlformats.org/presentationml/2006/main">
+  <p:cSld>
+    <p:spTree>
+      <p:nvGrpSpPr>
+        <p:cNvPr id="1" name=""/>
+        <p:cNvGrpSpPr/>
+        <p:nvPr/>
+      </p:nvGrpSpPr>
+      <p:grpSpPr>
+        <a:xfrm>
+          <a:off x="0" y="0"/>
+          <a:ext cx="0" cy="0"/>
+          <a:chOff x="0" y="0"/>
+          <a:chExt cx="0" cy="0"/>
+        </a:xfrm>
+      </p:grpSpPr>
+      <p:sp>
+        <p:nvSpPr>
+          <p:cNvPr id="2" name="Title 1">
+            <a:extLst>
+              <a:ext uri="{FF2B5EF4-FFF2-40B4-BE49-F238E27FC236}">
+                <a16:creationId xmlns:a16="http://schemas.microsoft.com/office/drawing/2014/main" id="{F64EEF24-2F38-5D6D-2C85-6A17A6D0E1A1}"/>
+              </a:ext>
+            </a:extLst>
+          </p:cNvPr>
+          <p:cNvSpPr>
+            <a:spLocks noGrp="1"/>
+          </p:cNvSpPr>
+          <p:nvPr>
+            <p:ph type="title"/>
+          </p:nvPr>
+        </p:nvSpPr>
+        <p:spPr/>
+        <p:txBody>
+          <a:bodyPr/>
+          <a:lstStyle/>
+          <a:p>
+            <a:r>
+              <a:rPr lang="en-IN" dirty="0"/>
+              <a:t>Mixed integration testing </a:t>
+            </a:r>
+          </a:p>
+        </p:txBody>
+      </p:sp>
+      <p:sp>
+        <p:nvSpPr>
+          <p:cNvPr id="3" name="Content Placeholder 2">
+            <a:extLst>
+              <a:ext uri="{FF2B5EF4-FFF2-40B4-BE49-F238E27FC236}">
+                <a16:creationId xmlns:a16="http://schemas.microsoft.com/office/drawing/2014/main" id="{3B4B6074-C773-C614-D17F-B73C65D51FAA}"/>
+              </a:ext>
+            </a:extLst>
+          </p:cNvPr>
+          <p:cNvSpPr>
+            <a:spLocks noGrp="1"/>
+          </p:cNvSpPr>
+          <p:nvPr>
+            <p:ph idx="1"/>
+          </p:nvPr>
+        </p:nvSpPr>
+        <p:spPr/>
+        <p:txBody>
+          <a:bodyPr/>
+          <a:lstStyle/>
+          <a:p>
+            <a:r>
+              <a:rPr lang="en-US" b="0" i="0" dirty="0">
+                <a:solidFill>
+                  <a:srgbClr val="273239"/>
+                </a:solidFill>
+                <a:effectLst/>
+                <a:highlight>
+                  <a:srgbClr val="FFFFFF"/>
+                </a:highlight>
+                <a:latin typeface="Nunito" pitchFamily="2" charset="0"/>
+              </a:rPr>
+              <a:t>A mixed integration testing is also called sandwiched integration testing. A mixed integration testing follows a combination of top down and bottom-up testing approaches. In top-down approach, testing can start only after the top-level module have been coded and unit tested. In bottom-up approach, testing can start only after the bottom level modules are ready. </a:t>
+            </a:r>
+            <a:endParaRPr lang="en-IN" dirty="0"/>
+          </a:p>
+        </p:txBody>
+      </p:sp>
+    </p:spTree>
+    <p:extLst>
+      <p:ext uri="{BB962C8B-B14F-4D97-AF65-F5344CB8AC3E}">
+        <p14:creationId xmlns:p14="http://schemas.microsoft.com/office/powerpoint/2010/main" val="3353514735"/>
+      </p:ext>
+    </p:extLst>
+  </p:cSld>
+  <p:clrMapOvr>
+    <a:masterClrMapping/>
+  </p:clrMapOvr>
+</p:sld>
+</file>
+
+<file path=ppt/slides/slide49.xml><?xml version="1.0" encoding="utf-8"?>
+<p:sld xmlns:a="http://schemas.openxmlformats.org/drawingml/2006/main" xmlns:r="http://schemas.openxmlformats.org/officeDocument/2006/relationships" xmlns:p="http://schemas.openxmlformats.org/presentationml/2006/main">
+  <p:cSld>
+    <p:spTree>
+      <p:nvGrpSpPr>
+        <p:cNvPr id="1" name=""/>
+        <p:cNvGrpSpPr/>
+        <p:nvPr/>
+      </p:nvGrpSpPr>
+      <p:grpSpPr>
+        <a:xfrm>
+          <a:off x="0" y="0"/>
+          <a:ext cx="0" cy="0"/>
+          <a:chOff x="0" y="0"/>
+          <a:chExt cx="0" cy="0"/>
+        </a:xfrm>
+      </p:grpSpPr>
+      <p:sp>
+        <p:nvSpPr>
+          <p:cNvPr id="2" name="Title 1">
+            <a:extLst>
+              <a:ext uri="{FF2B5EF4-FFF2-40B4-BE49-F238E27FC236}">
+                <a16:creationId xmlns:a16="http://schemas.microsoft.com/office/drawing/2014/main" id="{04524707-F196-323C-8781-D3A938D02795}"/>
+              </a:ext>
+            </a:extLst>
+          </p:cNvPr>
+          <p:cNvSpPr>
+            <a:spLocks noGrp="1"/>
+          </p:cNvSpPr>
+          <p:nvPr>
+            <p:ph type="title"/>
+          </p:nvPr>
+        </p:nvSpPr>
+        <p:spPr/>
+        <p:txBody>
+          <a:bodyPr/>
+          <a:lstStyle/>
+          <a:p>
+            <a:endParaRPr lang="en-IN" dirty="0"/>
+          </a:p>
+        </p:txBody>
+      </p:sp>
+      <p:sp>
+        <p:nvSpPr>
+          <p:cNvPr id="3" name="Content Placeholder 2">
+            <a:extLst>
+              <a:ext uri="{FF2B5EF4-FFF2-40B4-BE49-F238E27FC236}">
+                <a16:creationId xmlns:a16="http://schemas.microsoft.com/office/drawing/2014/main" id="{5C7DCE00-80E9-628F-6260-B0B1FF252F66}"/>
+              </a:ext>
+            </a:extLst>
+          </p:cNvPr>
+          <p:cNvSpPr>
+            <a:spLocks noGrp="1"/>
+          </p:cNvSpPr>
+          <p:nvPr>
+            <p:ph idx="1"/>
+          </p:nvPr>
+        </p:nvSpPr>
+        <p:spPr/>
+        <p:txBody>
+          <a:bodyPr/>
+          <a:lstStyle/>
+          <a:p>
+            <a:endParaRPr lang="en-IN"/>
+          </a:p>
+        </p:txBody>
+      </p:sp>
+    </p:spTree>
+    <p:extLst>
+      <p:ext uri="{BB962C8B-B14F-4D97-AF65-F5344CB8AC3E}">
+        <p14:creationId xmlns:p14="http://schemas.microsoft.com/office/powerpoint/2010/main" val="376494328"/>
       </p:ext>
     </p:extLst>
   </p:cSld>

--- a/class2.pptx
+++ b/class2.pptx
@@ -54,6 +54,36 @@
     <p:sldId id="305" r:id="rId48"/>
     <p:sldId id="306" r:id="rId49"/>
     <p:sldId id="307" r:id="rId50"/>
+    <p:sldId id="308" r:id="rId51"/>
+    <p:sldId id="309" r:id="rId52"/>
+    <p:sldId id="313" r:id="rId53"/>
+    <p:sldId id="310" r:id="rId54"/>
+    <p:sldId id="311" r:id="rId55"/>
+    <p:sldId id="312" r:id="rId56"/>
+    <p:sldId id="314" r:id="rId57"/>
+    <p:sldId id="315" r:id="rId58"/>
+    <p:sldId id="316" r:id="rId59"/>
+    <p:sldId id="317" r:id="rId60"/>
+    <p:sldId id="318" r:id="rId61"/>
+    <p:sldId id="319" r:id="rId62"/>
+    <p:sldId id="320" r:id="rId63"/>
+    <p:sldId id="321" r:id="rId64"/>
+    <p:sldId id="322" r:id="rId65"/>
+    <p:sldId id="323" r:id="rId66"/>
+    <p:sldId id="324" r:id="rId67"/>
+    <p:sldId id="325" r:id="rId68"/>
+    <p:sldId id="326" r:id="rId69"/>
+    <p:sldId id="327" r:id="rId70"/>
+    <p:sldId id="329" r:id="rId71"/>
+    <p:sldId id="330" r:id="rId72"/>
+    <p:sldId id="331" r:id="rId73"/>
+    <p:sldId id="332" r:id="rId74"/>
+    <p:sldId id="333" r:id="rId75"/>
+    <p:sldId id="334" r:id="rId76"/>
+    <p:sldId id="335" r:id="rId77"/>
+    <p:sldId id="336" r:id="rId78"/>
+    <p:sldId id="337" r:id="rId79"/>
+    <p:sldId id="338" r:id="rId80"/>
   </p:sldIdLst>
   <p:sldSz cx="12192000" cy="6858000"/>
   <p:notesSz cx="6858000" cy="9144000"/>
@@ -8953,7 +8983,7 @@
           <a:p>
             <a:fld id="{7CA40E4E-EDB8-443D-BC4E-7843950947DD}" type="datetimeFigureOut">
               <a:rPr lang="en-IN" smtClean="0"/>
-              <a:t>14-06-2024</a:t>
+              <a:t>20-06-2024</a:t>
             </a:fld>
             <a:endParaRPr lang="en-IN"/>
           </a:p>
@@ -9160,7 +9190,7 @@
           <a:p>
             <a:fld id="{7CA40E4E-EDB8-443D-BC4E-7843950947DD}" type="datetimeFigureOut">
               <a:rPr lang="en-IN" smtClean="0"/>
-              <a:t>14-06-2024</a:t>
+              <a:t>20-06-2024</a:t>
             </a:fld>
             <a:endParaRPr lang="en-IN"/>
           </a:p>
@@ -9340,7 +9370,7 @@
           <a:p>
             <a:fld id="{7CA40E4E-EDB8-443D-BC4E-7843950947DD}" type="datetimeFigureOut">
               <a:rPr lang="en-IN" smtClean="0"/>
-              <a:t>14-06-2024</a:t>
+              <a:t>20-06-2024</a:t>
             </a:fld>
             <a:endParaRPr lang="en-IN"/>
           </a:p>
@@ -9545,7 +9575,7 @@
           <a:p>
             <a:fld id="{7CA40E4E-EDB8-443D-BC4E-7843950947DD}" type="datetimeFigureOut">
               <a:rPr lang="en-IN" smtClean="0"/>
-              <a:t>14-06-2024</a:t>
+              <a:t>20-06-2024</a:t>
             </a:fld>
             <a:endParaRPr lang="en-IN"/>
           </a:p>
@@ -18443,7 +18473,7 @@
           <a:p>
             <a:fld id="{7CA40E4E-EDB8-443D-BC4E-7843950947DD}" type="datetimeFigureOut">
               <a:rPr lang="en-IN" smtClean="0"/>
-              <a:t>14-06-2024</a:t>
+              <a:t>20-06-2024</a:t>
             </a:fld>
             <a:endParaRPr lang="en-IN"/>
           </a:p>
@@ -18717,7 +18747,7 @@
           <a:p>
             <a:fld id="{7CA40E4E-EDB8-443D-BC4E-7843950947DD}" type="datetimeFigureOut">
               <a:rPr lang="en-IN" smtClean="0"/>
-              <a:t>14-06-2024</a:t>
+              <a:t>20-06-2024</a:t>
             </a:fld>
             <a:endParaRPr lang="en-IN"/>
           </a:p>
@@ -19115,7 +19145,7 @@
           <a:p>
             <a:fld id="{7CA40E4E-EDB8-443D-BC4E-7843950947DD}" type="datetimeFigureOut">
               <a:rPr lang="en-IN" smtClean="0"/>
-              <a:t>14-06-2024</a:t>
+              <a:t>20-06-2024</a:t>
             </a:fld>
             <a:endParaRPr lang="en-IN"/>
           </a:p>
@@ -19233,7 +19263,7 @@
           <a:p>
             <a:fld id="{7CA40E4E-EDB8-443D-BC4E-7843950947DD}" type="datetimeFigureOut">
               <a:rPr lang="en-IN" smtClean="0"/>
-              <a:t>14-06-2024</a:t>
+              <a:t>20-06-2024</a:t>
             </a:fld>
             <a:endParaRPr lang="en-IN"/>
           </a:p>
@@ -19328,7 +19358,7 @@
           <a:p>
             <a:fld id="{7CA40E4E-EDB8-443D-BC4E-7843950947DD}" type="datetimeFigureOut">
               <a:rPr lang="en-IN" smtClean="0"/>
-              <a:t>14-06-2024</a:t>
+              <a:t>20-06-2024</a:t>
             </a:fld>
             <a:endParaRPr lang="en-IN"/>
           </a:p>
@@ -19618,7 +19648,7 @@
           <a:p>
             <a:fld id="{7CA40E4E-EDB8-443D-BC4E-7843950947DD}" type="datetimeFigureOut">
               <a:rPr lang="en-IN" smtClean="0"/>
-              <a:t>14-06-2024</a:t>
+              <a:t>20-06-2024</a:t>
             </a:fld>
             <a:endParaRPr lang="en-IN"/>
           </a:p>
@@ -19898,7 +19928,7 @@
           <a:p>
             <a:fld id="{7CA40E4E-EDB8-443D-BC4E-7843950947DD}" type="datetimeFigureOut">
               <a:rPr lang="en-IN" smtClean="0"/>
-              <a:t>14-06-2024</a:t>
+              <a:t>20-06-2024</a:t>
             </a:fld>
             <a:endParaRPr lang="en-IN"/>
           </a:p>
@@ -20148,7 +20178,7 @@
           <a:p>
             <a:fld id="{7CA40E4E-EDB8-443D-BC4E-7843950947DD}" type="datetimeFigureOut">
               <a:rPr lang="en-IN" smtClean="0"/>
-              <a:t>14-06-2024</a:t>
+              <a:t>20-06-2024</a:t>
             </a:fld>
             <a:endParaRPr lang="en-IN"/>
           </a:p>
@@ -27152,7 +27182,10 @@
           <a:bodyPr/>
           <a:lstStyle/>
           <a:p>
-            <a:endParaRPr lang="en-IN" dirty="0"/>
+            <a:r>
+              <a:rPr lang="en-IN" dirty="0"/>
+              <a:t>SYSTEM testing</a:t>
+            </a:r>
           </a:p>
         </p:txBody>
       </p:sp>
@@ -27174,10 +27207,119 @@
         </p:nvSpPr>
         <p:spPr/>
         <p:txBody>
-          <a:bodyPr/>
+          <a:bodyPr>
+            <a:normAutofit lnSpcReduction="10000"/>
+          </a:bodyPr>
           <a:lstStyle/>
           <a:p>
-            <a:endParaRPr lang="en-IN"/>
+            <a:pPr algn="l" rtl="0" fontAlgn="base"/>
+            <a:r>
+              <a:rPr lang="en-US" b="1" i="0" dirty="0">
+                <a:solidFill>
+                  <a:srgbClr val="273239"/>
+                </a:solidFill>
+                <a:effectLst/>
+                <a:highlight>
+                  <a:srgbClr val="FFFFFF"/>
+                </a:highlight>
+                <a:latin typeface="Nunito" pitchFamily="2" charset="0"/>
+              </a:rPr>
+              <a:t>System Testing</a:t>
+            </a:r>
+            <a:r>
+              <a:rPr lang="en-US" b="0" i="0" dirty="0">
+                <a:solidFill>
+                  <a:srgbClr val="273239"/>
+                </a:solidFill>
+                <a:effectLst/>
+                <a:highlight>
+                  <a:srgbClr val="FFFFFF"/>
+                </a:highlight>
+                <a:latin typeface="Nunito" pitchFamily="2" charset="0"/>
+              </a:rPr>
+              <a:t> is a type of </a:t>
+            </a:r>
+            <a:r>
+              <a:rPr lang="en-US" b="0" i="0" u="sng" dirty="0">
+                <a:solidFill>
+                  <a:srgbClr val="273239"/>
+                </a:solidFill>
+                <a:effectLst/>
+                <a:highlight>
+                  <a:srgbClr val="FFFFFF"/>
+                </a:highlight>
+                <a:latin typeface="Nunito" pitchFamily="2" charset="0"/>
+                <a:hlinkClick r:id="rId2"/>
+              </a:rPr>
+              <a:t>software testing</a:t>
+            </a:r>
+            <a:r>
+              <a:rPr lang="en-US" b="0" i="0" dirty="0">
+                <a:solidFill>
+                  <a:srgbClr val="273239"/>
+                </a:solidFill>
+                <a:effectLst/>
+                <a:highlight>
+                  <a:srgbClr val="FFFFFF"/>
+                </a:highlight>
+                <a:latin typeface="Nunito" pitchFamily="2" charset="0"/>
+              </a:rPr>
+              <a:t> that is performed on a completely integrated system to evaluate the compliance of the system with the corresponding requirements. In system testing, integration testing passed components are taken as input.</a:t>
+            </a:r>
+          </a:p>
+          <a:p>
+            <a:pPr algn="l" fontAlgn="base">
+              <a:buFont typeface="Arial" panose="020B0604020202020204" pitchFamily="34" charset="0"/>
+              <a:buChar char="•"/>
+            </a:pPr>
+            <a:r>
+              <a:rPr lang="en-US" b="0" i="0" dirty="0">
+                <a:solidFill>
+                  <a:srgbClr val="273239"/>
+                </a:solidFill>
+                <a:effectLst/>
+                <a:highlight>
+                  <a:srgbClr val="FFFFFF"/>
+                </a:highlight>
+                <a:latin typeface="Nunito" pitchFamily="2" charset="0"/>
+              </a:rPr>
+              <a:t>The goal of integration testing is to detect any irregularity between the units that are integrated. System testing detects defects within both the integrated units and the whole system. The result of system testing is the observed behavior of a component or a system when it is tested.</a:t>
+            </a:r>
+          </a:p>
+          <a:p>
+            <a:pPr algn="l" fontAlgn="base">
+              <a:buFont typeface="Arial" panose="020B0604020202020204" pitchFamily="34" charset="0"/>
+              <a:buChar char="•"/>
+            </a:pPr>
+            <a:r>
+              <a:rPr lang="en-US" b="1" i="0" dirty="0">
+                <a:solidFill>
+                  <a:srgbClr val="273239"/>
+                </a:solidFill>
+                <a:effectLst/>
+                <a:highlight>
+                  <a:srgbClr val="FFFFFF"/>
+                </a:highlight>
+                <a:latin typeface="Nunito" pitchFamily="2" charset="0"/>
+              </a:rPr>
+              <a:t>System Testing</a:t>
+            </a:r>
+            <a:r>
+              <a:rPr lang="en-US" b="0" i="0" dirty="0">
+                <a:solidFill>
+                  <a:srgbClr val="273239"/>
+                </a:solidFill>
+                <a:effectLst/>
+                <a:highlight>
+                  <a:srgbClr val="FFFFFF"/>
+                </a:highlight>
+                <a:latin typeface="Nunito" pitchFamily="2" charset="0"/>
+              </a:rPr>
+              <a:t> is carried out on the whole system in the context of either system requirement specifications or functional requirement specifications or the context of both. System testing tests the design and behavior of the system and also the expectations of the customer.</a:t>
+            </a:r>
+          </a:p>
+          <a:p>
+            <a:endParaRPr lang="en-IN" dirty="0"/>
           </a:p>
         </p:txBody>
       </p:sp>
@@ -27358,6 +27500,1696 @@
 </p:sld>
 </file>
 
+<file path=ppt/slides/slide50.xml><?xml version="1.0" encoding="utf-8"?>
+<p:sld xmlns:a="http://schemas.openxmlformats.org/drawingml/2006/main" xmlns:r="http://schemas.openxmlformats.org/officeDocument/2006/relationships" xmlns:p="http://schemas.openxmlformats.org/presentationml/2006/main">
+  <p:cSld>
+    <p:spTree>
+      <p:nvGrpSpPr>
+        <p:cNvPr id="1" name=""/>
+        <p:cNvGrpSpPr/>
+        <p:nvPr/>
+      </p:nvGrpSpPr>
+      <p:grpSpPr>
+        <a:xfrm>
+          <a:off x="0" y="0"/>
+          <a:ext cx="0" cy="0"/>
+          <a:chOff x="0" y="0"/>
+          <a:chExt cx="0" cy="0"/>
+        </a:xfrm>
+      </p:grpSpPr>
+      <p:sp>
+        <p:nvSpPr>
+          <p:cNvPr id="2" name="Title 1">
+            <a:extLst>
+              <a:ext uri="{FF2B5EF4-FFF2-40B4-BE49-F238E27FC236}">
+                <a16:creationId xmlns:a16="http://schemas.microsoft.com/office/drawing/2014/main" id="{9EB2AEED-0724-316E-088A-DBEC221A1198}"/>
+              </a:ext>
+            </a:extLst>
+          </p:cNvPr>
+          <p:cNvSpPr>
+            <a:spLocks noGrp="1"/>
+          </p:cNvSpPr>
+          <p:nvPr>
+            <p:ph type="title"/>
+          </p:nvPr>
+        </p:nvSpPr>
+        <p:spPr/>
+        <p:txBody>
+          <a:bodyPr/>
+          <a:lstStyle/>
+          <a:p>
+            <a:r>
+              <a:rPr lang="en-IN" dirty="0"/>
+              <a:t>System testing level</a:t>
+            </a:r>
+          </a:p>
+        </p:txBody>
+      </p:sp>
+      <p:pic>
+        <p:nvPicPr>
+          <p:cNvPr id="5" name="Content Placeholder 4">
+            <a:extLst>
+              <a:ext uri="{FF2B5EF4-FFF2-40B4-BE49-F238E27FC236}">
+                <a16:creationId xmlns:a16="http://schemas.microsoft.com/office/drawing/2014/main" id="{3AC4E12C-0EA8-979F-3E5F-3392F4EE3F24}"/>
+              </a:ext>
+            </a:extLst>
+          </p:cNvPr>
+          <p:cNvPicPr>
+            <a:picLocks noGrp="1" noChangeAspect="1"/>
+          </p:cNvPicPr>
+          <p:nvPr>
+            <p:ph idx="1"/>
+          </p:nvPr>
+        </p:nvPicPr>
+        <p:blipFill>
+          <a:blip r:embed="rId2"/>
+          <a:stretch>
+            <a:fillRect/>
+          </a:stretch>
+        </p:blipFill>
+        <p:spPr>
+          <a:xfrm>
+            <a:off x="2892769" y="2271081"/>
+            <a:ext cx="6406462" cy="4001703"/>
+          </a:xfrm>
+        </p:spPr>
+      </p:pic>
+    </p:spTree>
+    <p:extLst>
+      <p:ext uri="{BB962C8B-B14F-4D97-AF65-F5344CB8AC3E}">
+        <p14:creationId xmlns:p14="http://schemas.microsoft.com/office/powerpoint/2010/main" val="1081599198"/>
+      </p:ext>
+    </p:extLst>
+  </p:cSld>
+  <p:clrMapOvr>
+    <a:masterClrMapping/>
+  </p:clrMapOvr>
+</p:sld>
+</file>
+
+<file path=ppt/slides/slide51.xml><?xml version="1.0" encoding="utf-8"?>
+<p:sld xmlns:a="http://schemas.openxmlformats.org/drawingml/2006/main" xmlns:r="http://schemas.openxmlformats.org/officeDocument/2006/relationships" xmlns:p="http://schemas.openxmlformats.org/presentationml/2006/main">
+  <p:cSld>
+    <p:spTree>
+      <p:nvGrpSpPr>
+        <p:cNvPr id="1" name=""/>
+        <p:cNvGrpSpPr/>
+        <p:nvPr/>
+      </p:nvGrpSpPr>
+      <p:grpSpPr>
+        <a:xfrm>
+          <a:off x="0" y="0"/>
+          <a:ext cx="0" cy="0"/>
+          <a:chOff x="0" y="0"/>
+          <a:chExt cx="0" cy="0"/>
+        </a:xfrm>
+      </p:grpSpPr>
+      <p:sp>
+        <p:nvSpPr>
+          <p:cNvPr id="2" name="Title 1">
+            <a:extLst>
+              <a:ext uri="{FF2B5EF4-FFF2-40B4-BE49-F238E27FC236}">
+                <a16:creationId xmlns:a16="http://schemas.microsoft.com/office/drawing/2014/main" id="{86279B79-776E-C77D-1C0F-7BB2D76D4EEB}"/>
+              </a:ext>
+            </a:extLst>
+          </p:cNvPr>
+          <p:cNvSpPr>
+            <a:spLocks noGrp="1"/>
+          </p:cNvSpPr>
+          <p:nvPr>
+            <p:ph type="title"/>
+          </p:nvPr>
+        </p:nvSpPr>
+        <p:spPr/>
+        <p:txBody>
+          <a:bodyPr/>
+          <a:lstStyle/>
+          <a:p>
+            <a:r>
+              <a:rPr lang="en-IN" dirty="0"/>
+              <a:t>System testing process</a:t>
+            </a:r>
+          </a:p>
+        </p:txBody>
+      </p:sp>
+      <p:pic>
+        <p:nvPicPr>
+          <p:cNvPr id="5" name="Content Placeholder 4">
+            <a:extLst>
+              <a:ext uri="{FF2B5EF4-FFF2-40B4-BE49-F238E27FC236}">
+                <a16:creationId xmlns:a16="http://schemas.microsoft.com/office/drawing/2014/main" id="{8C27262B-0383-0B44-C44A-081CAFF1E96F}"/>
+              </a:ext>
+            </a:extLst>
+          </p:cNvPr>
+          <p:cNvPicPr>
+            <a:picLocks noGrp="1" noChangeAspect="1"/>
+          </p:cNvPicPr>
+          <p:nvPr>
+            <p:ph idx="1"/>
+          </p:nvPr>
+        </p:nvPicPr>
+        <p:blipFill>
+          <a:blip r:embed="rId2"/>
+          <a:stretch>
+            <a:fillRect/>
+          </a:stretch>
+        </p:blipFill>
+        <p:spPr>
+          <a:xfrm>
+            <a:off x="1730830" y="2318658"/>
+            <a:ext cx="8610600" cy="3842656"/>
+          </a:xfrm>
+        </p:spPr>
+      </p:pic>
+    </p:spTree>
+    <p:extLst>
+      <p:ext uri="{BB962C8B-B14F-4D97-AF65-F5344CB8AC3E}">
+        <p14:creationId xmlns:p14="http://schemas.microsoft.com/office/powerpoint/2010/main" val="2617475462"/>
+      </p:ext>
+    </p:extLst>
+  </p:cSld>
+  <p:clrMapOvr>
+    <a:masterClrMapping/>
+  </p:clrMapOvr>
+</p:sld>
+</file>
+
+<file path=ppt/slides/slide52.xml><?xml version="1.0" encoding="utf-8"?>
+<p:sld xmlns:a="http://schemas.openxmlformats.org/drawingml/2006/main" xmlns:r="http://schemas.openxmlformats.org/officeDocument/2006/relationships" xmlns:p="http://schemas.openxmlformats.org/presentationml/2006/main">
+  <p:cSld>
+    <p:spTree>
+      <p:nvGrpSpPr>
+        <p:cNvPr id="1" name=""/>
+        <p:cNvGrpSpPr/>
+        <p:nvPr/>
+      </p:nvGrpSpPr>
+      <p:grpSpPr>
+        <a:xfrm>
+          <a:off x="0" y="0"/>
+          <a:ext cx="0" cy="0"/>
+          <a:chOff x="0" y="0"/>
+          <a:chExt cx="0" cy="0"/>
+        </a:xfrm>
+      </p:grpSpPr>
+      <p:sp>
+        <p:nvSpPr>
+          <p:cNvPr id="2" name="Title 1">
+            <a:extLst>
+              <a:ext uri="{FF2B5EF4-FFF2-40B4-BE49-F238E27FC236}">
+                <a16:creationId xmlns:a16="http://schemas.microsoft.com/office/drawing/2014/main" id="{809D63A5-3CCE-2002-3707-7A0F24676A69}"/>
+              </a:ext>
+            </a:extLst>
+          </p:cNvPr>
+          <p:cNvSpPr>
+            <a:spLocks noGrp="1"/>
+          </p:cNvSpPr>
+          <p:nvPr>
+            <p:ph type="title"/>
+          </p:nvPr>
+        </p:nvSpPr>
+        <p:spPr/>
+        <p:txBody>
+          <a:bodyPr/>
+          <a:lstStyle/>
+          <a:p>
+            <a:r>
+              <a:rPr lang="en-IN" dirty="0"/>
+              <a:t>Testing based on changes in application</a:t>
+            </a:r>
+          </a:p>
+        </p:txBody>
+      </p:sp>
+      <p:sp>
+        <p:nvSpPr>
+          <p:cNvPr id="3" name="Content Placeholder 2">
+            <a:extLst>
+              <a:ext uri="{FF2B5EF4-FFF2-40B4-BE49-F238E27FC236}">
+                <a16:creationId xmlns:a16="http://schemas.microsoft.com/office/drawing/2014/main" id="{65DFB4D0-47B7-CDE8-93B8-A1293E4E9ECC}"/>
+              </a:ext>
+            </a:extLst>
+          </p:cNvPr>
+          <p:cNvSpPr>
+            <a:spLocks noGrp="1"/>
+          </p:cNvSpPr>
+          <p:nvPr>
+            <p:ph idx="1"/>
+          </p:nvPr>
+        </p:nvSpPr>
+        <p:spPr/>
+        <p:txBody>
+          <a:bodyPr/>
+          <a:lstStyle/>
+          <a:p>
+            <a:r>
+              <a:rPr lang="en-IN" dirty="0"/>
+              <a:t>There are 4 major types of testing done based on changes in software application </a:t>
+            </a:r>
+          </a:p>
+          <a:p>
+            <a:endParaRPr lang="en-IN" dirty="0"/>
+          </a:p>
+          <a:p>
+            <a:pPr algn="ctr"/>
+            <a:r>
+              <a:rPr lang="en-IN" sz="3200" dirty="0"/>
+              <a:t>1. Retesting</a:t>
+            </a:r>
+          </a:p>
+          <a:p>
+            <a:pPr algn="ctr"/>
+            <a:r>
+              <a:rPr lang="en-IN" sz="3200" dirty="0"/>
+              <a:t>2.Regression Testing</a:t>
+            </a:r>
+          </a:p>
+          <a:p>
+            <a:pPr algn="ctr"/>
+            <a:r>
+              <a:rPr lang="en-IN" sz="3200" dirty="0"/>
+              <a:t>3.Sanity Testing</a:t>
+            </a:r>
+          </a:p>
+          <a:p>
+            <a:pPr algn="ctr"/>
+            <a:r>
+              <a:rPr lang="en-IN" sz="3200" dirty="0"/>
+              <a:t>4.Smoke Testing </a:t>
+            </a:r>
+          </a:p>
+          <a:p>
+            <a:endParaRPr lang="en-IN" dirty="0"/>
+          </a:p>
+        </p:txBody>
+      </p:sp>
+    </p:spTree>
+    <p:extLst>
+      <p:ext uri="{BB962C8B-B14F-4D97-AF65-F5344CB8AC3E}">
+        <p14:creationId xmlns:p14="http://schemas.microsoft.com/office/powerpoint/2010/main" val="3222312237"/>
+      </p:ext>
+    </p:extLst>
+  </p:cSld>
+  <p:clrMapOvr>
+    <a:masterClrMapping/>
+  </p:clrMapOvr>
+</p:sld>
+</file>
+
+<file path=ppt/slides/slide53.xml><?xml version="1.0" encoding="utf-8"?>
+<p:sld xmlns:a="http://schemas.openxmlformats.org/drawingml/2006/main" xmlns:r="http://schemas.openxmlformats.org/officeDocument/2006/relationships" xmlns:p="http://schemas.openxmlformats.org/presentationml/2006/main">
+  <p:cSld>
+    <p:spTree>
+      <p:nvGrpSpPr>
+        <p:cNvPr id="1" name=""/>
+        <p:cNvGrpSpPr/>
+        <p:nvPr/>
+      </p:nvGrpSpPr>
+      <p:grpSpPr>
+        <a:xfrm>
+          <a:off x="0" y="0"/>
+          <a:ext cx="0" cy="0"/>
+          <a:chOff x="0" y="0"/>
+          <a:chExt cx="0" cy="0"/>
+        </a:xfrm>
+      </p:grpSpPr>
+      <p:sp>
+        <p:nvSpPr>
+          <p:cNvPr id="2" name="Title 1">
+            <a:extLst>
+              <a:ext uri="{FF2B5EF4-FFF2-40B4-BE49-F238E27FC236}">
+                <a16:creationId xmlns:a16="http://schemas.microsoft.com/office/drawing/2014/main" id="{F20CC051-3690-3195-0311-15C838ADAB5C}"/>
+              </a:ext>
+            </a:extLst>
+          </p:cNvPr>
+          <p:cNvSpPr>
+            <a:spLocks noGrp="1"/>
+          </p:cNvSpPr>
+          <p:nvPr>
+            <p:ph type="title"/>
+          </p:nvPr>
+        </p:nvSpPr>
+        <p:spPr/>
+        <p:txBody>
+          <a:bodyPr/>
+          <a:lstStyle/>
+          <a:p>
+            <a:r>
+              <a:rPr lang="en-IN" dirty="0"/>
+              <a:t>Retesting</a:t>
+            </a:r>
+          </a:p>
+        </p:txBody>
+      </p:sp>
+      <p:sp>
+        <p:nvSpPr>
+          <p:cNvPr id="3" name="Content Placeholder 2">
+            <a:extLst>
+              <a:ext uri="{FF2B5EF4-FFF2-40B4-BE49-F238E27FC236}">
+                <a16:creationId xmlns:a16="http://schemas.microsoft.com/office/drawing/2014/main" id="{1A9F57B9-DBC2-DBDE-8B83-62DDDFBF9C22}"/>
+              </a:ext>
+            </a:extLst>
+          </p:cNvPr>
+          <p:cNvSpPr>
+            <a:spLocks noGrp="1"/>
+          </p:cNvSpPr>
+          <p:nvPr>
+            <p:ph idx="1"/>
+          </p:nvPr>
+        </p:nvSpPr>
+        <p:spPr/>
+        <p:txBody>
+          <a:bodyPr/>
+          <a:lstStyle/>
+          <a:p>
+            <a:pPr algn="just" rtl="0" fontAlgn="base"/>
+            <a:r>
+              <a:rPr lang="en-US" sz="2400" b="1" i="0" dirty="0">
+                <a:solidFill>
+                  <a:srgbClr val="273239"/>
+                </a:solidFill>
+                <a:effectLst/>
+                <a:highlight>
+                  <a:srgbClr val="FFFFFF"/>
+                </a:highlight>
+                <a:latin typeface="Nunito" pitchFamily="2" charset="0"/>
+              </a:rPr>
+              <a:t>Retesting</a:t>
+            </a:r>
+          </a:p>
+          <a:p>
+            <a:pPr marL="0" indent="0" algn="just" rtl="0" fontAlgn="base">
+              <a:buNone/>
+            </a:pPr>
+            <a:r>
+              <a:rPr lang="en-US" b="0" i="0" dirty="0">
+                <a:solidFill>
+                  <a:srgbClr val="273239"/>
+                </a:solidFill>
+                <a:effectLst/>
+                <a:highlight>
+                  <a:srgbClr val="FFFFFF"/>
+                </a:highlight>
+                <a:latin typeface="Nunito" pitchFamily="2" charset="0"/>
+              </a:rPr>
+              <a:t>Retesting is a procedure where we need to check that particular test cases that are found with some bugs during the execution time. Retesting also occurs when the product is already tested and due to some problems, it needs to be tested again. This test is named retesting.</a:t>
+            </a:r>
+          </a:p>
+          <a:p>
+            <a:pPr algn="just" rtl="0" fontAlgn="base"/>
+            <a:r>
+              <a:rPr lang="en-US" b="0" i="0" u="sng" dirty="0">
+                <a:solidFill>
+                  <a:srgbClr val="273239"/>
+                </a:solidFill>
+                <a:effectLst/>
+                <a:highlight>
+                  <a:srgbClr val="FFFFFF"/>
+                </a:highlight>
+                <a:latin typeface="Nunito" pitchFamily="2" charset="0"/>
+                <a:hlinkClick r:id="rId2"/>
+              </a:rPr>
+              <a:t>Retesting </a:t>
+            </a:r>
+            <a:r>
+              <a:rPr lang="en-US" b="0" i="0" dirty="0">
+                <a:solidFill>
+                  <a:srgbClr val="273239"/>
+                </a:solidFill>
+                <a:effectLst/>
+                <a:highlight>
+                  <a:srgbClr val="FFFFFF"/>
+                </a:highlight>
+                <a:latin typeface="Nunito" pitchFamily="2" charset="0"/>
+              </a:rPr>
+              <a:t>depends on the developer department whether they are going to accept the bug testing or reject it. Retesting is done when there is a specific bug when the bug is rejected by the developer and the tester department needs to test the issues when the user reports a problem for retesting and fixing an issue for better application and better workflow.</a:t>
+            </a:r>
+          </a:p>
+          <a:p>
+            <a:endParaRPr lang="en-IN" dirty="0"/>
+          </a:p>
+        </p:txBody>
+      </p:sp>
+    </p:spTree>
+    <p:extLst>
+      <p:ext uri="{BB962C8B-B14F-4D97-AF65-F5344CB8AC3E}">
+        <p14:creationId xmlns:p14="http://schemas.microsoft.com/office/powerpoint/2010/main" val="2756730407"/>
+      </p:ext>
+    </p:extLst>
+  </p:cSld>
+  <p:clrMapOvr>
+    <a:masterClrMapping/>
+  </p:clrMapOvr>
+</p:sld>
+</file>
+
+<file path=ppt/slides/slide54.xml><?xml version="1.0" encoding="utf-8"?>
+<p:sld xmlns:a="http://schemas.openxmlformats.org/drawingml/2006/main" xmlns:r="http://schemas.openxmlformats.org/officeDocument/2006/relationships" xmlns:p="http://schemas.openxmlformats.org/presentationml/2006/main">
+  <p:cSld>
+    <p:spTree>
+      <p:nvGrpSpPr>
+        <p:cNvPr id="1" name=""/>
+        <p:cNvGrpSpPr/>
+        <p:nvPr/>
+      </p:nvGrpSpPr>
+      <p:grpSpPr>
+        <a:xfrm>
+          <a:off x="0" y="0"/>
+          <a:ext cx="0" cy="0"/>
+          <a:chOff x="0" y="0"/>
+          <a:chExt cx="0" cy="0"/>
+        </a:xfrm>
+      </p:grpSpPr>
+      <p:sp>
+        <p:nvSpPr>
+          <p:cNvPr id="2" name="Title 1">
+            <a:extLst>
+              <a:ext uri="{FF2B5EF4-FFF2-40B4-BE49-F238E27FC236}">
+                <a16:creationId xmlns:a16="http://schemas.microsoft.com/office/drawing/2014/main" id="{71F4230B-B87D-FBD5-59A5-E40C836C2EF7}"/>
+              </a:ext>
+            </a:extLst>
+          </p:cNvPr>
+          <p:cNvSpPr>
+            <a:spLocks noGrp="1"/>
+          </p:cNvSpPr>
+          <p:nvPr>
+            <p:ph type="title"/>
+          </p:nvPr>
+        </p:nvSpPr>
+        <p:spPr/>
+        <p:txBody>
+          <a:bodyPr/>
+          <a:lstStyle/>
+          <a:p>
+            <a:r>
+              <a:rPr lang="en-IN" dirty="0"/>
+              <a:t>Usage of retesting</a:t>
+            </a:r>
+          </a:p>
+        </p:txBody>
+      </p:sp>
+      <p:sp>
+        <p:nvSpPr>
+          <p:cNvPr id="3" name="Content Placeholder 2">
+            <a:extLst>
+              <a:ext uri="{FF2B5EF4-FFF2-40B4-BE49-F238E27FC236}">
+                <a16:creationId xmlns:a16="http://schemas.microsoft.com/office/drawing/2014/main" id="{9ACB1C0C-2CBB-165A-6973-853513CD092D}"/>
+              </a:ext>
+            </a:extLst>
+          </p:cNvPr>
+          <p:cNvSpPr>
+            <a:spLocks noGrp="1"/>
+          </p:cNvSpPr>
+          <p:nvPr>
+            <p:ph idx="1"/>
+          </p:nvPr>
+        </p:nvSpPr>
+        <p:spPr/>
+        <p:txBody>
+          <a:bodyPr/>
+          <a:lstStyle/>
+          <a:p>
+            <a:pPr algn="l" fontAlgn="base">
+              <a:buFont typeface="Arial" panose="020B0604020202020204" pitchFamily="34" charset="0"/>
+              <a:buChar char="•"/>
+            </a:pPr>
+            <a:r>
+              <a:rPr lang="en-US" b="0" i="0" u="sng" dirty="0">
+                <a:solidFill>
+                  <a:srgbClr val="273239"/>
+                </a:solidFill>
+                <a:effectLst/>
+                <a:highlight>
+                  <a:srgbClr val="FFFFFF"/>
+                </a:highlight>
+                <a:latin typeface="Nunito" pitchFamily="2" charset="0"/>
+                <a:hlinkClick r:id="rId2"/>
+              </a:rPr>
+              <a:t>Retesting</a:t>
+            </a:r>
+            <a:r>
+              <a:rPr lang="en-US" b="0" i="0" dirty="0">
+                <a:solidFill>
+                  <a:srgbClr val="273239"/>
+                </a:solidFill>
+                <a:effectLst/>
+                <a:highlight>
+                  <a:srgbClr val="FFFFFF"/>
+                </a:highlight>
+                <a:latin typeface="Nunito" pitchFamily="2" charset="0"/>
+              </a:rPr>
+              <a:t> is used when there is any specific </a:t>
+            </a:r>
+            <a:r>
+              <a:rPr lang="en-US" b="0" i="0" u="sng" dirty="0">
+                <a:solidFill>
+                  <a:srgbClr val="273239"/>
+                </a:solidFill>
+                <a:effectLst/>
+                <a:highlight>
+                  <a:srgbClr val="FFFFFF"/>
+                </a:highlight>
+                <a:latin typeface="Nunito" pitchFamily="2" charset="0"/>
+                <a:hlinkClick r:id="rId3"/>
+              </a:rPr>
+              <a:t>error</a:t>
+            </a:r>
+            <a:r>
+              <a:rPr lang="en-US" b="0" i="0" dirty="0">
+                <a:solidFill>
+                  <a:srgbClr val="273239"/>
+                </a:solidFill>
+                <a:effectLst/>
+                <a:highlight>
+                  <a:srgbClr val="FFFFFF"/>
+                </a:highlight>
+                <a:latin typeface="Nunito" pitchFamily="2" charset="0"/>
+              </a:rPr>
+              <a:t> or</a:t>
+            </a:r>
+            <a:r>
+              <a:rPr lang="en-US" b="0" i="0" u="sng" dirty="0">
+                <a:solidFill>
+                  <a:srgbClr val="273239"/>
+                </a:solidFill>
+                <a:effectLst/>
+                <a:highlight>
+                  <a:srgbClr val="FFFFFF"/>
+                </a:highlight>
+                <a:latin typeface="Nunito" pitchFamily="2" charset="0"/>
+                <a:hlinkClick r:id="rId4"/>
+              </a:rPr>
+              <a:t> bug </a:t>
+            </a:r>
+            <a:r>
+              <a:rPr lang="en-US" b="0" i="0" dirty="0">
+                <a:solidFill>
+                  <a:srgbClr val="273239"/>
+                </a:solidFill>
+                <a:effectLst/>
+                <a:highlight>
+                  <a:srgbClr val="FFFFFF"/>
+                </a:highlight>
+                <a:latin typeface="Nunito" pitchFamily="2" charset="0"/>
+              </a:rPr>
+              <a:t>which needs to be verified.</a:t>
+            </a:r>
+          </a:p>
+          <a:p>
+            <a:pPr algn="l" fontAlgn="base">
+              <a:buFont typeface="Arial" panose="020B0604020202020204" pitchFamily="34" charset="0"/>
+              <a:buChar char="•"/>
+            </a:pPr>
+            <a:r>
+              <a:rPr lang="en-US" b="0" i="0" dirty="0">
+                <a:solidFill>
+                  <a:srgbClr val="273239"/>
+                </a:solidFill>
+                <a:effectLst/>
+                <a:highlight>
+                  <a:srgbClr val="FFFFFF"/>
+                </a:highlight>
+                <a:latin typeface="Nunito" pitchFamily="2" charset="0"/>
+              </a:rPr>
+              <a:t>It is used when the bug is rejected by the developers then the testing department tests whether that bug is actual or not.</a:t>
+            </a:r>
+          </a:p>
+          <a:p>
+            <a:pPr algn="l" fontAlgn="base">
+              <a:buFont typeface="Arial" panose="020B0604020202020204" pitchFamily="34" charset="0"/>
+              <a:buChar char="•"/>
+            </a:pPr>
+            <a:r>
+              <a:rPr lang="en-US" b="0" i="0" dirty="0">
+                <a:solidFill>
+                  <a:srgbClr val="273239"/>
+                </a:solidFill>
+                <a:effectLst/>
+                <a:highlight>
+                  <a:srgbClr val="FFFFFF"/>
+                </a:highlight>
+                <a:latin typeface="Nunito" pitchFamily="2" charset="0"/>
+              </a:rPr>
+              <a:t>It is also used to check the whole system to verify the final functionality.</a:t>
+            </a:r>
+          </a:p>
+          <a:p>
+            <a:pPr algn="l" fontAlgn="base">
+              <a:buFont typeface="Arial" panose="020B0604020202020204" pitchFamily="34" charset="0"/>
+              <a:buChar char="•"/>
+            </a:pPr>
+            <a:r>
+              <a:rPr lang="en-US" b="0" i="0" dirty="0">
+                <a:solidFill>
+                  <a:srgbClr val="273239"/>
+                </a:solidFill>
+                <a:effectLst/>
+                <a:highlight>
+                  <a:srgbClr val="FFFFFF"/>
+                </a:highlight>
+                <a:latin typeface="Nunito" pitchFamily="2" charset="0"/>
+              </a:rPr>
+              <a:t>It also checks the quality of a specific part of a system.</a:t>
+            </a:r>
+          </a:p>
+          <a:p>
+            <a:pPr algn="l" fontAlgn="base">
+              <a:buFont typeface="Arial" panose="020B0604020202020204" pitchFamily="34" charset="0"/>
+              <a:buChar char="•"/>
+            </a:pPr>
+            <a:r>
+              <a:rPr lang="en-US" b="0" i="0" dirty="0">
+                <a:solidFill>
+                  <a:srgbClr val="273239"/>
+                </a:solidFill>
+                <a:effectLst/>
+                <a:highlight>
+                  <a:srgbClr val="FFFFFF"/>
+                </a:highlight>
+                <a:latin typeface="Nunito" pitchFamily="2" charset="0"/>
+              </a:rPr>
+              <a:t>When some user demands retesting of their system.</a:t>
+            </a:r>
+          </a:p>
+          <a:p>
+            <a:endParaRPr lang="en-IN" dirty="0"/>
+          </a:p>
+        </p:txBody>
+      </p:sp>
+    </p:spTree>
+    <p:extLst>
+      <p:ext uri="{BB962C8B-B14F-4D97-AF65-F5344CB8AC3E}">
+        <p14:creationId xmlns:p14="http://schemas.microsoft.com/office/powerpoint/2010/main" val="326722661"/>
+      </p:ext>
+    </p:extLst>
+  </p:cSld>
+  <p:clrMapOvr>
+    <a:masterClrMapping/>
+  </p:clrMapOvr>
+</p:sld>
+</file>
+
+<file path=ppt/slides/slide55.xml><?xml version="1.0" encoding="utf-8"?>
+<p:sld xmlns:a="http://schemas.openxmlformats.org/drawingml/2006/main" xmlns:r="http://schemas.openxmlformats.org/officeDocument/2006/relationships" xmlns:p="http://schemas.openxmlformats.org/presentationml/2006/main">
+  <p:cSld>
+    <p:spTree>
+      <p:nvGrpSpPr>
+        <p:cNvPr id="1" name=""/>
+        <p:cNvGrpSpPr/>
+        <p:nvPr/>
+      </p:nvGrpSpPr>
+      <p:grpSpPr>
+        <a:xfrm>
+          <a:off x="0" y="0"/>
+          <a:ext cx="0" cy="0"/>
+          <a:chOff x="0" y="0"/>
+          <a:chExt cx="0" cy="0"/>
+        </a:xfrm>
+      </p:grpSpPr>
+      <p:sp>
+        <p:nvSpPr>
+          <p:cNvPr id="2" name="Title 1">
+            <a:extLst>
+              <a:ext uri="{FF2B5EF4-FFF2-40B4-BE49-F238E27FC236}">
+                <a16:creationId xmlns:a16="http://schemas.microsoft.com/office/drawing/2014/main" id="{D0CF799D-35F4-1A2E-93F2-85C599E025C6}"/>
+              </a:ext>
+            </a:extLst>
+          </p:cNvPr>
+          <p:cNvSpPr>
+            <a:spLocks noGrp="1"/>
+          </p:cNvSpPr>
+          <p:nvPr>
+            <p:ph type="title"/>
+          </p:nvPr>
+        </p:nvSpPr>
+        <p:spPr/>
+        <p:txBody>
+          <a:bodyPr/>
+          <a:lstStyle/>
+          <a:p>
+            <a:r>
+              <a:rPr lang="en-IN" dirty="0"/>
+              <a:t>Regression testing</a:t>
+            </a:r>
+          </a:p>
+        </p:txBody>
+      </p:sp>
+      <p:sp>
+        <p:nvSpPr>
+          <p:cNvPr id="3" name="Content Placeholder 2">
+            <a:extLst>
+              <a:ext uri="{FF2B5EF4-FFF2-40B4-BE49-F238E27FC236}">
+                <a16:creationId xmlns:a16="http://schemas.microsoft.com/office/drawing/2014/main" id="{F068E235-8FE3-2AA6-9AB0-133DA51804F1}"/>
+              </a:ext>
+            </a:extLst>
+          </p:cNvPr>
+          <p:cNvSpPr>
+            <a:spLocks noGrp="1"/>
+          </p:cNvSpPr>
+          <p:nvPr>
+            <p:ph idx="1"/>
+          </p:nvPr>
+        </p:nvSpPr>
+        <p:spPr/>
+        <p:txBody>
+          <a:bodyPr/>
+          <a:lstStyle/>
+          <a:p>
+            <a:pPr algn="l" rtl="0" fontAlgn="base"/>
+            <a:r>
+              <a:rPr lang="en-US" b="1" i="0" dirty="0">
+                <a:solidFill>
+                  <a:srgbClr val="273239"/>
+                </a:solidFill>
+                <a:effectLst/>
+                <a:highlight>
+                  <a:srgbClr val="FFFFFF"/>
+                </a:highlight>
+                <a:latin typeface="Nunito" pitchFamily="2" charset="0"/>
+              </a:rPr>
+              <a:t>Regression testing</a:t>
+            </a:r>
+            <a:r>
+              <a:rPr lang="en-US" b="0" i="0" dirty="0">
+                <a:solidFill>
+                  <a:srgbClr val="273239"/>
+                </a:solidFill>
+                <a:effectLst/>
+                <a:highlight>
+                  <a:srgbClr val="FFFFFF"/>
+                </a:highlight>
+                <a:latin typeface="Nunito" pitchFamily="2" charset="0"/>
+              </a:rPr>
+              <a:t> is a crucial aspect of </a:t>
+            </a:r>
+            <a:r>
+              <a:rPr lang="en-US" b="1" i="0" dirty="0">
+                <a:solidFill>
+                  <a:srgbClr val="273239"/>
+                </a:solidFill>
+                <a:effectLst/>
+                <a:highlight>
+                  <a:srgbClr val="FFFFFF"/>
+                </a:highlight>
+                <a:latin typeface="Nunito" pitchFamily="2" charset="0"/>
+              </a:rPr>
+              <a:t>software engineering</a:t>
+            </a:r>
+            <a:r>
+              <a:rPr lang="en-US" b="0" i="0" dirty="0">
+                <a:solidFill>
+                  <a:srgbClr val="273239"/>
+                </a:solidFill>
+                <a:effectLst/>
+                <a:highlight>
+                  <a:srgbClr val="FFFFFF"/>
+                </a:highlight>
+                <a:latin typeface="Nunito" pitchFamily="2" charset="0"/>
+              </a:rPr>
+              <a:t> that ensures the stability and reliability of a software product. It involves retesting the previously tested functionalities to verify that recent code changes haven’t adversely affected the existing features.</a:t>
+            </a:r>
+          </a:p>
+          <a:p>
+            <a:pPr algn="l" rtl="0" fontAlgn="base"/>
+            <a:r>
+              <a:rPr lang="en-US" b="0" i="0" dirty="0">
+                <a:solidFill>
+                  <a:srgbClr val="273239"/>
+                </a:solidFill>
+                <a:effectLst/>
+                <a:highlight>
+                  <a:srgbClr val="FFFFFF"/>
+                </a:highlight>
+                <a:latin typeface="Nunito" pitchFamily="2" charset="0"/>
+              </a:rPr>
+              <a:t>By identifying and fixing any </a:t>
+            </a:r>
+            <a:r>
+              <a:rPr lang="en-US" b="1" i="0" dirty="0">
+                <a:solidFill>
+                  <a:srgbClr val="273239"/>
+                </a:solidFill>
+                <a:effectLst/>
+                <a:highlight>
+                  <a:srgbClr val="FFFFFF"/>
+                </a:highlight>
+                <a:latin typeface="Nunito" pitchFamily="2" charset="0"/>
+              </a:rPr>
+              <a:t>regression</a:t>
+            </a:r>
+            <a:r>
+              <a:rPr lang="en-US" b="0" i="0" dirty="0">
+                <a:solidFill>
+                  <a:srgbClr val="273239"/>
+                </a:solidFill>
+                <a:effectLst/>
+                <a:highlight>
+                  <a:srgbClr val="FFFFFF"/>
+                </a:highlight>
+                <a:latin typeface="Nunito" pitchFamily="2" charset="0"/>
+              </a:rPr>
+              <a:t> or unintended bugs, </a:t>
+            </a:r>
+            <a:r>
+              <a:rPr lang="en-US" b="1" i="0" dirty="0">
+                <a:solidFill>
+                  <a:srgbClr val="273239"/>
+                </a:solidFill>
+                <a:effectLst/>
+                <a:highlight>
+                  <a:srgbClr val="FFFFFF"/>
+                </a:highlight>
+                <a:latin typeface="Nunito" pitchFamily="2" charset="0"/>
+              </a:rPr>
+              <a:t>regression testing</a:t>
+            </a:r>
+            <a:r>
+              <a:rPr lang="en-US" b="0" i="0" dirty="0">
+                <a:solidFill>
+                  <a:srgbClr val="273239"/>
+                </a:solidFill>
+                <a:effectLst/>
+                <a:highlight>
+                  <a:srgbClr val="FFFFFF"/>
+                </a:highlight>
+                <a:latin typeface="Nunito" pitchFamily="2" charset="0"/>
+              </a:rPr>
+              <a:t> helps maintain the overall quality of the software. This process is essential for </a:t>
+            </a:r>
+            <a:r>
+              <a:rPr lang="en-US" b="1" i="0" dirty="0">
+                <a:solidFill>
+                  <a:srgbClr val="273239"/>
+                </a:solidFill>
+                <a:effectLst/>
+                <a:highlight>
+                  <a:srgbClr val="FFFFFF"/>
+                </a:highlight>
+                <a:latin typeface="Nunito" pitchFamily="2" charset="0"/>
+              </a:rPr>
+              <a:t>software development</a:t>
+            </a:r>
+            <a:r>
+              <a:rPr lang="en-US" b="0" i="0" dirty="0">
+                <a:solidFill>
+                  <a:srgbClr val="273239"/>
+                </a:solidFill>
+                <a:effectLst/>
+                <a:highlight>
+                  <a:srgbClr val="FFFFFF"/>
+                </a:highlight>
+                <a:latin typeface="Nunito" pitchFamily="2" charset="0"/>
+              </a:rPr>
+              <a:t> teams to deliver consistent and high-quality products to their users.</a:t>
+            </a:r>
+          </a:p>
+          <a:p>
+            <a:endParaRPr lang="en-IN" dirty="0"/>
+          </a:p>
+        </p:txBody>
+      </p:sp>
+    </p:spTree>
+    <p:extLst>
+      <p:ext uri="{BB962C8B-B14F-4D97-AF65-F5344CB8AC3E}">
+        <p14:creationId xmlns:p14="http://schemas.microsoft.com/office/powerpoint/2010/main" val="1455848811"/>
+      </p:ext>
+    </p:extLst>
+  </p:cSld>
+  <p:clrMapOvr>
+    <a:masterClrMapping/>
+  </p:clrMapOvr>
+</p:sld>
+</file>
+
+<file path=ppt/slides/slide56.xml><?xml version="1.0" encoding="utf-8"?>
+<p:sld xmlns:a="http://schemas.openxmlformats.org/drawingml/2006/main" xmlns:r="http://schemas.openxmlformats.org/officeDocument/2006/relationships" xmlns:p="http://schemas.openxmlformats.org/presentationml/2006/main">
+  <p:cSld>
+    <p:spTree>
+      <p:nvGrpSpPr>
+        <p:cNvPr id="1" name=""/>
+        <p:cNvGrpSpPr/>
+        <p:nvPr/>
+      </p:nvGrpSpPr>
+      <p:grpSpPr>
+        <a:xfrm>
+          <a:off x="0" y="0"/>
+          <a:ext cx="0" cy="0"/>
+          <a:chOff x="0" y="0"/>
+          <a:chExt cx="0" cy="0"/>
+        </a:xfrm>
+      </p:grpSpPr>
+      <p:sp>
+        <p:nvSpPr>
+          <p:cNvPr id="2" name="Title 1">
+            <a:extLst>
+              <a:ext uri="{FF2B5EF4-FFF2-40B4-BE49-F238E27FC236}">
+                <a16:creationId xmlns:a16="http://schemas.microsoft.com/office/drawing/2014/main" id="{39F09096-3E1C-0D29-8BF7-C22EF3B6CDBF}"/>
+              </a:ext>
+            </a:extLst>
+          </p:cNvPr>
+          <p:cNvSpPr>
+            <a:spLocks noGrp="1"/>
+          </p:cNvSpPr>
+          <p:nvPr>
+            <p:ph type="title"/>
+          </p:nvPr>
+        </p:nvSpPr>
+        <p:spPr/>
+        <p:txBody>
+          <a:bodyPr/>
+          <a:lstStyle/>
+          <a:p>
+            <a:r>
+              <a:rPr lang="en-IN" dirty="0"/>
+              <a:t>When to do regression testing</a:t>
+            </a:r>
+          </a:p>
+        </p:txBody>
+      </p:sp>
+      <p:sp>
+        <p:nvSpPr>
+          <p:cNvPr id="3" name="Content Placeholder 2">
+            <a:extLst>
+              <a:ext uri="{FF2B5EF4-FFF2-40B4-BE49-F238E27FC236}">
+                <a16:creationId xmlns:a16="http://schemas.microsoft.com/office/drawing/2014/main" id="{B27DFC7B-EA36-1593-90C8-8C819B441021}"/>
+              </a:ext>
+            </a:extLst>
+          </p:cNvPr>
+          <p:cNvSpPr>
+            <a:spLocks noGrp="1"/>
+          </p:cNvSpPr>
+          <p:nvPr>
+            <p:ph idx="1"/>
+          </p:nvPr>
+        </p:nvSpPr>
+        <p:spPr/>
+        <p:txBody>
+          <a:bodyPr/>
+          <a:lstStyle/>
+          <a:p>
+            <a:pPr algn="l" fontAlgn="base"/>
+            <a:r>
+              <a:rPr lang="en-US" b="1" i="0" dirty="0">
+                <a:solidFill>
+                  <a:srgbClr val="273239"/>
+                </a:solidFill>
+                <a:effectLst/>
+                <a:highlight>
+                  <a:srgbClr val="FFFFFF"/>
+                </a:highlight>
+                <a:latin typeface="Nunito" pitchFamily="2" charset="0"/>
+              </a:rPr>
+              <a:t>When to do regression testing?</a:t>
+            </a:r>
+          </a:p>
+          <a:p>
+            <a:pPr algn="l" fontAlgn="base">
+              <a:buFont typeface="Arial" panose="020B0604020202020204" pitchFamily="34" charset="0"/>
+              <a:buChar char="•"/>
+            </a:pPr>
+            <a:r>
+              <a:rPr lang="en-US" b="0" i="0" dirty="0">
+                <a:solidFill>
+                  <a:srgbClr val="273239"/>
+                </a:solidFill>
+                <a:effectLst/>
+                <a:highlight>
+                  <a:srgbClr val="FFFFFF"/>
+                </a:highlight>
+                <a:latin typeface="Nunito" pitchFamily="2" charset="0"/>
+              </a:rPr>
+              <a:t>When new functionality is added to the system and the code has been modified to absorb and integrate that functionality with the existing code.</a:t>
+            </a:r>
+          </a:p>
+          <a:p>
+            <a:pPr algn="l" fontAlgn="base">
+              <a:buFont typeface="Arial" panose="020B0604020202020204" pitchFamily="34" charset="0"/>
+              <a:buChar char="•"/>
+            </a:pPr>
+            <a:r>
+              <a:rPr lang="en-US" b="0" i="0" dirty="0">
+                <a:solidFill>
+                  <a:srgbClr val="273239"/>
+                </a:solidFill>
+                <a:effectLst/>
+                <a:highlight>
+                  <a:srgbClr val="FFFFFF"/>
+                </a:highlight>
+                <a:latin typeface="Nunito" pitchFamily="2" charset="0"/>
+              </a:rPr>
+              <a:t>When some defect has been identified in the software and the code is debugged to fix it.</a:t>
+            </a:r>
+          </a:p>
+          <a:p>
+            <a:pPr algn="l" fontAlgn="base">
+              <a:buFont typeface="Arial" panose="020B0604020202020204" pitchFamily="34" charset="0"/>
+              <a:buChar char="•"/>
+            </a:pPr>
+            <a:r>
+              <a:rPr lang="en-US" b="0" i="0" dirty="0">
+                <a:solidFill>
+                  <a:srgbClr val="273239"/>
+                </a:solidFill>
+                <a:effectLst/>
+                <a:highlight>
+                  <a:srgbClr val="FFFFFF"/>
+                </a:highlight>
+                <a:latin typeface="Nunito" pitchFamily="2" charset="0"/>
+              </a:rPr>
+              <a:t>When the code is modified to optimize its working.</a:t>
+            </a:r>
+          </a:p>
+          <a:p>
+            <a:endParaRPr lang="en-IN" dirty="0"/>
+          </a:p>
+        </p:txBody>
+      </p:sp>
+    </p:spTree>
+    <p:extLst>
+      <p:ext uri="{BB962C8B-B14F-4D97-AF65-F5344CB8AC3E}">
+        <p14:creationId xmlns:p14="http://schemas.microsoft.com/office/powerpoint/2010/main" val="2916620925"/>
+      </p:ext>
+    </p:extLst>
+  </p:cSld>
+  <p:clrMapOvr>
+    <a:masterClrMapping/>
+  </p:clrMapOvr>
+</p:sld>
+</file>
+
+<file path=ppt/slides/slide57.xml><?xml version="1.0" encoding="utf-8"?>
+<p:sld xmlns:a="http://schemas.openxmlformats.org/drawingml/2006/main" xmlns:r="http://schemas.openxmlformats.org/officeDocument/2006/relationships" xmlns:p="http://schemas.openxmlformats.org/presentationml/2006/main">
+  <p:cSld>
+    <p:spTree>
+      <p:nvGrpSpPr>
+        <p:cNvPr id="1" name=""/>
+        <p:cNvGrpSpPr/>
+        <p:nvPr/>
+      </p:nvGrpSpPr>
+      <p:grpSpPr>
+        <a:xfrm>
+          <a:off x="0" y="0"/>
+          <a:ext cx="0" cy="0"/>
+          <a:chOff x="0" y="0"/>
+          <a:chExt cx="0" cy="0"/>
+        </a:xfrm>
+      </p:grpSpPr>
+      <p:sp>
+        <p:nvSpPr>
+          <p:cNvPr id="2" name="Title 1">
+            <a:extLst>
+              <a:ext uri="{FF2B5EF4-FFF2-40B4-BE49-F238E27FC236}">
+                <a16:creationId xmlns:a16="http://schemas.microsoft.com/office/drawing/2014/main" id="{4C734F7D-5F7C-3060-F51D-4A59EC4DAE31}"/>
+              </a:ext>
+            </a:extLst>
+          </p:cNvPr>
+          <p:cNvSpPr>
+            <a:spLocks noGrp="1"/>
+          </p:cNvSpPr>
+          <p:nvPr>
+            <p:ph type="title"/>
+          </p:nvPr>
+        </p:nvSpPr>
+        <p:spPr/>
+        <p:txBody>
+          <a:bodyPr/>
+          <a:lstStyle/>
+          <a:p>
+            <a:r>
+              <a:rPr lang="en-IN" dirty="0"/>
+              <a:t>Advantages of regression testing</a:t>
+            </a:r>
+          </a:p>
+        </p:txBody>
+      </p:sp>
+      <p:sp>
+        <p:nvSpPr>
+          <p:cNvPr id="3" name="Content Placeholder 2">
+            <a:extLst>
+              <a:ext uri="{FF2B5EF4-FFF2-40B4-BE49-F238E27FC236}">
+                <a16:creationId xmlns:a16="http://schemas.microsoft.com/office/drawing/2014/main" id="{9B86B4B0-612F-9922-C536-46C5A13E339C}"/>
+              </a:ext>
+            </a:extLst>
+          </p:cNvPr>
+          <p:cNvSpPr>
+            <a:spLocks noGrp="1"/>
+          </p:cNvSpPr>
+          <p:nvPr>
+            <p:ph idx="1"/>
+          </p:nvPr>
+        </p:nvSpPr>
+        <p:spPr/>
+        <p:txBody>
+          <a:bodyPr/>
+          <a:lstStyle/>
+          <a:p>
+            <a:pPr algn="l" fontAlgn="base">
+              <a:buFont typeface="Arial" panose="020B0604020202020204" pitchFamily="34" charset="0"/>
+              <a:buChar char="•"/>
+            </a:pPr>
+            <a:r>
+              <a:rPr lang="en-US" b="0" i="0" dirty="0">
+                <a:solidFill>
+                  <a:srgbClr val="273239"/>
+                </a:solidFill>
+                <a:effectLst/>
+                <a:highlight>
+                  <a:srgbClr val="FFFFFF"/>
+                </a:highlight>
+                <a:latin typeface="Nunito" pitchFamily="2" charset="0"/>
+              </a:rPr>
+              <a:t>Automated unit testing</a:t>
+            </a:r>
+          </a:p>
+          <a:p>
+            <a:pPr algn="l" fontAlgn="base">
+              <a:buFont typeface="Arial" panose="020B0604020202020204" pitchFamily="34" charset="0"/>
+              <a:buChar char="•"/>
+            </a:pPr>
+            <a:r>
+              <a:rPr lang="en-US" b="0" i="0" dirty="0">
+                <a:solidFill>
+                  <a:srgbClr val="273239"/>
+                </a:solidFill>
+                <a:effectLst/>
+                <a:highlight>
+                  <a:srgbClr val="FFFFFF"/>
+                </a:highlight>
+                <a:latin typeface="Nunito" pitchFamily="2" charset="0"/>
+              </a:rPr>
+              <a:t>Comprehensive test coverage</a:t>
+            </a:r>
+          </a:p>
+          <a:p>
+            <a:pPr algn="l" fontAlgn="base">
+              <a:buFont typeface="Arial" panose="020B0604020202020204" pitchFamily="34" charset="0"/>
+              <a:buChar char="•"/>
+            </a:pPr>
+            <a:r>
+              <a:rPr lang="en-US" b="0" i="0" dirty="0">
+                <a:solidFill>
+                  <a:srgbClr val="273239"/>
+                </a:solidFill>
+                <a:effectLst/>
+                <a:highlight>
+                  <a:srgbClr val="FFFFFF"/>
+                </a:highlight>
+                <a:latin typeface="Nunito" pitchFamily="2" charset="0"/>
+              </a:rPr>
+              <a:t>System integration</a:t>
+            </a:r>
+          </a:p>
+          <a:p>
+            <a:pPr algn="l" fontAlgn="base">
+              <a:buFont typeface="Arial" panose="020B0604020202020204" pitchFamily="34" charset="0"/>
+              <a:buChar char="•"/>
+            </a:pPr>
+            <a:r>
+              <a:rPr lang="en-US" b="0" i="0" dirty="0">
+                <a:solidFill>
+                  <a:srgbClr val="273239"/>
+                </a:solidFill>
+                <a:effectLst/>
+                <a:highlight>
+                  <a:srgbClr val="FFFFFF"/>
+                </a:highlight>
+                <a:latin typeface="Nunito" pitchFamily="2" charset="0"/>
+              </a:rPr>
+              <a:t>Faster test execution completion</a:t>
+            </a:r>
+          </a:p>
+          <a:p>
+            <a:pPr algn="l" fontAlgn="base">
+              <a:buFont typeface="Arial" panose="020B0604020202020204" pitchFamily="34" charset="0"/>
+              <a:buChar char="•"/>
+            </a:pPr>
+            <a:r>
+              <a:rPr lang="en-US" b="0" i="0" dirty="0">
+                <a:solidFill>
+                  <a:srgbClr val="273239"/>
+                </a:solidFill>
+                <a:effectLst/>
+                <a:highlight>
+                  <a:srgbClr val="FFFFFF"/>
+                </a:highlight>
+                <a:latin typeface="Nunito" pitchFamily="2" charset="0"/>
+              </a:rPr>
+              <a:t>Improved developer productivity</a:t>
+            </a:r>
+          </a:p>
+          <a:p>
+            <a:pPr algn="l" fontAlgn="base">
+              <a:buFont typeface="Arial" panose="020B0604020202020204" pitchFamily="34" charset="0"/>
+              <a:buChar char="•"/>
+            </a:pPr>
+            <a:r>
+              <a:rPr lang="en-US" b="0" i="0" dirty="0">
+                <a:solidFill>
+                  <a:srgbClr val="273239"/>
+                </a:solidFill>
+                <a:effectLst/>
+                <a:highlight>
+                  <a:srgbClr val="FFFFFF"/>
+                </a:highlight>
+                <a:latin typeface="Nunito" pitchFamily="2" charset="0"/>
+              </a:rPr>
+              <a:t>Parallel testing</a:t>
+            </a:r>
+          </a:p>
+          <a:p>
+            <a:pPr algn="l" fontAlgn="base">
+              <a:buFont typeface="Arial" panose="020B0604020202020204" pitchFamily="34" charset="0"/>
+              <a:buChar char="•"/>
+            </a:pPr>
+            <a:r>
+              <a:rPr lang="en-US" b="0" i="0" dirty="0">
+                <a:solidFill>
+                  <a:srgbClr val="273239"/>
+                </a:solidFill>
+                <a:effectLst/>
+                <a:highlight>
+                  <a:srgbClr val="FFFFFF"/>
+                </a:highlight>
+                <a:latin typeface="Nunito" pitchFamily="2" charset="0"/>
+              </a:rPr>
+              <a:t>Reduced costs</a:t>
+            </a:r>
+          </a:p>
+          <a:p>
+            <a:pPr algn="l" fontAlgn="base">
+              <a:buFont typeface="Arial" panose="020B0604020202020204" pitchFamily="34" charset="0"/>
+              <a:buChar char="•"/>
+            </a:pPr>
+            <a:r>
+              <a:rPr lang="en-US" b="0" i="0" dirty="0">
+                <a:solidFill>
+                  <a:srgbClr val="273239"/>
+                </a:solidFill>
+                <a:effectLst/>
+                <a:highlight>
+                  <a:srgbClr val="FFFFFF"/>
+                </a:highlight>
+                <a:latin typeface="Nunito" pitchFamily="2" charset="0"/>
+              </a:rPr>
+              <a:t>Regression testing improves product quality</a:t>
+            </a:r>
+          </a:p>
+          <a:p>
+            <a:endParaRPr lang="en-IN" dirty="0"/>
+          </a:p>
+        </p:txBody>
+      </p:sp>
+    </p:spTree>
+    <p:extLst>
+      <p:ext uri="{BB962C8B-B14F-4D97-AF65-F5344CB8AC3E}">
+        <p14:creationId xmlns:p14="http://schemas.microsoft.com/office/powerpoint/2010/main" val="1880326669"/>
+      </p:ext>
+    </p:extLst>
+  </p:cSld>
+  <p:clrMapOvr>
+    <a:masterClrMapping/>
+  </p:clrMapOvr>
+</p:sld>
+</file>
+
+<file path=ppt/slides/slide58.xml><?xml version="1.0" encoding="utf-8"?>
+<p:sld xmlns:a="http://schemas.openxmlformats.org/drawingml/2006/main" xmlns:r="http://schemas.openxmlformats.org/officeDocument/2006/relationships" xmlns:p="http://schemas.openxmlformats.org/presentationml/2006/main">
+  <p:cSld>
+    <p:spTree>
+      <p:nvGrpSpPr>
+        <p:cNvPr id="1" name=""/>
+        <p:cNvGrpSpPr/>
+        <p:nvPr/>
+      </p:nvGrpSpPr>
+      <p:grpSpPr>
+        <a:xfrm>
+          <a:off x="0" y="0"/>
+          <a:ext cx="0" cy="0"/>
+          <a:chOff x="0" y="0"/>
+          <a:chExt cx="0" cy="0"/>
+        </a:xfrm>
+      </p:grpSpPr>
+      <p:sp>
+        <p:nvSpPr>
+          <p:cNvPr id="2" name="Title 1">
+            <a:extLst>
+              <a:ext uri="{FF2B5EF4-FFF2-40B4-BE49-F238E27FC236}">
+                <a16:creationId xmlns:a16="http://schemas.microsoft.com/office/drawing/2014/main" id="{AD01DB98-60A5-32FE-D46F-BAF8C0ED5072}"/>
+              </a:ext>
+            </a:extLst>
+          </p:cNvPr>
+          <p:cNvSpPr>
+            <a:spLocks noGrp="1"/>
+          </p:cNvSpPr>
+          <p:nvPr>
+            <p:ph type="title"/>
+          </p:nvPr>
+        </p:nvSpPr>
+        <p:spPr/>
+        <p:txBody>
+          <a:bodyPr/>
+          <a:lstStyle/>
+          <a:p>
+            <a:r>
+              <a:rPr lang="en-IN" dirty="0"/>
+              <a:t>Sanity testing</a:t>
+            </a:r>
+          </a:p>
+        </p:txBody>
+      </p:sp>
+      <p:sp>
+        <p:nvSpPr>
+          <p:cNvPr id="3" name="Content Placeholder 2">
+            <a:extLst>
+              <a:ext uri="{FF2B5EF4-FFF2-40B4-BE49-F238E27FC236}">
+                <a16:creationId xmlns:a16="http://schemas.microsoft.com/office/drawing/2014/main" id="{0F8A27B1-E874-BD6A-C8EA-5D17ECA925EB}"/>
+              </a:ext>
+            </a:extLst>
+          </p:cNvPr>
+          <p:cNvSpPr>
+            <a:spLocks noGrp="1"/>
+          </p:cNvSpPr>
+          <p:nvPr>
+            <p:ph idx="1"/>
+          </p:nvPr>
+        </p:nvSpPr>
+        <p:spPr>
+          <a:xfrm>
+            <a:off x="1024128" y="2286000"/>
+            <a:ext cx="9720073" cy="4572000"/>
+          </a:xfrm>
+        </p:spPr>
+        <p:txBody>
+          <a:bodyPr/>
+          <a:lstStyle/>
+          <a:p>
+            <a:r>
+              <a:rPr lang="en-US" b="0" i="0" dirty="0">
+                <a:solidFill>
+                  <a:srgbClr val="273239"/>
+                </a:solidFill>
+                <a:effectLst/>
+                <a:highlight>
+                  <a:srgbClr val="FFFFFF"/>
+                </a:highlight>
+                <a:latin typeface="Nunito" pitchFamily="2" charset="0"/>
+              </a:rPr>
+              <a:t>It is a </a:t>
+            </a:r>
+            <a:r>
+              <a:rPr lang="en-US" b="1" i="0" dirty="0">
+                <a:solidFill>
+                  <a:srgbClr val="273239"/>
+                </a:solidFill>
+                <a:effectLst/>
+                <a:highlight>
+                  <a:srgbClr val="FFFFFF"/>
+                </a:highlight>
+                <a:latin typeface="Nunito" pitchFamily="2" charset="0"/>
+              </a:rPr>
+              <a:t>subset </a:t>
+            </a:r>
+            <a:r>
+              <a:rPr lang="en-US" b="0" i="0" dirty="0">
+                <a:solidFill>
+                  <a:srgbClr val="273239"/>
+                </a:solidFill>
+                <a:effectLst/>
+                <a:highlight>
+                  <a:srgbClr val="FFFFFF"/>
+                </a:highlight>
+                <a:latin typeface="Nunito" pitchFamily="2" charset="0"/>
+              </a:rPr>
+              <a:t>of </a:t>
+            </a:r>
+            <a:r>
+              <a:rPr lang="en-US" b="0" i="0" u="sng" dirty="0">
+                <a:effectLst/>
+                <a:highlight>
+                  <a:srgbClr val="FFFFFF"/>
+                </a:highlight>
+                <a:latin typeface="Nunito" pitchFamily="2" charset="0"/>
+                <a:hlinkClick r:id="rId2"/>
+              </a:rPr>
+              <a:t>regression testing</a:t>
+            </a:r>
+            <a:r>
+              <a:rPr lang="en-US" b="0" i="0" dirty="0">
+                <a:solidFill>
+                  <a:srgbClr val="273239"/>
+                </a:solidFill>
+                <a:effectLst/>
+                <a:highlight>
+                  <a:srgbClr val="FFFFFF"/>
+                </a:highlight>
+                <a:latin typeface="Nunito" pitchFamily="2" charset="0"/>
+              </a:rPr>
+              <a:t>. Sanity testing is performed to ensure that the code changes that are made are working properly. Sanity testing is a stoppage to check whether testing for the build can proceed or not. The focus of the team during the sanity testing process is to validate the functionality of the application and not detailed testing. Sanity testing is generally performed on a build where the production deployment is required immediately like a critical bug fix. </a:t>
+            </a:r>
+          </a:p>
+          <a:p>
+            <a:endParaRPr lang="en-IN" dirty="0"/>
+          </a:p>
+        </p:txBody>
+      </p:sp>
+      <p:pic>
+        <p:nvPicPr>
+          <p:cNvPr id="5" name="Picture 4">
+            <a:extLst>
+              <a:ext uri="{FF2B5EF4-FFF2-40B4-BE49-F238E27FC236}">
+                <a16:creationId xmlns:a16="http://schemas.microsoft.com/office/drawing/2014/main" id="{B85638C6-78C6-4DE9-BBFD-59ADA2F338E6}"/>
+              </a:ext>
+            </a:extLst>
+          </p:cNvPr>
+          <p:cNvPicPr>
+            <a:picLocks noChangeAspect="1"/>
+          </p:cNvPicPr>
+          <p:nvPr/>
+        </p:nvPicPr>
+        <p:blipFill>
+          <a:blip r:embed="rId3"/>
+          <a:stretch>
+            <a:fillRect/>
+          </a:stretch>
+        </p:blipFill>
+        <p:spPr>
+          <a:xfrm>
+            <a:off x="3585371" y="4698889"/>
+            <a:ext cx="4324572" cy="2159111"/>
+          </a:xfrm>
+          <a:prstGeom prst="rect">
+            <a:avLst/>
+          </a:prstGeom>
+        </p:spPr>
+      </p:pic>
+    </p:spTree>
+    <p:extLst>
+      <p:ext uri="{BB962C8B-B14F-4D97-AF65-F5344CB8AC3E}">
+        <p14:creationId xmlns:p14="http://schemas.microsoft.com/office/powerpoint/2010/main" val="3872108570"/>
+      </p:ext>
+    </p:extLst>
+  </p:cSld>
+  <p:clrMapOvr>
+    <a:masterClrMapping/>
+  </p:clrMapOvr>
+</p:sld>
+</file>
+
+<file path=ppt/slides/slide59.xml><?xml version="1.0" encoding="utf-8"?>
+<p:sld xmlns:a="http://schemas.openxmlformats.org/drawingml/2006/main" xmlns:r="http://schemas.openxmlformats.org/officeDocument/2006/relationships" xmlns:p="http://schemas.openxmlformats.org/presentationml/2006/main">
+  <p:cSld>
+    <p:spTree>
+      <p:nvGrpSpPr>
+        <p:cNvPr id="1" name=""/>
+        <p:cNvGrpSpPr/>
+        <p:nvPr/>
+      </p:nvGrpSpPr>
+      <p:grpSpPr>
+        <a:xfrm>
+          <a:off x="0" y="0"/>
+          <a:ext cx="0" cy="0"/>
+          <a:chOff x="0" y="0"/>
+          <a:chExt cx="0" cy="0"/>
+        </a:xfrm>
+      </p:grpSpPr>
+      <p:sp>
+        <p:nvSpPr>
+          <p:cNvPr id="2" name="Title 1">
+            <a:extLst>
+              <a:ext uri="{FF2B5EF4-FFF2-40B4-BE49-F238E27FC236}">
+                <a16:creationId xmlns:a16="http://schemas.microsoft.com/office/drawing/2014/main" id="{4F8A9ED6-585C-1BD9-8FDE-B39D0263B1FE}"/>
+              </a:ext>
+            </a:extLst>
+          </p:cNvPr>
+          <p:cNvSpPr>
+            <a:spLocks noGrp="1"/>
+          </p:cNvSpPr>
+          <p:nvPr>
+            <p:ph type="title"/>
+          </p:nvPr>
+        </p:nvSpPr>
+        <p:spPr/>
+        <p:txBody>
+          <a:bodyPr/>
+          <a:lstStyle/>
+          <a:p>
+            <a:r>
+              <a:rPr lang="en-IN" dirty="0"/>
+              <a:t>Advantages of sanity testing</a:t>
+            </a:r>
+          </a:p>
+        </p:txBody>
+      </p:sp>
+      <p:sp>
+        <p:nvSpPr>
+          <p:cNvPr id="3" name="Content Placeholder 2">
+            <a:extLst>
+              <a:ext uri="{FF2B5EF4-FFF2-40B4-BE49-F238E27FC236}">
+                <a16:creationId xmlns:a16="http://schemas.microsoft.com/office/drawing/2014/main" id="{BFD33E23-CAC1-5708-A300-41926E33EBF4}"/>
+              </a:ext>
+            </a:extLst>
+          </p:cNvPr>
+          <p:cNvSpPr>
+            <a:spLocks noGrp="1"/>
+          </p:cNvSpPr>
+          <p:nvPr>
+            <p:ph idx="1"/>
+          </p:nvPr>
+        </p:nvSpPr>
+        <p:spPr/>
+        <p:txBody>
+          <a:bodyPr/>
+          <a:lstStyle/>
+          <a:p>
+            <a:pPr algn="l" fontAlgn="base">
+              <a:buFont typeface="Arial" panose="020B0604020202020204" pitchFamily="34" charset="0"/>
+              <a:buChar char="•"/>
+            </a:pPr>
+            <a:r>
+              <a:rPr lang="en-US" b="0" i="0" dirty="0">
+                <a:solidFill>
+                  <a:srgbClr val="273239"/>
+                </a:solidFill>
+                <a:effectLst/>
+                <a:highlight>
+                  <a:srgbClr val="FFFFFF"/>
+                </a:highlight>
+                <a:latin typeface="Nunito" pitchFamily="2" charset="0"/>
+              </a:rPr>
+              <a:t>Sanity testing helps to quickly identify defects in the core functionality.</a:t>
+            </a:r>
+          </a:p>
+          <a:p>
+            <a:pPr algn="l" fontAlgn="base">
+              <a:buFont typeface="Arial" panose="020B0604020202020204" pitchFamily="34" charset="0"/>
+              <a:buChar char="•"/>
+            </a:pPr>
+            <a:r>
+              <a:rPr lang="en-US" b="0" i="0" dirty="0">
+                <a:solidFill>
+                  <a:srgbClr val="273239"/>
+                </a:solidFill>
+                <a:effectLst/>
+                <a:highlight>
+                  <a:srgbClr val="FFFFFF"/>
+                </a:highlight>
+                <a:latin typeface="Nunito" pitchFamily="2" charset="0"/>
+              </a:rPr>
+              <a:t>It can be carried out in lesser time as no documentation is required for sanity testing.</a:t>
+            </a:r>
+          </a:p>
+          <a:p>
+            <a:pPr algn="l" fontAlgn="base">
+              <a:buFont typeface="Arial" panose="020B0604020202020204" pitchFamily="34" charset="0"/>
+              <a:buChar char="•"/>
+            </a:pPr>
+            <a:r>
+              <a:rPr lang="en-US" b="0" i="0" dirty="0">
+                <a:solidFill>
+                  <a:srgbClr val="273239"/>
+                </a:solidFill>
+                <a:effectLst/>
+                <a:highlight>
+                  <a:srgbClr val="FFFFFF"/>
+                </a:highlight>
+                <a:latin typeface="Nunito" pitchFamily="2" charset="0"/>
+              </a:rPr>
+              <a:t>If the defects are found during sanity testing, project is rejected that is helpful in saving time for execution of regression tests.</a:t>
+            </a:r>
+          </a:p>
+          <a:p>
+            <a:pPr algn="l" fontAlgn="base">
+              <a:buFont typeface="Arial" panose="020B0604020202020204" pitchFamily="34" charset="0"/>
+              <a:buChar char="•"/>
+            </a:pPr>
+            <a:r>
+              <a:rPr lang="en-US" b="0" i="0" dirty="0">
+                <a:solidFill>
+                  <a:srgbClr val="273239"/>
+                </a:solidFill>
+                <a:effectLst/>
+                <a:highlight>
+                  <a:srgbClr val="FFFFFF"/>
+                </a:highlight>
+                <a:latin typeface="Nunito" pitchFamily="2" charset="0"/>
+              </a:rPr>
+              <a:t>This testing technique is not so expensive when compared to another types of testing.</a:t>
+            </a:r>
+          </a:p>
+          <a:p>
+            <a:pPr algn="l" fontAlgn="base">
+              <a:buFont typeface="Arial" panose="020B0604020202020204" pitchFamily="34" charset="0"/>
+              <a:buChar char="•"/>
+            </a:pPr>
+            <a:r>
+              <a:rPr lang="en-US" b="0" i="0" dirty="0">
+                <a:solidFill>
+                  <a:srgbClr val="273239"/>
+                </a:solidFill>
+                <a:effectLst/>
+                <a:highlight>
+                  <a:srgbClr val="FFFFFF"/>
+                </a:highlight>
+                <a:latin typeface="Nunito" pitchFamily="2" charset="0"/>
+              </a:rPr>
+              <a:t>It helps to identify the dependent missing objects.</a:t>
+            </a:r>
+          </a:p>
+          <a:p>
+            <a:pPr algn="l" fontAlgn="base">
+              <a:buFont typeface="Arial" panose="020B0604020202020204" pitchFamily="34" charset="0"/>
+              <a:buChar char="•"/>
+            </a:pPr>
+            <a:r>
+              <a:rPr lang="en-US" b="0" i="0" dirty="0">
+                <a:solidFill>
+                  <a:srgbClr val="273239"/>
+                </a:solidFill>
+                <a:effectLst/>
+                <a:highlight>
+                  <a:srgbClr val="FFFFFF"/>
+                </a:highlight>
+                <a:latin typeface="Nunito" pitchFamily="2" charset="0"/>
+              </a:rPr>
+              <a:t>It is used to verify a small functionality of the system application whether it is still working or not even after a small change.</a:t>
+            </a:r>
+          </a:p>
+          <a:p>
+            <a:endParaRPr lang="en-IN" dirty="0"/>
+          </a:p>
+        </p:txBody>
+      </p:sp>
+    </p:spTree>
+    <p:extLst>
+      <p:ext uri="{BB962C8B-B14F-4D97-AF65-F5344CB8AC3E}">
+        <p14:creationId xmlns:p14="http://schemas.microsoft.com/office/powerpoint/2010/main" val="3036586272"/>
+      </p:ext>
+    </p:extLst>
+  </p:cSld>
+  <p:clrMapOvr>
+    <a:masterClrMapping/>
+  </p:clrMapOvr>
+</p:sld>
+</file>
+
 <file path=ppt/slides/slide6.xml><?xml version="1.0" encoding="utf-8"?>
 <p:sld xmlns:a="http://schemas.openxmlformats.org/drawingml/2006/main" xmlns:r="http://schemas.openxmlformats.org/officeDocument/2006/relationships" xmlns:p="http://schemas.openxmlformats.org/presentationml/2006/main">
   <p:cSld>
@@ -27528,6 +29360,1995 @@
     <p:extLst>
       <p:ext uri="{BB962C8B-B14F-4D97-AF65-F5344CB8AC3E}">
         <p14:creationId xmlns:p14="http://schemas.microsoft.com/office/powerpoint/2010/main" val="568733420"/>
+      </p:ext>
+    </p:extLst>
+  </p:cSld>
+  <p:clrMapOvr>
+    <a:masterClrMapping/>
+  </p:clrMapOvr>
+</p:sld>
+</file>
+
+<file path=ppt/slides/slide60.xml><?xml version="1.0" encoding="utf-8"?>
+<p:sld xmlns:a="http://schemas.openxmlformats.org/drawingml/2006/main" xmlns:r="http://schemas.openxmlformats.org/officeDocument/2006/relationships" xmlns:p="http://schemas.openxmlformats.org/presentationml/2006/main">
+  <p:cSld>
+    <p:spTree>
+      <p:nvGrpSpPr>
+        <p:cNvPr id="1" name=""/>
+        <p:cNvGrpSpPr/>
+        <p:nvPr/>
+      </p:nvGrpSpPr>
+      <p:grpSpPr>
+        <a:xfrm>
+          <a:off x="0" y="0"/>
+          <a:ext cx="0" cy="0"/>
+          <a:chOff x="0" y="0"/>
+          <a:chExt cx="0" cy="0"/>
+        </a:xfrm>
+      </p:grpSpPr>
+      <p:sp>
+        <p:nvSpPr>
+          <p:cNvPr id="2" name="Title 1">
+            <a:extLst>
+              <a:ext uri="{FF2B5EF4-FFF2-40B4-BE49-F238E27FC236}">
+                <a16:creationId xmlns:a16="http://schemas.microsoft.com/office/drawing/2014/main" id="{A626B8A0-8A7B-C40D-9EA5-665C4124ADB1}"/>
+              </a:ext>
+            </a:extLst>
+          </p:cNvPr>
+          <p:cNvSpPr>
+            <a:spLocks noGrp="1"/>
+          </p:cNvSpPr>
+          <p:nvPr>
+            <p:ph type="title"/>
+          </p:nvPr>
+        </p:nvSpPr>
+        <p:spPr/>
+        <p:txBody>
+          <a:bodyPr/>
+          <a:lstStyle/>
+          <a:p>
+            <a:r>
+              <a:rPr lang="en-IN" dirty="0"/>
+              <a:t>Smoke testing</a:t>
+            </a:r>
+          </a:p>
+        </p:txBody>
+      </p:sp>
+      <p:sp>
+        <p:nvSpPr>
+          <p:cNvPr id="3" name="Content Placeholder 2">
+            <a:extLst>
+              <a:ext uri="{FF2B5EF4-FFF2-40B4-BE49-F238E27FC236}">
+                <a16:creationId xmlns:a16="http://schemas.microsoft.com/office/drawing/2014/main" id="{719AFAD4-EBEA-5CFA-307E-8B69C9A4FB5A}"/>
+              </a:ext>
+            </a:extLst>
+          </p:cNvPr>
+          <p:cNvSpPr>
+            <a:spLocks noGrp="1"/>
+          </p:cNvSpPr>
+          <p:nvPr>
+            <p:ph idx="1"/>
+          </p:nvPr>
+        </p:nvSpPr>
+        <p:spPr/>
+        <p:txBody>
+          <a:bodyPr/>
+          <a:lstStyle/>
+          <a:p>
+            <a:r>
+              <a:rPr lang="en-US" b="0" i="0" dirty="0">
+                <a:solidFill>
+                  <a:srgbClr val="273239"/>
+                </a:solidFill>
+                <a:effectLst/>
+                <a:highlight>
+                  <a:srgbClr val="FFFFFF"/>
+                </a:highlight>
+                <a:latin typeface="Nunito" pitchFamily="2" charset="0"/>
+              </a:rPr>
+              <a:t>Smoke testing, also known as “Build Verification Testing” or “Build Acceptance Testing,” is a</a:t>
+            </a:r>
+            <a:r>
+              <a:rPr lang="en-US" b="0" i="0" u="sng" dirty="0">
+                <a:effectLst/>
+                <a:highlight>
+                  <a:srgbClr val="FFFFFF"/>
+                </a:highlight>
+                <a:latin typeface="Nunito" pitchFamily="2" charset="0"/>
+              </a:rPr>
+              <a:t> type of software testing </a:t>
+            </a:r>
+            <a:r>
+              <a:rPr lang="en-US" b="0" i="0" dirty="0">
+                <a:solidFill>
+                  <a:srgbClr val="273239"/>
+                </a:solidFill>
+                <a:effectLst/>
+                <a:highlight>
+                  <a:srgbClr val="FFFFFF"/>
+                </a:highlight>
+                <a:latin typeface="Nunito" pitchFamily="2" charset="0"/>
+              </a:rPr>
+              <a:t>that is typically performed at the beginning of the </a:t>
+            </a:r>
+            <a:r>
+              <a:rPr lang="en-US" b="0" i="0" u="sng" dirty="0">
+                <a:effectLst/>
+                <a:highlight>
+                  <a:srgbClr val="FFFFFF"/>
+                </a:highlight>
+                <a:latin typeface="Nunito" pitchFamily="2" charset="0"/>
+              </a:rPr>
+              <a:t>development process</a:t>
+            </a:r>
+            <a:r>
+              <a:rPr lang="en-US" b="0" i="0" dirty="0">
+                <a:solidFill>
+                  <a:srgbClr val="273239"/>
+                </a:solidFill>
+                <a:effectLst/>
+                <a:highlight>
+                  <a:srgbClr val="FFFFFF"/>
+                </a:highlight>
+                <a:latin typeface="Nunito" pitchFamily="2" charset="0"/>
+              </a:rPr>
+              <a:t> to ensure that the most critical functions of a </a:t>
+            </a:r>
+            <a:r>
+              <a:rPr lang="en-US" b="0" i="0" u="sng" dirty="0">
+                <a:effectLst/>
+                <a:highlight>
+                  <a:srgbClr val="FFFFFF"/>
+                </a:highlight>
+                <a:latin typeface="Nunito" pitchFamily="2" charset="0"/>
+              </a:rPr>
+              <a:t>software application</a:t>
+            </a:r>
+            <a:r>
+              <a:rPr lang="en-US" b="0" i="0" dirty="0">
+                <a:solidFill>
+                  <a:srgbClr val="273239"/>
+                </a:solidFill>
+                <a:effectLst/>
+                <a:highlight>
+                  <a:srgbClr val="FFFFFF"/>
+                </a:highlight>
+                <a:latin typeface="Nunito" pitchFamily="2" charset="0"/>
+              </a:rPr>
+              <a:t> are working correctly. It is used to quickly identify and fix any major issues with the software before more detailed testing is performed. The goal of smoke testing is to determine whether the build is stable enough to proceed with further </a:t>
+            </a:r>
+            <a:r>
+              <a:rPr lang="en-US" b="0" i="0" u="sng" dirty="0">
+                <a:effectLst/>
+                <a:highlight>
+                  <a:srgbClr val="FFFFFF"/>
+                </a:highlight>
+                <a:latin typeface="Nunito" pitchFamily="2" charset="0"/>
+              </a:rPr>
+              <a:t>types of testing</a:t>
+            </a:r>
+            <a:r>
+              <a:rPr lang="en-US" b="0" i="0" dirty="0">
+                <a:solidFill>
+                  <a:srgbClr val="273239"/>
+                </a:solidFill>
+                <a:effectLst/>
+                <a:highlight>
+                  <a:srgbClr val="FFFFFF"/>
+                </a:highlight>
+                <a:latin typeface="Nunito" pitchFamily="2" charset="0"/>
+              </a:rPr>
+              <a:t>.</a:t>
+            </a:r>
+            <a:endParaRPr lang="en-IN" dirty="0"/>
+          </a:p>
+        </p:txBody>
+      </p:sp>
+    </p:spTree>
+    <p:extLst>
+      <p:ext uri="{BB962C8B-B14F-4D97-AF65-F5344CB8AC3E}">
+        <p14:creationId xmlns:p14="http://schemas.microsoft.com/office/powerpoint/2010/main" val="3670121011"/>
+      </p:ext>
+    </p:extLst>
+  </p:cSld>
+  <p:clrMapOvr>
+    <a:masterClrMapping/>
+  </p:clrMapOvr>
+</p:sld>
+</file>
+
+<file path=ppt/slides/slide61.xml><?xml version="1.0" encoding="utf-8"?>
+<p:sld xmlns:a="http://schemas.openxmlformats.org/drawingml/2006/main" xmlns:r="http://schemas.openxmlformats.org/officeDocument/2006/relationships" xmlns:p="http://schemas.openxmlformats.org/presentationml/2006/main">
+  <p:cSld>
+    <p:spTree>
+      <p:nvGrpSpPr>
+        <p:cNvPr id="1" name=""/>
+        <p:cNvGrpSpPr/>
+        <p:nvPr/>
+      </p:nvGrpSpPr>
+      <p:grpSpPr>
+        <a:xfrm>
+          <a:off x="0" y="0"/>
+          <a:ext cx="0" cy="0"/>
+          <a:chOff x="0" y="0"/>
+          <a:chExt cx="0" cy="0"/>
+        </a:xfrm>
+      </p:grpSpPr>
+      <p:sp>
+        <p:nvSpPr>
+          <p:cNvPr id="2" name="Title 1">
+            <a:extLst>
+              <a:ext uri="{FF2B5EF4-FFF2-40B4-BE49-F238E27FC236}">
+                <a16:creationId xmlns:a16="http://schemas.microsoft.com/office/drawing/2014/main" id="{7D683DDB-C6D3-4A64-A46C-21B4203F1DE1}"/>
+              </a:ext>
+            </a:extLst>
+          </p:cNvPr>
+          <p:cNvSpPr>
+            <a:spLocks noGrp="1"/>
+          </p:cNvSpPr>
+          <p:nvPr>
+            <p:ph type="title"/>
+          </p:nvPr>
+        </p:nvSpPr>
+        <p:spPr/>
+        <p:txBody>
+          <a:bodyPr/>
+          <a:lstStyle/>
+          <a:p>
+            <a:r>
+              <a:rPr lang="en-IN" dirty="0"/>
+              <a:t>Level of SMOKE testing</a:t>
+            </a:r>
+          </a:p>
+        </p:txBody>
+      </p:sp>
+      <p:pic>
+        <p:nvPicPr>
+          <p:cNvPr id="5" name="Content Placeholder 4">
+            <a:extLst>
+              <a:ext uri="{FF2B5EF4-FFF2-40B4-BE49-F238E27FC236}">
+                <a16:creationId xmlns:a16="http://schemas.microsoft.com/office/drawing/2014/main" id="{F88C0B57-EDF0-7B9A-B0D6-F1A6EF906068}"/>
+              </a:ext>
+            </a:extLst>
+          </p:cNvPr>
+          <p:cNvPicPr>
+            <a:picLocks noGrp="1" noChangeAspect="1"/>
+          </p:cNvPicPr>
+          <p:nvPr>
+            <p:ph idx="1"/>
+          </p:nvPr>
+        </p:nvPicPr>
+        <p:blipFill>
+          <a:blip r:embed="rId2"/>
+          <a:stretch>
+            <a:fillRect/>
+          </a:stretch>
+        </p:blipFill>
+        <p:spPr>
+          <a:xfrm>
+            <a:off x="3418114" y="2084833"/>
+            <a:ext cx="5366657" cy="4686082"/>
+          </a:xfrm>
+        </p:spPr>
+      </p:pic>
+    </p:spTree>
+    <p:extLst>
+      <p:ext uri="{BB962C8B-B14F-4D97-AF65-F5344CB8AC3E}">
+        <p14:creationId xmlns:p14="http://schemas.microsoft.com/office/powerpoint/2010/main" val="2920544031"/>
+      </p:ext>
+    </p:extLst>
+  </p:cSld>
+  <p:clrMapOvr>
+    <a:masterClrMapping/>
+  </p:clrMapOvr>
+</p:sld>
+</file>
+
+<file path=ppt/slides/slide62.xml><?xml version="1.0" encoding="utf-8"?>
+<p:sld xmlns:a="http://schemas.openxmlformats.org/drawingml/2006/main" xmlns:r="http://schemas.openxmlformats.org/officeDocument/2006/relationships" xmlns:p="http://schemas.openxmlformats.org/presentationml/2006/main">
+  <p:cSld>
+    <p:spTree>
+      <p:nvGrpSpPr>
+        <p:cNvPr id="1" name=""/>
+        <p:cNvGrpSpPr/>
+        <p:nvPr/>
+      </p:nvGrpSpPr>
+      <p:grpSpPr>
+        <a:xfrm>
+          <a:off x="0" y="0"/>
+          <a:ext cx="0" cy="0"/>
+          <a:chOff x="0" y="0"/>
+          <a:chExt cx="0" cy="0"/>
+        </a:xfrm>
+      </p:grpSpPr>
+      <p:sp>
+        <p:nvSpPr>
+          <p:cNvPr id="2" name="Title 1">
+            <a:extLst>
+              <a:ext uri="{FF2B5EF4-FFF2-40B4-BE49-F238E27FC236}">
+                <a16:creationId xmlns:a16="http://schemas.microsoft.com/office/drawing/2014/main" id="{89364D9E-315F-D0F0-6240-738C951E7382}"/>
+              </a:ext>
+            </a:extLst>
+          </p:cNvPr>
+          <p:cNvSpPr>
+            <a:spLocks noGrp="1"/>
+          </p:cNvSpPr>
+          <p:nvPr>
+            <p:ph type="title"/>
+          </p:nvPr>
+        </p:nvSpPr>
+        <p:spPr/>
+        <p:txBody>
+          <a:bodyPr/>
+          <a:lstStyle/>
+          <a:p>
+            <a:r>
+              <a:rPr lang="en-IN" dirty="0"/>
+              <a:t>Advantages of smoke testing</a:t>
+            </a:r>
+          </a:p>
+        </p:txBody>
+      </p:sp>
+      <p:sp>
+        <p:nvSpPr>
+          <p:cNvPr id="3" name="Content Placeholder 2">
+            <a:extLst>
+              <a:ext uri="{FF2B5EF4-FFF2-40B4-BE49-F238E27FC236}">
+                <a16:creationId xmlns:a16="http://schemas.microsoft.com/office/drawing/2014/main" id="{007FA476-C35F-9034-2A80-71B89E2B4BCC}"/>
+              </a:ext>
+            </a:extLst>
+          </p:cNvPr>
+          <p:cNvSpPr>
+            <a:spLocks noGrp="1"/>
+          </p:cNvSpPr>
+          <p:nvPr>
+            <p:ph idx="1"/>
+          </p:nvPr>
+        </p:nvSpPr>
+        <p:spPr/>
+        <p:txBody>
+          <a:bodyPr>
+            <a:normAutofit fontScale="92500"/>
+          </a:bodyPr>
+          <a:lstStyle/>
+          <a:p>
+            <a:pPr algn="l" fontAlgn="base">
+              <a:buFont typeface="+mj-lt"/>
+              <a:buAutoNum type="arabicPeriod"/>
+            </a:pPr>
+            <a:r>
+              <a:rPr lang="en-US" b="0" i="0" dirty="0">
+                <a:solidFill>
+                  <a:srgbClr val="273239"/>
+                </a:solidFill>
+                <a:effectLst/>
+                <a:highlight>
+                  <a:srgbClr val="FFFFFF"/>
+                </a:highlight>
+                <a:latin typeface="Nunito" pitchFamily="2" charset="0"/>
+              </a:rPr>
+              <a:t>Smoke testing is easy to perform.</a:t>
+            </a:r>
+          </a:p>
+          <a:p>
+            <a:pPr algn="l" fontAlgn="base">
+              <a:buFont typeface="+mj-lt"/>
+              <a:buAutoNum type="arabicPeriod" startAt="2"/>
+            </a:pPr>
+            <a:r>
+              <a:rPr lang="en-US" b="0" i="0" dirty="0">
+                <a:solidFill>
+                  <a:srgbClr val="273239"/>
+                </a:solidFill>
+                <a:effectLst/>
+                <a:highlight>
+                  <a:srgbClr val="FFFFFF"/>
+                </a:highlight>
+                <a:latin typeface="Nunito" pitchFamily="2" charset="0"/>
+              </a:rPr>
+              <a:t>It helps in identifying defects in the early stages.</a:t>
+            </a:r>
+          </a:p>
+          <a:p>
+            <a:pPr algn="l" fontAlgn="base">
+              <a:buFont typeface="+mj-lt"/>
+              <a:buAutoNum type="arabicPeriod" startAt="3"/>
+            </a:pPr>
+            <a:r>
+              <a:rPr lang="en-US" b="0" i="0" dirty="0">
+                <a:solidFill>
+                  <a:srgbClr val="273239"/>
+                </a:solidFill>
+                <a:effectLst/>
+                <a:highlight>
+                  <a:srgbClr val="FFFFFF"/>
+                </a:highlight>
+                <a:latin typeface="Nunito" pitchFamily="2" charset="0"/>
+              </a:rPr>
+              <a:t>It improves the quality of the system.</a:t>
+            </a:r>
+          </a:p>
+          <a:p>
+            <a:pPr algn="l" fontAlgn="base">
+              <a:buFont typeface="+mj-lt"/>
+              <a:buAutoNum type="arabicPeriod" startAt="4"/>
+            </a:pPr>
+            <a:r>
+              <a:rPr lang="en-US" b="0" i="0" dirty="0">
+                <a:solidFill>
+                  <a:srgbClr val="273239"/>
+                </a:solidFill>
+                <a:effectLst/>
+                <a:highlight>
+                  <a:srgbClr val="FFFFFF"/>
+                </a:highlight>
+                <a:latin typeface="Nunito" pitchFamily="2" charset="0"/>
+              </a:rPr>
+              <a:t>Smoke testing reduces the risk of failure.</a:t>
+            </a:r>
+          </a:p>
+          <a:p>
+            <a:pPr algn="l" fontAlgn="base">
+              <a:buFont typeface="+mj-lt"/>
+              <a:buAutoNum type="arabicPeriod" startAt="5"/>
+            </a:pPr>
+            <a:r>
+              <a:rPr lang="en-US" b="0" i="0" dirty="0">
+                <a:solidFill>
+                  <a:srgbClr val="273239"/>
+                </a:solidFill>
+                <a:effectLst/>
+                <a:highlight>
+                  <a:srgbClr val="FFFFFF"/>
+                </a:highlight>
+                <a:latin typeface="Nunito" pitchFamily="2" charset="0"/>
+              </a:rPr>
+              <a:t>Smoke testing makes progress easier to access.</a:t>
+            </a:r>
+          </a:p>
+          <a:p>
+            <a:pPr algn="l" fontAlgn="base">
+              <a:buFont typeface="+mj-lt"/>
+              <a:buAutoNum type="arabicPeriod" startAt="6"/>
+            </a:pPr>
+            <a:r>
+              <a:rPr lang="en-US" b="0" i="0" dirty="0">
+                <a:solidFill>
+                  <a:srgbClr val="273239"/>
+                </a:solidFill>
+                <a:effectLst/>
+                <a:highlight>
+                  <a:srgbClr val="FFFFFF"/>
+                </a:highlight>
+                <a:latin typeface="Nunito" pitchFamily="2" charset="0"/>
+              </a:rPr>
+              <a:t>It saves test effort and time.</a:t>
+            </a:r>
+          </a:p>
+          <a:p>
+            <a:pPr algn="l" fontAlgn="base">
+              <a:buFont typeface="+mj-lt"/>
+              <a:buAutoNum type="arabicPeriod" startAt="7"/>
+            </a:pPr>
+            <a:r>
+              <a:rPr lang="en-US" b="0" i="0" dirty="0">
+                <a:solidFill>
+                  <a:srgbClr val="273239"/>
+                </a:solidFill>
+                <a:effectLst/>
+                <a:highlight>
+                  <a:srgbClr val="FFFFFF"/>
+                </a:highlight>
+                <a:latin typeface="Nunito" pitchFamily="2" charset="0"/>
+              </a:rPr>
+              <a:t>It makes it easy to detect critical errors and helps in the correction of errors.</a:t>
+            </a:r>
+          </a:p>
+          <a:p>
+            <a:pPr algn="l" fontAlgn="base">
+              <a:buFont typeface="+mj-lt"/>
+              <a:buAutoNum type="arabicPeriod" startAt="8"/>
+            </a:pPr>
+            <a:r>
+              <a:rPr lang="en-US" b="0" i="0" dirty="0">
+                <a:solidFill>
+                  <a:srgbClr val="273239"/>
+                </a:solidFill>
+                <a:effectLst/>
+                <a:highlight>
+                  <a:srgbClr val="FFFFFF"/>
+                </a:highlight>
+                <a:latin typeface="Nunito" pitchFamily="2" charset="0"/>
+              </a:rPr>
+              <a:t>It runs quickly.</a:t>
+            </a:r>
+          </a:p>
+          <a:p>
+            <a:pPr algn="l" fontAlgn="base">
+              <a:buFont typeface="+mj-lt"/>
+              <a:buAutoNum type="arabicPeriod" startAt="9"/>
+            </a:pPr>
+            <a:r>
+              <a:rPr lang="en-US" b="0" i="0" dirty="0">
+                <a:solidFill>
+                  <a:srgbClr val="273239"/>
+                </a:solidFill>
+                <a:effectLst/>
+                <a:highlight>
+                  <a:srgbClr val="FFFFFF"/>
+                </a:highlight>
+                <a:latin typeface="Nunito" pitchFamily="2" charset="0"/>
+              </a:rPr>
+              <a:t>It minimizes integration risks.</a:t>
+            </a:r>
+          </a:p>
+          <a:p>
+            <a:endParaRPr lang="en-IN" dirty="0"/>
+          </a:p>
+        </p:txBody>
+      </p:sp>
+    </p:spTree>
+    <p:extLst>
+      <p:ext uri="{BB962C8B-B14F-4D97-AF65-F5344CB8AC3E}">
+        <p14:creationId xmlns:p14="http://schemas.microsoft.com/office/powerpoint/2010/main" val="478931082"/>
+      </p:ext>
+    </p:extLst>
+  </p:cSld>
+  <p:clrMapOvr>
+    <a:masterClrMapping/>
+  </p:clrMapOvr>
+</p:sld>
+</file>
+
+<file path=ppt/slides/slide63.xml><?xml version="1.0" encoding="utf-8"?>
+<p:sld xmlns:a="http://schemas.openxmlformats.org/drawingml/2006/main" xmlns:r="http://schemas.openxmlformats.org/officeDocument/2006/relationships" xmlns:p="http://schemas.openxmlformats.org/presentationml/2006/main">
+  <p:cSld>
+    <p:spTree>
+      <p:nvGrpSpPr>
+        <p:cNvPr id="1" name=""/>
+        <p:cNvGrpSpPr/>
+        <p:nvPr/>
+      </p:nvGrpSpPr>
+      <p:grpSpPr>
+        <a:xfrm>
+          <a:off x="0" y="0"/>
+          <a:ext cx="0" cy="0"/>
+          <a:chOff x="0" y="0"/>
+          <a:chExt cx="0" cy="0"/>
+        </a:xfrm>
+      </p:grpSpPr>
+      <p:sp>
+        <p:nvSpPr>
+          <p:cNvPr id="2" name="Title 1">
+            <a:extLst>
+              <a:ext uri="{FF2B5EF4-FFF2-40B4-BE49-F238E27FC236}">
+                <a16:creationId xmlns:a16="http://schemas.microsoft.com/office/drawing/2014/main" id="{A58429CF-6FCB-643F-6834-995B06E47113}"/>
+              </a:ext>
+            </a:extLst>
+          </p:cNvPr>
+          <p:cNvSpPr>
+            <a:spLocks noGrp="1"/>
+          </p:cNvSpPr>
+          <p:nvPr>
+            <p:ph type="title"/>
+          </p:nvPr>
+        </p:nvSpPr>
+        <p:spPr/>
+        <p:txBody>
+          <a:bodyPr/>
+          <a:lstStyle/>
+          <a:p>
+            <a:r>
+              <a:rPr lang="en-IN" dirty="0"/>
+              <a:t>Installation testing</a:t>
+            </a:r>
+          </a:p>
+        </p:txBody>
+      </p:sp>
+      <p:sp>
+        <p:nvSpPr>
+          <p:cNvPr id="3" name="Content Placeholder 2">
+            <a:extLst>
+              <a:ext uri="{FF2B5EF4-FFF2-40B4-BE49-F238E27FC236}">
+                <a16:creationId xmlns:a16="http://schemas.microsoft.com/office/drawing/2014/main" id="{7D962306-672B-E82F-66DA-D69955DAFEE9}"/>
+              </a:ext>
+            </a:extLst>
+          </p:cNvPr>
+          <p:cNvSpPr>
+            <a:spLocks noGrp="1"/>
+          </p:cNvSpPr>
+          <p:nvPr>
+            <p:ph idx="1"/>
+          </p:nvPr>
+        </p:nvSpPr>
+        <p:spPr/>
+        <p:txBody>
+          <a:bodyPr>
+            <a:normAutofit lnSpcReduction="10000"/>
+          </a:bodyPr>
+          <a:lstStyle/>
+          <a:p>
+            <a:r>
+              <a:rPr lang="en-US" b="0" i="0" dirty="0">
+                <a:solidFill>
+                  <a:srgbClr val="273239"/>
+                </a:solidFill>
+                <a:effectLst/>
+                <a:highlight>
+                  <a:srgbClr val="FFFFFF"/>
+                </a:highlight>
+                <a:latin typeface="Nunito" pitchFamily="2" charset="0"/>
+              </a:rPr>
+              <a:t>Installation testing is a type of </a:t>
+            </a:r>
+            <a:r>
+              <a:rPr lang="en-US" b="0" i="0" u="sng" dirty="0">
+                <a:effectLst/>
+                <a:highlight>
+                  <a:srgbClr val="FFFFFF"/>
+                </a:highlight>
+                <a:latin typeface="Nunito" pitchFamily="2" charset="0"/>
+              </a:rPr>
+              <a:t>software testing</a:t>
+            </a:r>
+            <a:r>
+              <a:rPr lang="en-US" b="0" i="0" dirty="0">
+                <a:solidFill>
+                  <a:srgbClr val="273239"/>
+                </a:solidFill>
+                <a:effectLst/>
+                <a:highlight>
+                  <a:srgbClr val="FFFFFF"/>
+                </a:highlight>
+                <a:latin typeface="Nunito" pitchFamily="2" charset="0"/>
+              </a:rPr>
+              <a:t> that verifies the software’s installation process and ensures that the software is installed correctly on various systems and configurations. It is a critical aspect of the software testing process and helps ensure that the software can be easily installed, configured, and uninstalled without any issues.</a:t>
+            </a:r>
+          </a:p>
+          <a:p>
+            <a:endParaRPr lang="en-US" dirty="0">
+              <a:solidFill>
+                <a:srgbClr val="273239"/>
+              </a:solidFill>
+              <a:highlight>
+                <a:srgbClr val="FFFFFF"/>
+              </a:highlight>
+              <a:latin typeface="Nunito" pitchFamily="2" charset="0"/>
+            </a:endParaRPr>
+          </a:p>
+          <a:p>
+            <a:r>
+              <a:rPr lang="en-US" b="0" i="0" dirty="0">
+                <a:solidFill>
+                  <a:srgbClr val="273239"/>
+                </a:solidFill>
+                <a:effectLst/>
+                <a:highlight>
+                  <a:srgbClr val="FFFFFF"/>
+                </a:highlight>
+                <a:latin typeface="Nunito" pitchFamily="2" charset="0"/>
+              </a:rPr>
+              <a:t>The primary goal of installation testing is to ensure that the software is installed correctly and that the software’s functionality is not compromised during the installation process.</a:t>
+            </a:r>
+          </a:p>
+          <a:p>
+            <a:r>
+              <a:rPr lang="en-US" b="0" i="0" dirty="0">
+                <a:solidFill>
+                  <a:srgbClr val="273239"/>
+                </a:solidFill>
+                <a:effectLst/>
+                <a:highlight>
+                  <a:srgbClr val="FFFFFF"/>
+                </a:highlight>
+                <a:latin typeface="Nunito" pitchFamily="2" charset="0"/>
+              </a:rPr>
+              <a:t> The installation testing ensures that the software application has been successfully installed with all its inherent features or not. It is also named implementation testing, mainly it’s done in the end phase.</a:t>
+            </a:r>
+            <a:endParaRPr lang="en-IN" dirty="0"/>
+          </a:p>
+        </p:txBody>
+      </p:sp>
+    </p:spTree>
+    <p:extLst>
+      <p:ext uri="{BB962C8B-B14F-4D97-AF65-F5344CB8AC3E}">
+        <p14:creationId xmlns:p14="http://schemas.microsoft.com/office/powerpoint/2010/main" val="13433055"/>
+      </p:ext>
+    </p:extLst>
+  </p:cSld>
+  <p:clrMapOvr>
+    <a:masterClrMapping/>
+  </p:clrMapOvr>
+</p:sld>
+</file>
+
+<file path=ppt/slides/slide64.xml><?xml version="1.0" encoding="utf-8"?>
+<p:sld xmlns:a="http://schemas.openxmlformats.org/drawingml/2006/main" xmlns:r="http://schemas.openxmlformats.org/officeDocument/2006/relationships" xmlns:p="http://schemas.openxmlformats.org/presentationml/2006/main">
+  <p:cSld>
+    <p:spTree>
+      <p:nvGrpSpPr>
+        <p:cNvPr id="1" name=""/>
+        <p:cNvGrpSpPr/>
+        <p:nvPr/>
+      </p:nvGrpSpPr>
+      <p:grpSpPr>
+        <a:xfrm>
+          <a:off x="0" y="0"/>
+          <a:ext cx="0" cy="0"/>
+          <a:chOff x="0" y="0"/>
+          <a:chExt cx="0" cy="0"/>
+        </a:xfrm>
+      </p:grpSpPr>
+      <p:sp>
+        <p:nvSpPr>
+          <p:cNvPr id="2" name="Title 1">
+            <a:extLst>
+              <a:ext uri="{FF2B5EF4-FFF2-40B4-BE49-F238E27FC236}">
+                <a16:creationId xmlns:a16="http://schemas.microsoft.com/office/drawing/2014/main" id="{D6963A51-E052-5031-5897-913855B7ED11}"/>
+              </a:ext>
+            </a:extLst>
+          </p:cNvPr>
+          <p:cNvSpPr>
+            <a:spLocks noGrp="1"/>
+          </p:cNvSpPr>
+          <p:nvPr>
+            <p:ph type="title"/>
+          </p:nvPr>
+        </p:nvSpPr>
+        <p:spPr/>
+        <p:txBody>
+          <a:bodyPr/>
+          <a:lstStyle/>
+          <a:p>
+            <a:r>
+              <a:rPr lang="en-IN" dirty="0"/>
+              <a:t>Advantages of installation testing</a:t>
+            </a:r>
+          </a:p>
+        </p:txBody>
+      </p:sp>
+      <p:sp>
+        <p:nvSpPr>
+          <p:cNvPr id="3" name="Content Placeholder 2">
+            <a:extLst>
+              <a:ext uri="{FF2B5EF4-FFF2-40B4-BE49-F238E27FC236}">
+                <a16:creationId xmlns:a16="http://schemas.microsoft.com/office/drawing/2014/main" id="{186BADB9-702A-3BB2-8C0A-A7B32C5F6118}"/>
+              </a:ext>
+            </a:extLst>
+          </p:cNvPr>
+          <p:cNvSpPr>
+            <a:spLocks noGrp="1"/>
+          </p:cNvSpPr>
+          <p:nvPr>
+            <p:ph idx="1"/>
+          </p:nvPr>
+        </p:nvSpPr>
+        <p:spPr/>
+        <p:txBody>
+          <a:bodyPr>
+            <a:normAutofit fontScale="92500" lnSpcReduction="20000"/>
+          </a:bodyPr>
+          <a:lstStyle/>
+          <a:p>
+            <a:pPr algn="l" fontAlgn="base">
+              <a:buFont typeface="Arial" panose="020B0604020202020204" pitchFamily="34" charset="0"/>
+              <a:buChar char="•"/>
+            </a:pPr>
+            <a:r>
+              <a:rPr lang="en-US" b="0" i="0" dirty="0">
+                <a:solidFill>
+                  <a:srgbClr val="273239"/>
+                </a:solidFill>
+                <a:effectLst/>
+                <a:highlight>
+                  <a:srgbClr val="FFFFFF"/>
+                </a:highlight>
+                <a:latin typeface="Nunito" pitchFamily="2" charset="0"/>
+              </a:rPr>
+              <a:t>The first biggest advantage is that it verifies the designs of apps and software on a basic level of test performance.</a:t>
+            </a:r>
+          </a:p>
+          <a:p>
+            <a:pPr algn="l" fontAlgn="base">
+              <a:buFont typeface="Arial" panose="020B0604020202020204" pitchFamily="34" charset="0"/>
+              <a:buChar char="•"/>
+            </a:pPr>
+            <a:r>
+              <a:rPr lang="en-US" b="0" i="0" dirty="0">
+                <a:solidFill>
+                  <a:srgbClr val="273239"/>
+                </a:solidFill>
+                <a:effectLst/>
+                <a:highlight>
+                  <a:srgbClr val="FFFFFF"/>
+                </a:highlight>
+                <a:latin typeface="Nunito" pitchFamily="2" charset="0"/>
+              </a:rPr>
+              <a:t>It’s a very crucial part of STLC which helps in maintaining the standard according to that.</a:t>
+            </a:r>
+          </a:p>
+          <a:p>
+            <a:pPr algn="l" fontAlgn="base">
+              <a:buFont typeface="Arial" panose="020B0604020202020204" pitchFamily="34" charset="0"/>
+              <a:buChar char="•"/>
+            </a:pPr>
+            <a:r>
+              <a:rPr lang="en-US" b="0" i="0" dirty="0">
+                <a:solidFill>
+                  <a:srgbClr val="273239"/>
+                </a:solidFill>
+                <a:effectLst/>
+                <a:highlight>
+                  <a:srgbClr val="FFFFFF"/>
+                </a:highlight>
+                <a:latin typeface="Nunito" pitchFamily="2" charset="0"/>
+              </a:rPr>
+              <a:t>It’s a very quick and handy method to check the version of the software</a:t>
+            </a:r>
+          </a:p>
+          <a:p>
+            <a:pPr algn="l" fontAlgn="base">
+              <a:buFont typeface="Arial" panose="020B0604020202020204" pitchFamily="34" charset="0"/>
+              <a:buChar char="•"/>
+            </a:pPr>
+            <a:r>
+              <a:rPr lang="en-US" b="0" i="0" dirty="0">
+                <a:solidFill>
+                  <a:srgbClr val="273239"/>
+                </a:solidFill>
+                <a:effectLst/>
+                <a:highlight>
+                  <a:srgbClr val="FFFFFF"/>
+                </a:highlight>
+                <a:latin typeface="Nunito" pitchFamily="2" charset="0"/>
+              </a:rPr>
+              <a:t>The greater output results of installation testing help the developer to improve the app or software.</a:t>
+            </a:r>
+          </a:p>
+          <a:p>
+            <a:pPr algn="l" fontAlgn="base">
+              <a:buFont typeface="Arial" panose="020B0604020202020204" pitchFamily="34" charset="0"/>
+              <a:buChar char="•"/>
+            </a:pPr>
+            <a:r>
+              <a:rPr lang="en-US" b="0" i="0" dirty="0">
+                <a:solidFill>
+                  <a:srgbClr val="273239"/>
+                </a:solidFill>
+                <a:effectLst/>
+                <a:highlight>
+                  <a:srgbClr val="FFFFFF"/>
+                </a:highlight>
+                <a:latin typeface="Nunito" pitchFamily="2" charset="0"/>
+              </a:rPr>
+              <a:t>Improved software quality: Installation testing helps to identify and fix installation issues and errors, improving the software’s overall quality. This reduces the risk of negative user experiences and reviews, which can impact the software’s reputation.</a:t>
+            </a:r>
+          </a:p>
+          <a:p>
+            <a:pPr algn="l" fontAlgn="base">
+              <a:buFont typeface="Arial" panose="020B0604020202020204" pitchFamily="34" charset="0"/>
+              <a:buChar char="•"/>
+            </a:pPr>
+            <a:r>
+              <a:rPr lang="en-US" b="0" i="0" dirty="0">
+                <a:solidFill>
+                  <a:srgbClr val="273239"/>
+                </a:solidFill>
+                <a:effectLst/>
+                <a:highlight>
+                  <a:srgbClr val="FFFFFF"/>
+                </a:highlight>
+                <a:latin typeface="Nunito" pitchFamily="2" charset="0"/>
+              </a:rPr>
+              <a:t>Enhanced user experience: Installation testing helps to ensure that the software is installed and configured correctly, providing users with a smooth and hassle-free installation process. This improves the user experience and increases user satisfaction.</a:t>
+            </a:r>
+          </a:p>
+          <a:p>
+            <a:endParaRPr lang="en-IN" dirty="0"/>
+          </a:p>
+        </p:txBody>
+      </p:sp>
+    </p:spTree>
+    <p:extLst>
+      <p:ext uri="{BB962C8B-B14F-4D97-AF65-F5344CB8AC3E}">
+        <p14:creationId xmlns:p14="http://schemas.microsoft.com/office/powerpoint/2010/main" val="1897522304"/>
+      </p:ext>
+    </p:extLst>
+  </p:cSld>
+  <p:clrMapOvr>
+    <a:masterClrMapping/>
+  </p:clrMapOvr>
+</p:sld>
+</file>
+
+<file path=ppt/slides/slide65.xml><?xml version="1.0" encoding="utf-8"?>
+<p:sld xmlns:a="http://schemas.openxmlformats.org/drawingml/2006/main" xmlns:r="http://schemas.openxmlformats.org/officeDocument/2006/relationships" xmlns:p="http://schemas.openxmlformats.org/presentationml/2006/main">
+  <p:cSld>
+    <p:spTree>
+      <p:nvGrpSpPr>
+        <p:cNvPr id="1" name=""/>
+        <p:cNvGrpSpPr/>
+        <p:nvPr/>
+      </p:nvGrpSpPr>
+      <p:grpSpPr>
+        <a:xfrm>
+          <a:off x="0" y="0"/>
+          <a:ext cx="0" cy="0"/>
+          <a:chOff x="0" y="0"/>
+          <a:chExt cx="0" cy="0"/>
+        </a:xfrm>
+      </p:grpSpPr>
+      <p:sp>
+        <p:nvSpPr>
+          <p:cNvPr id="2" name="Title 1">
+            <a:extLst>
+              <a:ext uri="{FF2B5EF4-FFF2-40B4-BE49-F238E27FC236}">
+                <a16:creationId xmlns:a16="http://schemas.microsoft.com/office/drawing/2014/main" id="{E967C092-5D0D-A2C0-095A-319D16F3534F}"/>
+              </a:ext>
+            </a:extLst>
+          </p:cNvPr>
+          <p:cNvSpPr>
+            <a:spLocks noGrp="1"/>
+          </p:cNvSpPr>
+          <p:nvPr>
+            <p:ph type="title"/>
+          </p:nvPr>
+        </p:nvSpPr>
+        <p:spPr/>
+        <p:txBody>
+          <a:bodyPr/>
+          <a:lstStyle/>
+          <a:p>
+            <a:r>
+              <a:rPr lang="en-IN" dirty="0"/>
+              <a:t>Non functional testing </a:t>
+            </a:r>
+          </a:p>
+        </p:txBody>
+      </p:sp>
+      <p:sp>
+        <p:nvSpPr>
+          <p:cNvPr id="3" name="Content Placeholder 2">
+            <a:extLst>
+              <a:ext uri="{FF2B5EF4-FFF2-40B4-BE49-F238E27FC236}">
+                <a16:creationId xmlns:a16="http://schemas.microsoft.com/office/drawing/2014/main" id="{0BBB2D4F-135B-39FD-86C8-C10D3FF61D28}"/>
+              </a:ext>
+            </a:extLst>
+          </p:cNvPr>
+          <p:cNvSpPr>
+            <a:spLocks noGrp="1"/>
+          </p:cNvSpPr>
+          <p:nvPr>
+            <p:ph idx="1"/>
+          </p:nvPr>
+        </p:nvSpPr>
+        <p:spPr/>
+        <p:txBody>
+          <a:bodyPr>
+            <a:normAutofit fontScale="62500" lnSpcReduction="20000"/>
+          </a:bodyPr>
+          <a:lstStyle/>
+          <a:p>
+            <a:r>
+              <a:rPr lang="en-US" sz="2600" b="1" i="0" dirty="0">
+                <a:solidFill>
+                  <a:srgbClr val="273239"/>
+                </a:solidFill>
+                <a:effectLst/>
+                <a:highlight>
+                  <a:srgbClr val="FFFFFF"/>
+                </a:highlight>
+                <a:latin typeface="Nunito" pitchFamily="2" charset="0"/>
+              </a:rPr>
+              <a:t>Non-functional Testing</a:t>
+            </a:r>
+            <a:r>
+              <a:rPr lang="en-US" sz="2600" b="0" i="0" dirty="0">
+                <a:solidFill>
+                  <a:srgbClr val="273239"/>
+                </a:solidFill>
+                <a:effectLst/>
+                <a:highlight>
+                  <a:srgbClr val="FFFFFF"/>
+                </a:highlight>
+                <a:latin typeface="Nunito" pitchFamily="2" charset="0"/>
+              </a:rPr>
+              <a:t> is a type of </a:t>
+            </a:r>
+            <a:r>
+              <a:rPr lang="en-US" sz="2600" b="0" i="0" u="sng" dirty="0">
+                <a:effectLst/>
+                <a:highlight>
+                  <a:srgbClr val="FFFFFF"/>
+                </a:highlight>
+                <a:latin typeface="Nunito" pitchFamily="2" charset="0"/>
+              </a:rPr>
+              <a:t>Software Testing</a:t>
+            </a:r>
+            <a:r>
+              <a:rPr lang="en-US" sz="2600" b="0" i="0" dirty="0">
+                <a:solidFill>
+                  <a:srgbClr val="273239"/>
+                </a:solidFill>
+                <a:effectLst/>
+                <a:highlight>
+                  <a:srgbClr val="FFFFFF"/>
+                </a:highlight>
+                <a:latin typeface="Nunito" pitchFamily="2" charset="0"/>
+              </a:rPr>
+              <a:t> that is performed to verify the non-functional requirements of the application. It verifies whether the behavior of the system is as per the requirement or not. It tests all the aspects that are not tested in functional testing.</a:t>
+            </a:r>
+          </a:p>
+          <a:p>
+            <a:pPr algn="l" fontAlgn="base">
+              <a:buFont typeface="Arial" panose="020B0604020202020204" pitchFamily="34" charset="0"/>
+              <a:buChar char="•"/>
+            </a:pPr>
+            <a:r>
+              <a:rPr lang="en-US" sz="2600" b="1" i="0" dirty="0">
+                <a:solidFill>
+                  <a:srgbClr val="273239"/>
+                </a:solidFill>
+                <a:effectLst/>
+                <a:highlight>
+                  <a:srgbClr val="FFFFFF"/>
+                </a:highlight>
+                <a:latin typeface="Nunito" pitchFamily="2" charset="0"/>
+              </a:rPr>
+              <a:t>Increased usability: </a:t>
+            </a:r>
+            <a:r>
+              <a:rPr lang="en-US" sz="2600" b="0" i="0" dirty="0">
+                <a:solidFill>
+                  <a:srgbClr val="273239"/>
+                </a:solidFill>
+                <a:effectLst/>
+                <a:highlight>
+                  <a:srgbClr val="FFFFFF"/>
+                </a:highlight>
+                <a:latin typeface="Nunito" pitchFamily="2" charset="0"/>
+              </a:rPr>
+              <a:t>To increase usability, efficiency, maintainability, and portability of the product.</a:t>
+            </a:r>
+          </a:p>
+          <a:p>
+            <a:pPr algn="l" fontAlgn="base">
+              <a:buFont typeface="Arial" panose="020B0604020202020204" pitchFamily="34" charset="0"/>
+              <a:buChar char="•"/>
+            </a:pPr>
+            <a:r>
+              <a:rPr lang="en-US" sz="2600" b="1" i="0" dirty="0">
+                <a:solidFill>
+                  <a:srgbClr val="273239"/>
+                </a:solidFill>
+                <a:effectLst/>
+                <a:highlight>
+                  <a:srgbClr val="FFFFFF"/>
+                </a:highlight>
+                <a:latin typeface="Nunito" pitchFamily="2" charset="0"/>
+              </a:rPr>
+              <a:t>Reduction in production risk: </a:t>
+            </a:r>
+            <a:r>
+              <a:rPr lang="en-US" sz="2600" b="0" i="0" dirty="0">
+                <a:solidFill>
+                  <a:srgbClr val="273239"/>
+                </a:solidFill>
+                <a:effectLst/>
+                <a:highlight>
+                  <a:srgbClr val="FFFFFF"/>
+                </a:highlight>
+                <a:latin typeface="Nunito" pitchFamily="2" charset="0"/>
+              </a:rPr>
+              <a:t>To help in the reduction of production risk related to non-functional aspects of the product.</a:t>
+            </a:r>
+          </a:p>
+          <a:p>
+            <a:pPr algn="l" fontAlgn="base">
+              <a:buFont typeface="Arial" panose="020B0604020202020204" pitchFamily="34" charset="0"/>
+              <a:buChar char="•"/>
+            </a:pPr>
+            <a:r>
+              <a:rPr lang="en-US" sz="2600" b="1" i="0" dirty="0">
+                <a:solidFill>
+                  <a:srgbClr val="273239"/>
+                </a:solidFill>
+                <a:effectLst/>
+                <a:highlight>
+                  <a:srgbClr val="FFFFFF"/>
+                </a:highlight>
+                <a:latin typeface="Nunito" pitchFamily="2" charset="0"/>
+              </a:rPr>
+              <a:t>Cost Reduction: </a:t>
+            </a:r>
+            <a:r>
+              <a:rPr lang="en-US" sz="2600" b="0" i="0" dirty="0">
+                <a:solidFill>
+                  <a:srgbClr val="273239"/>
+                </a:solidFill>
+                <a:effectLst/>
+                <a:highlight>
+                  <a:srgbClr val="FFFFFF"/>
+                </a:highlight>
+                <a:latin typeface="Nunito" pitchFamily="2" charset="0"/>
+              </a:rPr>
+              <a:t>To help in the reduction of costs related to non-functional aspects of the product.</a:t>
+            </a:r>
+          </a:p>
+          <a:p>
+            <a:pPr algn="l" fontAlgn="base">
+              <a:buFont typeface="Arial" panose="020B0604020202020204" pitchFamily="34" charset="0"/>
+              <a:buChar char="•"/>
+            </a:pPr>
+            <a:r>
+              <a:rPr lang="en-US" sz="2600" b="1" i="0" dirty="0">
+                <a:solidFill>
+                  <a:srgbClr val="273239"/>
+                </a:solidFill>
+                <a:effectLst/>
+                <a:highlight>
+                  <a:srgbClr val="FFFFFF"/>
+                </a:highlight>
+                <a:latin typeface="Nunito" pitchFamily="2" charset="0"/>
+              </a:rPr>
+              <a:t>Optimize installation: </a:t>
+            </a:r>
+            <a:r>
+              <a:rPr lang="en-US" sz="2600" b="0" i="0" dirty="0">
+                <a:solidFill>
+                  <a:srgbClr val="273239"/>
+                </a:solidFill>
+                <a:effectLst/>
+                <a:highlight>
+                  <a:srgbClr val="FFFFFF"/>
+                </a:highlight>
+                <a:latin typeface="Nunito" pitchFamily="2" charset="0"/>
+              </a:rPr>
+              <a:t>To optimize the installation, execution, and monitoring way of the product.</a:t>
+            </a:r>
+          </a:p>
+          <a:p>
+            <a:pPr algn="l" fontAlgn="base">
+              <a:buFont typeface="Arial" panose="020B0604020202020204" pitchFamily="34" charset="0"/>
+              <a:buChar char="•"/>
+            </a:pPr>
+            <a:r>
+              <a:rPr lang="en-US" sz="2600" b="1" i="0" dirty="0">
+                <a:solidFill>
+                  <a:srgbClr val="273239"/>
+                </a:solidFill>
+                <a:effectLst/>
+                <a:highlight>
+                  <a:srgbClr val="FFFFFF"/>
+                </a:highlight>
+                <a:latin typeface="Nunito" pitchFamily="2" charset="0"/>
+              </a:rPr>
+              <a:t>Collect metrics: </a:t>
+            </a:r>
+            <a:r>
+              <a:rPr lang="en-US" sz="2600" b="0" i="0" dirty="0">
+                <a:solidFill>
+                  <a:srgbClr val="273239"/>
+                </a:solidFill>
+                <a:effectLst/>
+                <a:highlight>
+                  <a:srgbClr val="FFFFFF"/>
+                </a:highlight>
+                <a:latin typeface="Nunito" pitchFamily="2" charset="0"/>
+              </a:rPr>
+              <a:t>To collect and produce measurements and metrics for internal research and development.</a:t>
+            </a:r>
+          </a:p>
+          <a:p>
+            <a:pPr algn="l" fontAlgn="base">
+              <a:buFont typeface="Arial" panose="020B0604020202020204" pitchFamily="34" charset="0"/>
+              <a:buChar char="•"/>
+            </a:pPr>
+            <a:r>
+              <a:rPr lang="en-US" sz="2600" b="1" i="0" dirty="0">
+                <a:solidFill>
+                  <a:srgbClr val="273239"/>
+                </a:solidFill>
+                <a:effectLst/>
+                <a:highlight>
+                  <a:srgbClr val="FFFFFF"/>
+                </a:highlight>
+                <a:latin typeface="Nunito" pitchFamily="2" charset="0"/>
+              </a:rPr>
+              <a:t>Enhance knowledge of product: </a:t>
+            </a:r>
+            <a:r>
+              <a:rPr lang="en-US" sz="2600" b="0" i="0" dirty="0">
+                <a:solidFill>
+                  <a:srgbClr val="273239"/>
+                </a:solidFill>
+                <a:effectLst/>
+                <a:highlight>
+                  <a:srgbClr val="FFFFFF"/>
+                </a:highlight>
+                <a:latin typeface="Nunito" pitchFamily="2" charset="0"/>
+              </a:rPr>
+              <a:t>To improve and enhance knowledge of the product behavior and technologies in use.</a:t>
+            </a:r>
+          </a:p>
+          <a:p>
+            <a:endParaRPr lang="en-IN" sz="2900" dirty="0"/>
+          </a:p>
+        </p:txBody>
+      </p:sp>
+    </p:spTree>
+    <p:extLst>
+      <p:ext uri="{BB962C8B-B14F-4D97-AF65-F5344CB8AC3E}">
+        <p14:creationId xmlns:p14="http://schemas.microsoft.com/office/powerpoint/2010/main" val="2638313322"/>
+      </p:ext>
+    </p:extLst>
+  </p:cSld>
+  <p:clrMapOvr>
+    <a:masterClrMapping/>
+  </p:clrMapOvr>
+</p:sld>
+</file>
+
+<file path=ppt/slides/slide66.xml><?xml version="1.0" encoding="utf-8"?>
+<p:sld xmlns:a="http://schemas.openxmlformats.org/drawingml/2006/main" xmlns:r="http://schemas.openxmlformats.org/officeDocument/2006/relationships" xmlns:p="http://schemas.openxmlformats.org/presentationml/2006/main">
+  <p:cSld>
+    <p:spTree>
+      <p:nvGrpSpPr>
+        <p:cNvPr id="1" name=""/>
+        <p:cNvGrpSpPr/>
+        <p:nvPr/>
+      </p:nvGrpSpPr>
+      <p:grpSpPr>
+        <a:xfrm>
+          <a:off x="0" y="0"/>
+          <a:ext cx="0" cy="0"/>
+          <a:chOff x="0" y="0"/>
+          <a:chExt cx="0" cy="0"/>
+        </a:xfrm>
+      </p:grpSpPr>
+      <p:sp>
+        <p:nvSpPr>
+          <p:cNvPr id="2" name="Title 1">
+            <a:extLst>
+              <a:ext uri="{FF2B5EF4-FFF2-40B4-BE49-F238E27FC236}">
+                <a16:creationId xmlns:a16="http://schemas.microsoft.com/office/drawing/2014/main" id="{9A4434F8-A6BB-DCFA-DCA9-5FB4CD3BF83A}"/>
+              </a:ext>
+            </a:extLst>
+          </p:cNvPr>
+          <p:cNvSpPr>
+            <a:spLocks noGrp="1"/>
+          </p:cNvSpPr>
+          <p:nvPr>
+            <p:ph type="title"/>
+          </p:nvPr>
+        </p:nvSpPr>
+        <p:spPr/>
+        <p:txBody>
+          <a:bodyPr/>
+          <a:lstStyle/>
+          <a:p>
+            <a:r>
+              <a:rPr lang="en-IN" dirty="0"/>
+              <a:t>Non functional testing parameters</a:t>
+            </a:r>
+          </a:p>
+        </p:txBody>
+      </p:sp>
+      <p:pic>
+        <p:nvPicPr>
+          <p:cNvPr id="5" name="Content Placeholder 4">
+            <a:extLst>
+              <a:ext uri="{FF2B5EF4-FFF2-40B4-BE49-F238E27FC236}">
+                <a16:creationId xmlns:a16="http://schemas.microsoft.com/office/drawing/2014/main" id="{B49ECE22-71C4-4EDF-D2AC-69F8C7331465}"/>
+              </a:ext>
+            </a:extLst>
+          </p:cNvPr>
+          <p:cNvPicPr>
+            <a:picLocks noGrp="1" noChangeAspect="1"/>
+          </p:cNvPicPr>
+          <p:nvPr>
+            <p:ph idx="1"/>
+          </p:nvPr>
+        </p:nvPicPr>
+        <p:blipFill>
+          <a:blip r:embed="rId2"/>
+          <a:stretch>
+            <a:fillRect/>
+          </a:stretch>
+        </p:blipFill>
+        <p:spPr>
+          <a:xfrm>
+            <a:off x="1970314" y="1937657"/>
+            <a:ext cx="7979229" cy="4757057"/>
+          </a:xfrm>
+        </p:spPr>
+      </p:pic>
+    </p:spTree>
+    <p:extLst>
+      <p:ext uri="{BB962C8B-B14F-4D97-AF65-F5344CB8AC3E}">
+        <p14:creationId xmlns:p14="http://schemas.microsoft.com/office/powerpoint/2010/main" val="2687038588"/>
+      </p:ext>
+    </p:extLst>
+  </p:cSld>
+  <p:clrMapOvr>
+    <a:masterClrMapping/>
+  </p:clrMapOvr>
+</p:sld>
+</file>
+
+<file path=ppt/slides/slide67.xml><?xml version="1.0" encoding="utf-8"?>
+<p:sld xmlns:a="http://schemas.openxmlformats.org/drawingml/2006/main" xmlns:r="http://schemas.openxmlformats.org/officeDocument/2006/relationships" xmlns:p="http://schemas.openxmlformats.org/presentationml/2006/main">
+  <p:cSld>
+    <p:spTree>
+      <p:nvGrpSpPr>
+        <p:cNvPr id="1" name=""/>
+        <p:cNvGrpSpPr/>
+        <p:nvPr/>
+      </p:nvGrpSpPr>
+      <p:grpSpPr>
+        <a:xfrm>
+          <a:off x="0" y="0"/>
+          <a:ext cx="0" cy="0"/>
+          <a:chOff x="0" y="0"/>
+          <a:chExt cx="0" cy="0"/>
+        </a:xfrm>
+      </p:grpSpPr>
+      <p:sp>
+        <p:nvSpPr>
+          <p:cNvPr id="2" name="Title 1">
+            <a:extLst>
+              <a:ext uri="{FF2B5EF4-FFF2-40B4-BE49-F238E27FC236}">
+                <a16:creationId xmlns:a16="http://schemas.microsoft.com/office/drawing/2014/main" id="{1C3EE587-0807-DDC4-3862-9CFD3BBB84A3}"/>
+              </a:ext>
+            </a:extLst>
+          </p:cNvPr>
+          <p:cNvSpPr>
+            <a:spLocks noGrp="1"/>
+          </p:cNvSpPr>
+          <p:nvPr>
+            <p:ph type="title"/>
+          </p:nvPr>
+        </p:nvSpPr>
+        <p:spPr/>
+        <p:txBody>
+          <a:bodyPr/>
+          <a:lstStyle/>
+          <a:p>
+            <a:r>
+              <a:rPr lang="en-IN" dirty="0"/>
+              <a:t>Non functional testing techniques</a:t>
+            </a:r>
+          </a:p>
+        </p:txBody>
+      </p:sp>
+      <p:sp>
+        <p:nvSpPr>
+          <p:cNvPr id="3" name="Content Placeholder 2">
+            <a:extLst>
+              <a:ext uri="{FF2B5EF4-FFF2-40B4-BE49-F238E27FC236}">
+                <a16:creationId xmlns:a16="http://schemas.microsoft.com/office/drawing/2014/main" id="{A0968695-5015-D5CB-EEB9-71719B1D86B3}"/>
+              </a:ext>
+            </a:extLst>
+          </p:cNvPr>
+          <p:cNvSpPr>
+            <a:spLocks noGrp="1"/>
+          </p:cNvSpPr>
+          <p:nvPr>
+            <p:ph idx="1"/>
+          </p:nvPr>
+        </p:nvSpPr>
+        <p:spPr/>
+        <p:txBody>
+          <a:bodyPr>
+            <a:normAutofit lnSpcReduction="10000"/>
+          </a:bodyPr>
+          <a:lstStyle/>
+          <a:p>
+            <a:pPr algn="l" fontAlgn="base">
+              <a:buFont typeface="Arial" panose="020B0604020202020204" pitchFamily="34" charset="0"/>
+              <a:buChar char="•"/>
+            </a:pPr>
+            <a:r>
+              <a:rPr lang="en-US" b="1" i="0" u="sng" dirty="0">
+                <a:solidFill>
+                  <a:srgbClr val="273239"/>
+                </a:solidFill>
+                <a:effectLst/>
+                <a:highlight>
+                  <a:srgbClr val="FFFFFF"/>
+                </a:highlight>
+                <a:latin typeface="Nunito" pitchFamily="2" charset="0"/>
+              </a:rPr>
+              <a:t>Compatibility testing</a:t>
+            </a:r>
+            <a:r>
+              <a:rPr lang="en-US" b="0" i="0" dirty="0">
+                <a:solidFill>
+                  <a:srgbClr val="273239"/>
+                </a:solidFill>
+                <a:effectLst/>
+                <a:highlight>
+                  <a:srgbClr val="FFFFFF"/>
+                </a:highlight>
+                <a:latin typeface="Nunito" pitchFamily="2" charset="0"/>
+              </a:rPr>
+              <a:t>: is a type of testing to ensure that a software program or system is compatible with other software programs or systems. For example, in this, the tester checks that the software is compatible with other software, operating systems, etc.</a:t>
+            </a:r>
+          </a:p>
+          <a:p>
+            <a:pPr algn="l" fontAlgn="base">
+              <a:buFont typeface="Arial" panose="020B0604020202020204" pitchFamily="34" charset="0"/>
+              <a:buChar char="•"/>
+            </a:pPr>
+            <a:r>
+              <a:rPr lang="en-US" b="1" i="0" u="sng" dirty="0">
+                <a:solidFill>
+                  <a:srgbClr val="273239"/>
+                </a:solidFill>
+                <a:effectLst/>
+                <a:highlight>
+                  <a:srgbClr val="FFFFFF"/>
+                </a:highlight>
+                <a:latin typeface="Nunito" pitchFamily="2" charset="0"/>
+              </a:rPr>
+              <a:t>Compliance testing</a:t>
+            </a:r>
+            <a:r>
+              <a:rPr lang="en-US" b="0" i="0" dirty="0">
+                <a:solidFill>
+                  <a:srgbClr val="273239"/>
+                </a:solidFill>
+                <a:effectLst/>
+                <a:highlight>
+                  <a:srgbClr val="FFFFFF"/>
+                </a:highlight>
+                <a:latin typeface="Nunito" pitchFamily="2" charset="0"/>
+              </a:rPr>
+              <a:t>: is a type of testing to ensure that a software program or system meets a specific compliance standard, such as HIPAA or Sarbanes-Oxley. It is often the first type of testing that is performed when accessing the control environment.</a:t>
+            </a:r>
+          </a:p>
+          <a:p>
+            <a:pPr algn="l" fontAlgn="base">
+              <a:buFont typeface="Arial" panose="020B0604020202020204" pitchFamily="34" charset="0"/>
+              <a:buChar char="•"/>
+            </a:pPr>
+            <a:r>
+              <a:rPr lang="en-US" b="1" i="0" u="sng" dirty="0">
+                <a:solidFill>
+                  <a:srgbClr val="273239"/>
+                </a:solidFill>
+                <a:effectLst/>
+                <a:highlight>
+                  <a:srgbClr val="FFFFFF"/>
+                </a:highlight>
+                <a:latin typeface="Nunito" pitchFamily="2" charset="0"/>
+              </a:rPr>
+              <a:t>Endurance testing</a:t>
+            </a:r>
+            <a:r>
+              <a:rPr lang="en-US" b="0" i="0" dirty="0">
+                <a:solidFill>
+                  <a:srgbClr val="273239"/>
+                </a:solidFill>
+                <a:effectLst/>
+                <a:highlight>
+                  <a:srgbClr val="FFFFFF"/>
+                </a:highlight>
+                <a:latin typeface="Nunito" pitchFamily="2" charset="0"/>
+              </a:rPr>
+              <a:t>: is a type of testing to ensure that a software program or system can handle a long-term, continuous load. For example for the banking application, the application is tested to know if the system can sustain under the continuous expected load.</a:t>
+            </a:r>
+          </a:p>
+          <a:p>
+            <a:endParaRPr lang="en-IN" dirty="0"/>
+          </a:p>
+        </p:txBody>
+      </p:sp>
+    </p:spTree>
+    <p:extLst>
+      <p:ext uri="{BB962C8B-B14F-4D97-AF65-F5344CB8AC3E}">
+        <p14:creationId xmlns:p14="http://schemas.microsoft.com/office/powerpoint/2010/main" val="4070243138"/>
+      </p:ext>
+    </p:extLst>
+  </p:cSld>
+  <p:clrMapOvr>
+    <a:masterClrMapping/>
+  </p:clrMapOvr>
+</p:sld>
+</file>
+
+<file path=ppt/slides/slide68.xml><?xml version="1.0" encoding="utf-8"?>
+<p:sld xmlns:a="http://schemas.openxmlformats.org/drawingml/2006/main" xmlns:r="http://schemas.openxmlformats.org/officeDocument/2006/relationships" xmlns:p="http://schemas.openxmlformats.org/presentationml/2006/main">
+  <p:cSld>
+    <p:spTree>
+      <p:nvGrpSpPr>
+        <p:cNvPr id="1" name=""/>
+        <p:cNvGrpSpPr/>
+        <p:nvPr/>
+      </p:nvGrpSpPr>
+      <p:grpSpPr>
+        <a:xfrm>
+          <a:off x="0" y="0"/>
+          <a:ext cx="0" cy="0"/>
+          <a:chOff x="0" y="0"/>
+          <a:chExt cx="0" cy="0"/>
+        </a:xfrm>
+      </p:grpSpPr>
+      <p:sp>
+        <p:nvSpPr>
+          <p:cNvPr id="2" name="Title 1">
+            <a:extLst>
+              <a:ext uri="{FF2B5EF4-FFF2-40B4-BE49-F238E27FC236}">
+                <a16:creationId xmlns:a16="http://schemas.microsoft.com/office/drawing/2014/main" id="{84A091CE-1518-F3B9-63AA-8A257FBCCB5D}"/>
+              </a:ext>
+            </a:extLst>
+          </p:cNvPr>
+          <p:cNvSpPr>
+            <a:spLocks noGrp="1"/>
+          </p:cNvSpPr>
+          <p:nvPr>
+            <p:ph type="title"/>
+          </p:nvPr>
+        </p:nvSpPr>
+        <p:spPr/>
+        <p:txBody>
+          <a:bodyPr/>
+          <a:lstStyle/>
+          <a:p>
+            <a:r>
+              <a:rPr lang="en-IN" dirty="0"/>
+              <a:t>Non functional testing techniques</a:t>
+            </a:r>
+          </a:p>
+        </p:txBody>
+      </p:sp>
+      <p:sp>
+        <p:nvSpPr>
+          <p:cNvPr id="3" name="Content Placeholder 2">
+            <a:extLst>
+              <a:ext uri="{FF2B5EF4-FFF2-40B4-BE49-F238E27FC236}">
+                <a16:creationId xmlns:a16="http://schemas.microsoft.com/office/drawing/2014/main" id="{D966F33D-121C-865A-CF76-49DC4857DF84}"/>
+              </a:ext>
+            </a:extLst>
+          </p:cNvPr>
+          <p:cNvSpPr>
+            <a:spLocks noGrp="1"/>
+          </p:cNvSpPr>
+          <p:nvPr>
+            <p:ph idx="1"/>
+          </p:nvPr>
+        </p:nvSpPr>
+        <p:spPr/>
+        <p:txBody>
+          <a:bodyPr>
+            <a:normAutofit fontScale="92500" lnSpcReduction="20000"/>
+          </a:bodyPr>
+          <a:lstStyle/>
+          <a:p>
+            <a:pPr fontAlgn="base">
+              <a:buFont typeface="Arial" panose="020B0604020202020204" pitchFamily="34" charset="0"/>
+              <a:buChar char="•"/>
+            </a:pPr>
+            <a:r>
+              <a:rPr lang="en-US" b="1" i="0" u="sng" dirty="0">
+                <a:solidFill>
+                  <a:srgbClr val="273239"/>
+                </a:solidFill>
+                <a:effectLst/>
+                <a:highlight>
+                  <a:srgbClr val="FFFFFF"/>
+                </a:highlight>
+                <a:latin typeface="Nunito" pitchFamily="2" charset="0"/>
+              </a:rPr>
+              <a:t>Load testing</a:t>
+            </a:r>
+            <a:r>
+              <a:rPr lang="en-US" b="0" i="0" dirty="0">
+                <a:solidFill>
+                  <a:srgbClr val="273239"/>
+                </a:solidFill>
+                <a:effectLst/>
+                <a:highlight>
+                  <a:srgbClr val="FFFFFF"/>
+                </a:highlight>
+                <a:latin typeface="Nunito" pitchFamily="2" charset="0"/>
+              </a:rPr>
+              <a:t>: is a type of testing to ensure that a software program or system can </a:t>
+            </a:r>
+            <a:r>
+              <a:rPr lang="en-US" b="0" i="0" dirty="0" err="1">
+                <a:solidFill>
+                  <a:srgbClr val="273239"/>
+                </a:solidFill>
+                <a:effectLst/>
+                <a:highlight>
+                  <a:srgbClr val="FFFFFF"/>
+                </a:highlight>
+                <a:latin typeface="Nunito" pitchFamily="2" charset="0"/>
+              </a:rPr>
+              <a:t>han</a:t>
+            </a:r>
+            <a:r>
+              <a:rPr lang="en-US" b="1" u="sng" dirty="0" err="1">
+                <a:solidFill>
+                  <a:srgbClr val="273239"/>
+                </a:solidFill>
+                <a:highlight>
+                  <a:srgbClr val="FFFFFF"/>
+                </a:highlight>
+                <a:latin typeface="Nunito" pitchFamily="2" charset="0"/>
+              </a:rPr>
+              <a:t>Load</a:t>
+            </a:r>
+            <a:r>
+              <a:rPr lang="en-US" b="1" u="sng" dirty="0">
+                <a:solidFill>
+                  <a:srgbClr val="273239"/>
+                </a:solidFill>
+                <a:highlight>
+                  <a:srgbClr val="FFFFFF"/>
+                </a:highlight>
+                <a:latin typeface="Nunito" pitchFamily="2" charset="0"/>
+              </a:rPr>
+              <a:t> </a:t>
+            </a:r>
+            <a:r>
+              <a:rPr lang="en-US" b="1" u="sng" dirty="0" err="1">
+                <a:solidFill>
+                  <a:srgbClr val="273239"/>
+                </a:solidFill>
+                <a:highlight>
+                  <a:srgbClr val="FFFFFF"/>
+                </a:highlight>
+                <a:latin typeface="Nunito" pitchFamily="2" charset="0"/>
+              </a:rPr>
+              <a:t>testing</a:t>
+            </a:r>
+            <a:r>
+              <a:rPr lang="en-US" b="0" i="0" dirty="0" err="1">
+                <a:solidFill>
+                  <a:srgbClr val="273239"/>
+                </a:solidFill>
+                <a:effectLst/>
+                <a:highlight>
+                  <a:srgbClr val="FFFFFF"/>
+                </a:highlight>
+                <a:latin typeface="Nunito" pitchFamily="2" charset="0"/>
+              </a:rPr>
+              <a:t>dle</a:t>
+            </a:r>
+            <a:r>
+              <a:rPr lang="en-US" b="0" i="0" dirty="0">
+                <a:solidFill>
+                  <a:srgbClr val="273239"/>
+                </a:solidFill>
+                <a:effectLst/>
+                <a:highlight>
+                  <a:srgbClr val="FFFFFF"/>
+                </a:highlight>
+                <a:latin typeface="Nunito" pitchFamily="2" charset="0"/>
+              </a:rPr>
+              <a:t> a large number of users or transactions. For example, Running multiple applications on the computer simultaneously. </a:t>
+            </a:r>
+          </a:p>
+          <a:p>
+            <a:pPr algn="l" fontAlgn="base">
+              <a:buFont typeface="Arial" panose="020B0604020202020204" pitchFamily="34" charset="0"/>
+              <a:buChar char="•"/>
+            </a:pPr>
+            <a:r>
+              <a:rPr lang="en-US" b="1" i="0" u="sng" dirty="0">
+                <a:solidFill>
+                  <a:srgbClr val="273239"/>
+                </a:solidFill>
+                <a:effectLst/>
+                <a:highlight>
+                  <a:srgbClr val="FFFFFF"/>
+                </a:highlight>
+                <a:latin typeface="Nunito" pitchFamily="2" charset="0"/>
+              </a:rPr>
+              <a:t>Performance testing</a:t>
+            </a:r>
+            <a:r>
+              <a:rPr lang="en-US" b="0" i="0" dirty="0">
+                <a:solidFill>
+                  <a:srgbClr val="273239"/>
+                </a:solidFill>
+                <a:effectLst/>
+                <a:highlight>
+                  <a:srgbClr val="FFFFFF"/>
+                </a:highlight>
+                <a:latin typeface="Nunito" pitchFamily="2" charset="0"/>
+              </a:rPr>
+              <a:t>: is a type of testing to ensure that a software program or system meets specific performance goals, such as response time or throughput. For example, organizations perform performance tests to identify performance-related bottlenecks.</a:t>
+            </a:r>
+          </a:p>
+          <a:p>
+            <a:pPr algn="l" fontAlgn="base">
+              <a:buFont typeface="Arial" panose="020B0604020202020204" pitchFamily="34" charset="0"/>
+              <a:buChar char="•"/>
+            </a:pPr>
+            <a:r>
+              <a:rPr lang="en-US" b="1" i="0" u="sng" dirty="0">
+                <a:solidFill>
+                  <a:srgbClr val="273239"/>
+                </a:solidFill>
+                <a:effectLst/>
+                <a:highlight>
+                  <a:srgbClr val="FFFFFF"/>
+                </a:highlight>
+                <a:latin typeface="Nunito" pitchFamily="2" charset="0"/>
+              </a:rPr>
+              <a:t>Recovery testing</a:t>
+            </a:r>
+            <a:r>
+              <a:rPr lang="en-US" b="0" i="0" dirty="0">
+                <a:solidFill>
+                  <a:srgbClr val="273239"/>
+                </a:solidFill>
+                <a:effectLst/>
+                <a:highlight>
+                  <a:srgbClr val="FFFFFF"/>
+                </a:highlight>
+                <a:latin typeface="Nunito" pitchFamily="2" charset="0"/>
+              </a:rPr>
+              <a:t>: is a type of testing to ensure that a software program or system can be recovered from a failure or data loss. For example, when the application is running and the computer is restarted, check the validity of the application’s integrity.</a:t>
+            </a:r>
+          </a:p>
+          <a:p>
+            <a:pPr algn="l" fontAlgn="base">
+              <a:buFont typeface="Arial" panose="020B0604020202020204" pitchFamily="34" charset="0"/>
+              <a:buChar char="•"/>
+            </a:pPr>
+            <a:r>
+              <a:rPr lang="en-US" b="1" i="0" u="sng" dirty="0">
+                <a:solidFill>
+                  <a:srgbClr val="273239"/>
+                </a:solidFill>
+                <a:effectLst/>
+                <a:highlight>
+                  <a:srgbClr val="FFFFFF"/>
+                </a:highlight>
+                <a:latin typeface="Nunito" pitchFamily="2" charset="0"/>
+              </a:rPr>
+              <a:t>Security testing</a:t>
+            </a:r>
+            <a:r>
+              <a:rPr lang="en-US" b="0" i="0" dirty="0">
+                <a:solidFill>
+                  <a:srgbClr val="273239"/>
+                </a:solidFill>
+                <a:effectLst/>
+                <a:highlight>
+                  <a:srgbClr val="FFFFFF"/>
+                </a:highlight>
+                <a:latin typeface="Nunito" pitchFamily="2" charset="0"/>
+              </a:rPr>
+              <a:t>: is a type of testing to ensure that a software program or system is secure from unauthorized access or attack. For example, Organizations perform security testing to reveal flaws in the security mechanism of the information system.</a:t>
+            </a:r>
+          </a:p>
+          <a:p>
+            <a:endParaRPr lang="en-IN" dirty="0"/>
+          </a:p>
+        </p:txBody>
+      </p:sp>
+    </p:spTree>
+    <p:extLst>
+      <p:ext uri="{BB962C8B-B14F-4D97-AF65-F5344CB8AC3E}">
+        <p14:creationId xmlns:p14="http://schemas.microsoft.com/office/powerpoint/2010/main" val="1886107079"/>
+      </p:ext>
+    </p:extLst>
+  </p:cSld>
+  <p:clrMapOvr>
+    <a:masterClrMapping/>
+  </p:clrMapOvr>
+</p:sld>
+</file>
+
+<file path=ppt/slides/slide69.xml><?xml version="1.0" encoding="utf-8"?>
+<p:sld xmlns:a="http://schemas.openxmlformats.org/drawingml/2006/main" xmlns:r="http://schemas.openxmlformats.org/officeDocument/2006/relationships" xmlns:p="http://schemas.openxmlformats.org/presentationml/2006/main">
+  <p:cSld>
+    <p:spTree>
+      <p:nvGrpSpPr>
+        <p:cNvPr id="1" name=""/>
+        <p:cNvGrpSpPr/>
+        <p:nvPr/>
+      </p:nvGrpSpPr>
+      <p:grpSpPr>
+        <a:xfrm>
+          <a:off x="0" y="0"/>
+          <a:ext cx="0" cy="0"/>
+          <a:chOff x="0" y="0"/>
+          <a:chExt cx="0" cy="0"/>
+        </a:xfrm>
+      </p:grpSpPr>
+      <p:sp>
+        <p:nvSpPr>
+          <p:cNvPr id="2" name="Title 1">
+            <a:extLst>
+              <a:ext uri="{FF2B5EF4-FFF2-40B4-BE49-F238E27FC236}">
+                <a16:creationId xmlns:a16="http://schemas.microsoft.com/office/drawing/2014/main" id="{B5B9FF2F-6080-4A97-8E1A-CC8EAED087A3}"/>
+              </a:ext>
+            </a:extLst>
+          </p:cNvPr>
+          <p:cNvSpPr>
+            <a:spLocks noGrp="1"/>
+          </p:cNvSpPr>
+          <p:nvPr>
+            <p:ph type="title"/>
+          </p:nvPr>
+        </p:nvSpPr>
+        <p:spPr/>
+        <p:txBody>
+          <a:bodyPr/>
+          <a:lstStyle/>
+          <a:p>
+            <a:r>
+              <a:rPr lang="en-IN" dirty="0"/>
+              <a:t>Non functional testing techniques</a:t>
+            </a:r>
+          </a:p>
+        </p:txBody>
+      </p:sp>
+      <p:sp>
+        <p:nvSpPr>
+          <p:cNvPr id="3" name="Content Placeholder 2">
+            <a:extLst>
+              <a:ext uri="{FF2B5EF4-FFF2-40B4-BE49-F238E27FC236}">
+                <a16:creationId xmlns:a16="http://schemas.microsoft.com/office/drawing/2014/main" id="{2A1DFE54-3E8E-09CD-0B31-4FE33125CD09}"/>
+              </a:ext>
+            </a:extLst>
+          </p:cNvPr>
+          <p:cNvSpPr>
+            <a:spLocks noGrp="1"/>
+          </p:cNvSpPr>
+          <p:nvPr>
+            <p:ph idx="1"/>
+          </p:nvPr>
+        </p:nvSpPr>
+        <p:spPr/>
+        <p:txBody>
+          <a:bodyPr>
+            <a:normAutofit fontScale="92500" lnSpcReduction="20000"/>
+          </a:bodyPr>
+          <a:lstStyle/>
+          <a:p>
+            <a:pPr algn="l" fontAlgn="base">
+              <a:buFont typeface="Arial" panose="020B0604020202020204" pitchFamily="34" charset="0"/>
+              <a:buChar char="•"/>
+            </a:pPr>
+            <a:r>
+              <a:rPr lang="en-US" b="1" i="0" u="sng" dirty="0">
+                <a:solidFill>
+                  <a:srgbClr val="273239"/>
+                </a:solidFill>
+                <a:effectLst/>
+                <a:highlight>
+                  <a:srgbClr val="FFFFFF"/>
+                </a:highlight>
+                <a:latin typeface="Nunito" pitchFamily="2" charset="0"/>
+              </a:rPr>
+              <a:t>Scalability testing</a:t>
+            </a:r>
+            <a:r>
+              <a:rPr lang="en-US" b="0" i="0" dirty="0">
+                <a:solidFill>
+                  <a:srgbClr val="273239"/>
+                </a:solidFill>
+                <a:effectLst/>
+                <a:highlight>
+                  <a:srgbClr val="FFFFFF"/>
+                </a:highlight>
+                <a:latin typeface="Nunito" pitchFamily="2" charset="0"/>
+              </a:rPr>
+              <a:t>: is a type of testing to ensure that a software program or system can be scaled up or down to meet changing needs. For example, to measure the application’s capability to scale up or scale out in terms of non-functional capability. </a:t>
+            </a:r>
+          </a:p>
+          <a:p>
+            <a:pPr algn="l" fontAlgn="base">
+              <a:buFont typeface="Arial" panose="020B0604020202020204" pitchFamily="34" charset="0"/>
+              <a:buChar char="•"/>
+            </a:pPr>
+            <a:r>
+              <a:rPr lang="en-US" b="1" i="0" u="sng" dirty="0">
+                <a:solidFill>
+                  <a:srgbClr val="273239"/>
+                </a:solidFill>
+                <a:effectLst/>
+                <a:highlight>
+                  <a:srgbClr val="FFFFFF"/>
+                </a:highlight>
+                <a:latin typeface="Nunito" pitchFamily="2" charset="0"/>
+              </a:rPr>
+              <a:t>Stress testing</a:t>
+            </a:r>
+            <a:r>
+              <a:rPr lang="en-US" b="0" i="0" dirty="0">
+                <a:solidFill>
+                  <a:srgbClr val="273239"/>
+                </a:solidFill>
+                <a:effectLst/>
+                <a:highlight>
+                  <a:srgbClr val="FFFFFF"/>
+                </a:highlight>
+                <a:latin typeface="Nunito" pitchFamily="2" charset="0"/>
+              </a:rPr>
+              <a:t>: is a type of testing to ensure that a software program or system can handle an unusually high load. For example, extremely large numbers of concurrent users try to log into the application.</a:t>
+            </a:r>
+          </a:p>
+          <a:p>
+            <a:pPr algn="l" fontAlgn="base">
+              <a:buFont typeface="Arial" panose="020B0604020202020204" pitchFamily="34" charset="0"/>
+              <a:buChar char="•"/>
+            </a:pPr>
+            <a:r>
+              <a:rPr lang="en-US" b="1" i="0" u="sng" dirty="0">
+                <a:solidFill>
+                  <a:srgbClr val="273239"/>
+                </a:solidFill>
+                <a:effectLst/>
+                <a:highlight>
+                  <a:srgbClr val="FFFFFF"/>
+                </a:highlight>
+                <a:latin typeface="Nunito" pitchFamily="2" charset="0"/>
+              </a:rPr>
+              <a:t>Usability testing</a:t>
+            </a:r>
+            <a:r>
+              <a:rPr lang="en-US" b="0" i="0" dirty="0">
+                <a:solidFill>
+                  <a:srgbClr val="273239"/>
+                </a:solidFill>
+                <a:effectLst/>
+                <a:highlight>
+                  <a:srgbClr val="FFFFFF"/>
+                </a:highlight>
+                <a:latin typeface="Nunito" pitchFamily="2" charset="0"/>
+              </a:rPr>
+              <a:t>: is a type of testing to ensure that a software program or system is easy to use. For example, on the e-commerce website, it can be tested whether the users can easily locate the Buy Now button or not.</a:t>
+            </a:r>
+          </a:p>
+          <a:p>
+            <a:pPr algn="l" fontAlgn="base">
+              <a:buFont typeface="Arial" panose="020B0604020202020204" pitchFamily="34" charset="0"/>
+              <a:buChar char="•"/>
+            </a:pPr>
+            <a:r>
+              <a:rPr lang="en-US" b="1" i="0" u="sng" dirty="0">
+                <a:solidFill>
+                  <a:srgbClr val="273239"/>
+                </a:solidFill>
+                <a:effectLst/>
+                <a:highlight>
+                  <a:srgbClr val="FFFFFF"/>
+                </a:highlight>
+                <a:latin typeface="Nunito" pitchFamily="2" charset="0"/>
+              </a:rPr>
+              <a:t>Volume testing</a:t>
+            </a:r>
+            <a:r>
+              <a:rPr lang="en-US" b="0" i="0" dirty="0">
+                <a:solidFill>
+                  <a:srgbClr val="273239"/>
+                </a:solidFill>
+                <a:effectLst/>
+                <a:highlight>
+                  <a:srgbClr val="FFFFFF"/>
+                </a:highlight>
+                <a:latin typeface="Nunito" pitchFamily="2" charset="0"/>
+              </a:rPr>
+              <a:t>: is a type of testing to ensure that a software program or system can handle a large volume of data. For example, if the website is developed to handle traffic of 500 users, volume testing will whether the site is able to handle 500 users or not.</a:t>
+            </a:r>
+          </a:p>
+          <a:p>
+            <a:endParaRPr lang="en-IN" dirty="0"/>
+          </a:p>
+        </p:txBody>
+      </p:sp>
+    </p:spTree>
+    <p:extLst>
+      <p:ext uri="{BB962C8B-B14F-4D97-AF65-F5344CB8AC3E}">
+        <p14:creationId xmlns:p14="http://schemas.microsoft.com/office/powerpoint/2010/main" val="2113667601"/>
       </p:ext>
     </p:extLst>
   </p:cSld>
@@ -27704,6 +31525,1786 @@
     <p:extLst>
       <p:ext uri="{BB962C8B-B14F-4D97-AF65-F5344CB8AC3E}">
         <p14:creationId xmlns:p14="http://schemas.microsoft.com/office/powerpoint/2010/main" val="1113647965"/>
+      </p:ext>
+    </p:extLst>
+  </p:cSld>
+  <p:clrMapOvr>
+    <a:masterClrMapping/>
+  </p:clrMapOvr>
+</p:sld>
+</file>
+
+<file path=ppt/slides/slide70.xml><?xml version="1.0" encoding="utf-8"?>
+<p:sld xmlns:a="http://schemas.openxmlformats.org/drawingml/2006/main" xmlns:r="http://schemas.openxmlformats.org/officeDocument/2006/relationships" xmlns:p="http://schemas.openxmlformats.org/presentationml/2006/main">
+  <p:cSld>
+    <p:spTree>
+      <p:nvGrpSpPr>
+        <p:cNvPr id="1" name=""/>
+        <p:cNvGrpSpPr/>
+        <p:nvPr/>
+      </p:nvGrpSpPr>
+      <p:grpSpPr>
+        <a:xfrm>
+          <a:off x="0" y="0"/>
+          <a:ext cx="0" cy="0"/>
+          <a:chOff x="0" y="0"/>
+          <a:chExt cx="0" cy="0"/>
+        </a:xfrm>
+      </p:grpSpPr>
+      <p:sp>
+        <p:nvSpPr>
+          <p:cNvPr id="2" name="Title 1">
+            <a:extLst>
+              <a:ext uri="{FF2B5EF4-FFF2-40B4-BE49-F238E27FC236}">
+                <a16:creationId xmlns:a16="http://schemas.microsoft.com/office/drawing/2014/main" id="{008AC640-3DCB-37B9-8BA9-8A94B6B1AC3B}"/>
+              </a:ext>
+            </a:extLst>
+          </p:cNvPr>
+          <p:cNvSpPr>
+            <a:spLocks noGrp="1"/>
+          </p:cNvSpPr>
+          <p:nvPr>
+            <p:ph type="title"/>
+          </p:nvPr>
+        </p:nvSpPr>
+        <p:spPr/>
+        <p:txBody>
+          <a:bodyPr/>
+          <a:lstStyle/>
+          <a:p>
+            <a:r>
+              <a:rPr lang="en-IN" dirty="0"/>
+              <a:t>Test pyramid</a:t>
+            </a:r>
+          </a:p>
+        </p:txBody>
+      </p:sp>
+      <p:sp>
+        <p:nvSpPr>
+          <p:cNvPr id="3" name="Content Placeholder 2">
+            <a:extLst>
+              <a:ext uri="{FF2B5EF4-FFF2-40B4-BE49-F238E27FC236}">
+                <a16:creationId xmlns:a16="http://schemas.microsoft.com/office/drawing/2014/main" id="{913979A4-7B54-5BB2-575A-4A18D13BFFE0}"/>
+              </a:ext>
+            </a:extLst>
+          </p:cNvPr>
+          <p:cNvSpPr>
+            <a:spLocks noGrp="1"/>
+          </p:cNvSpPr>
+          <p:nvPr>
+            <p:ph idx="1"/>
+          </p:nvPr>
+        </p:nvSpPr>
+        <p:spPr/>
+        <p:txBody>
+          <a:bodyPr/>
+          <a:lstStyle/>
+          <a:p>
+            <a:pPr algn="l"/>
+            <a:r>
+              <a:rPr lang="en-US" b="0" i="0" dirty="0">
+                <a:solidFill>
+                  <a:srgbClr val="000000"/>
+                </a:solidFill>
+                <a:effectLst/>
+                <a:highlight>
+                  <a:srgbClr val="FFFFFF"/>
+                </a:highlight>
+                <a:latin typeface="Inter"/>
+              </a:rPr>
+              <a:t>The testing pyramid is a testing strategy that can help developers and testers create high-quality products. It lets developers quickly identify whether their code changes have caused any issues, thus saving them time. Also, it helps QAs to build a powerful test suite.</a:t>
+            </a:r>
+          </a:p>
+          <a:p>
+            <a:pPr algn="l"/>
+            <a:r>
+              <a:rPr lang="en-US" b="0" i="0" dirty="0">
+                <a:solidFill>
+                  <a:srgbClr val="000000"/>
+                </a:solidFill>
+                <a:effectLst/>
+                <a:highlight>
+                  <a:srgbClr val="FFFFFF"/>
+                </a:highlight>
+                <a:latin typeface="Inter"/>
+              </a:rPr>
+              <a:t>It was introduced by Mike Cohn in his book </a:t>
+            </a:r>
+            <a:r>
+              <a:rPr lang="en-US" b="0" i="1" dirty="0">
+                <a:solidFill>
+                  <a:srgbClr val="000000"/>
+                </a:solidFill>
+                <a:effectLst/>
+                <a:highlight>
+                  <a:srgbClr val="FFFFFF"/>
+                </a:highlight>
+                <a:latin typeface="Inter"/>
+              </a:rPr>
+              <a:t>“Succeeding with Agile.”</a:t>
+            </a:r>
+            <a:r>
+              <a:rPr lang="en-US" b="0" i="0" dirty="0">
+                <a:solidFill>
+                  <a:srgbClr val="000000"/>
+                </a:solidFill>
+                <a:effectLst/>
+                <a:highlight>
+                  <a:srgbClr val="FFFFFF"/>
+                </a:highlight>
+                <a:latin typeface="Inter"/>
+              </a:rPr>
+              <a:t> It is one of the popular strategies in software testing that illustrates the distribution of different types of tests in a test suite.</a:t>
+            </a:r>
+          </a:p>
+          <a:p>
+            <a:endParaRPr lang="en-IN" dirty="0"/>
+          </a:p>
+        </p:txBody>
+      </p:sp>
+    </p:spTree>
+    <p:extLst>
+      <p:ext uri="{BB962C8B-B14F-4D97-AF65-F5344CB8AC3E}">
+        <p14:creationId xmlns:p14="http://schemas.microsoft.com/office/powerpoint/2010/main" val="3620900725"/>
+      </p:ext>
+    </p:extLst>
+  </p:cSld>
+  <p:clrMapOvr>
+    <a:masterClrMapping/>
+  </p:clrMapOvr>
+</p:sld>
+</file>
+
+<file path=ppt/slides/slide71.xml><?xml version="1.0" encoding="utf-8"?>
+<p:sld xmlns:a="http://schemas.openxmlformats.org/drawingml/2006/main" xmlns:r="http://schemas.openxmlformats.org/officeDocument/2006/relationships" xmlns:p="http://schemas.openxmlformats.org/presentationml/2006/main">
+  <p:cSld>
+    <p:spTree>
+      <p:nvGrpSpPr>
+        <p:cNvPr id="1" name=""/>
+        <p:cNvGrpSpPr/>
+        <p:nvPr/>
+      </p:nvGrpSpPr>
+      <p:grpSpPr>
+        <a:xfrm>
+          <a:off x="0" y="0"/>
+          <a:ext cx="0" cy="0"/>
+          <a:chOff x="0" y="0"/>
+          <a:chExt cx="0" cy="0"/>
+        </a:xfrm>
+      </p:grpSpPr>
+      <p:sp>
+        <p:nvSpPr>
+          <p:cNvPr id="2" name="Title 1">
+            <a:extLst>
+              <a:ext uri="{FF2B5EF4-FFF2-40B4-BE49-F238E27FC236}">
+                <a16:creationId xmlns:a16="http://schemas.microsoft.com/office/drawing/2014/main" id="{E8167668-EEF5-9024-01D4-240D535225D7}"/>
+              </a:ext>
+            </a:extLst>
+          </p:cNvPr>
+          <p:cNvSpPr>
+            <a:spLocks noGrp="1"/>
+          </p:cNvSpPr>
+          <p:nvPr>
+            <p:ph type="title"/>
+          </p:nvPr>
+        </p:nvSpPr>
+        <p:spPr/>
+        <p:txBody>
+          <a:bodyPr/>
+          <a:lstStyle/>
+          <a:p>
+            <a:r>
+              <a:rPr lang="en-IN" dirty="0"/>
+              <a:t>Test pyramid phases</a:t>
+            </a:r>
+          </a:p>
+        </p:txBody>
+      </p:sp>
+      <p:pic>
+        <p:nvPicPr>
+          <p:cNvPr id="5" name="Content Placeholder 4">
+            <a:extLst>
+              <a:ext uri="{FF2B5EF4-FFF2-40B4-BE49-F238E27FC236}">
+                <a16:creationId xmlns:a16="http://schemas.microsoft.com/office/drawing/2014/main" id="{74A4B644-709D-22CC-4876-386334EB792B}"/>
+              </a:ext>
+            </a:extLst>
+          </p:cNvPr>
+          <p:cNvPicPr>
+            <a:picLocks noGrp="1" noChangeAspect="1"/>
+          </p:cNvPicPr>
+          <p:nvPr>
+            <p:ph idx="1"/>
+          </p:nvPr>
+        </p:nvPicPr>
+        <p:blipFill>
+          <a:blip r:embed="rId2"/>
+          <a:stretch>
+            <a:fillRect/>
+          </a:stretch>
+        </p:blipFill>
+        <p:spPr>
+          <a:xfrm>
+            <a:off x="2417064" y="2165251"/>
+            <a:ext cx="6934200" cy="4267613"/>
+          </a:xfrm>
+        </p:spPr>
+      </p:pic>
+    </p:spTree>
+    <p:extLst>
+      <p:ext uri="{BB962C8B-B14F-4D97-AF65-F5344CB8AC3E}">
+        <p14:creationId xmlns:p14="http://schemas.microsoft.com/office/powerpoint/2010/main" val="3688860762"/>
+      </p:ext>
+    </p:extLst>
+  </p:cSld>
+  <p:clrMapOvr>
+    <a:masterClrMapping/>
+  </p:clrMapOvr>
+</p:sld>
+</file>
+
+<file path=ppt/slides/slide72.xml><?xml version="1.0" encoding="utf-8"?>
+<p:sld xmlns:a="http://schemas.openxmlformats.org/drawingml/2006/main" xmlns:r="http://schemas.openxmlformats.org/officeDocument/2006/relationships" xmlns:p="http://schemas.openxmlformats.org/presentationml/2006/main">
+  <p:cSld>
+    <p:spTree>
+      <p:nvGrpSpPr>
+        <p:cNvPr id="1" name=""/>
+        <p:cNvGrpSpPr/>
+        <p:nvPr/>
+      </p:nvGrpSpPr>
+      <p:grpSpPr>
+        <a:xfrm>
+          <a:off x="0" y="0"/>
+          <a:ext cx="0" cy="0"/>
+          <a:chOff x="0" y="0"/>
+          <a:chExt cx="0" cy="0"/>
+        </a:xfrm>
+      </p:grpSpPr>
+      <p:sp>
+        <p:nvSpPr>
+          <p:cNvPr id="2" name="Title 1">
+            <a:extLst>
+              <a:ext uri="{FF2B5EF4-FFF2-40B4-BE49-F238E27FC236}">
+                <a16:creationId xmlns:a16="http://schemas.microsoft.com/office/drawing/2014/main" id="{F0E27A3D-F575-B220-8D65-1D83C9B24D4F}"/>
+              </a:ext>
+            </a:extLst>
+          </p:cNvPr>
+          <p:cNvSpPr>
+            <a:spLocks noGrp="1"/>
+          </p:cNvSpPr>
+          <p:nvPr>
+            <p:ph type="title"/>
+          </p:nvPr>
+        </p:nvSpPr>
+        <p:spPr/>
+        <p:txBody>
+          <a:bodyPr/>
+          <a:lstStyle/>
+          <a:p>
+            <a:r>
+              <a:rPr lang="en-IN" dirty="0"/>
+              <a:t>USER Acceptance testing</a:t>
+            </a:r>
+          </a:p>
+        </p:txBody>
+      </p:sp>
+      <p:sp>
+        <p:nvSpPr>
+          <p:cNvPr id="3" name="Content Placeholder 2">
+            <a:extLst>
+              <a:ext uri="{FF2B5EF4-FFF2-40B4-BE49-F238E27FC236}">
+                <a16:creationId xmlns:a16="http://schemas.microsoft.com/office/drawing/2014/main" id="{DF287A7E-CD4B-58D8-E539-73FF06421A00}"/>
+              </a:ext>
+            </a:extLst>
+          </p:cNvPr>
+          <p:cNvSpPr>
+            <a:spLocks noGrp="1"/>
+          </p:cNvSpPr>
+          <p:nvPr>
+            <p:ph idx="1"/>
+          </p:nvPr>
+        </p:nvSpPr>
+        <p:spPr/>
+        <p:txBody>
+          <a:bodyPr/>
+          <a:lstStyle/>
+          <a:p>
+            <a:r>
+              <a:rPr lang="en-US" b="1" i="0" dirty="0">
+                <a:solidFill>
+                  <a:srgbClr val="273239"/>
+                </a:solidFill>
+                <a:effectLst/>
+                <a:highlight>
+                  <a:srgbClr val="FFFFFF"/>
+                </a:highlight>
+                <a:latin typeface="Nunito" pitchFamily="2" charset="0"/>
+              </a:rPr>
+              <a:t>User Acceptance Testing (UAT)</a:t>
+            </a:r>
+            <a:r>
+              <a:rPr lang="en-US" b="0" i="0" dirty="0">
+                <a:solidFill>
+                  <a:srgbClr val="273239"/>
+                </a:solidFill>
+                <a:effectLst/>
+                <a:highlight>
+                  <a:srgbClr val="FFFFFF"/>
+                </a:highlight>
+                <a:latin typeface="Nunito" pitchFamily="2" charset="0"/>
+              </a:rPr>
+              <a:t> is a crucial phase in </a:t>
+            </a:r>
+            <a:r>
+              <a:rPr lang="en-US" b="1" i="0" dirty="0">
+                <a:solidFill>
+                  <a:srgbClr val="273239"/>
+                </a:solidFill>
+                <a:effectLst/>
+                <a:highlight>
+                  <a:srgbClr val="FFFFFF"/>
+                </a:highlight>
+                <a:latin typeface="Nunito" pitchFamily="2" charset="0"/>
+              </a:rPr>
+              <a:t>software testing</a:t>
+            </a:r>
+            <a:r>
+              <a:rPr lang="en-US" b="0" i="0" dirty="0">
+                <a:solidFill>
+                  <a:srgbClr val="273239"/>
+                </a:solidFill>
+                <a:effectLst/>
+                <a:highlight>
+                  <a:srgbClr val="FFFFFF"/>
+                </a:highlight>
+                <a:latin typeface="Nunito" pitchFamily="2" charset="0"/>
+              </a:rPr>
+              <a:t> where the software is tested in a real-world scenario by </a:t>
+            </a:r>
+            <a:r>
+              <a:rPr lang="en-US" b="1" i="0" dirty="0">
+                <a:solidFill>
+                  <a:srgbClr val="273239"/>
+                </a:solidFill>
+                <a:effectLst/>
+                <a:highlight>
+                  <a:srgbClr val="FFFFFF"/>
+                </a:highlight>
+                <a:latin typeface="Nunito" pitchFamily="2" charset="0"/>
+              </a:rPr>
+              <a:t>end-users</a:t>
+            </a:r>
+            <a:r>
+              <a:rPr lang="en-US" b="0" i="0" dirty="0">
+                <a:solidFill>
+                  <a:srgbClr val="273239"/>
+                </a:solidFill>
+                <a:effectLst/>
+                <a:highlight>
+                  <a:srgbClr val="FFFFFF"/>
+                </a:highlight>
+                <a:latin typeface="Nunito" pitchFamily="2" charset="0"/>
+              </a:rPr>
+              <a:t> to ensure it meets their requirements and functions as expected. Unlike other forms of testing, UAT focuses on validating the software’s </a:t>
+            </a:r>
+            <a:r>
+              <a:rPr lang="en-US" b="1" i="0" dirty="0">
+                <a:solidFill>
+                  <a:srgbClr val="273239"/>
+                </a:solidFill>
+                <a:effectLst/>
+                <a:highlight>
+                  <a:srgbClr val="FFFFFF"/>
+                </a:highlight>
+                <a:latin typeface="Nunito" pitchFamily="2" charset="0"/>
+              </a:rPr>
+              <a:t>user-friendliness</a:t>
+            </a:r>
+            <a:r>
+              <a:rPr lang="en-US" b="0" i="0" dirty="0">
+                <a:solidFill>
+                  <a:srgbClr val="273239"/>
+                </a:solidFill>
+                <a:effectLst/>
+                <a:highlight>
+                  <a:srgbClr val="FFFFFF"/>
+                </a:highlight>
+                <a:latin typeface="Nunito" pitchFamily="2" charset="0"/>
+              </a:rPr>
+              <a:t>, </a:t>
+            </a:r>
+            <a:r>
+              <a:rPr lang="en-US" b="1" i="0" dirty="0">
+                <a:solidFill>
+                  <a:srgbClr val="273239"/>
+                </a:solidFill>
+                <a:effectLst/>
+                <a:highlight>
+                  <a:srgbClr val="FFFFFF"/>
+                </a:highlight>
+                <a:latin typeface="Nunito" pitchFamily="2" charset="0"/>
+              </a:rPr>
+              <a:t>functionality</a:t>
+            </a:r>
+            <a:r>
+              <a:rPr lang="en-US" b="0" i="0" dirty="0">
+                <a:solidFill>
+                  <a:srgbClr val="273239"/>
+                </a:solidFill>
+                <a:effectLst/>
+                <a:highlight>
+                  <a:srgbClr val="FFFFFF"/>
+                </a:highlight>
+                <a:latin typeface="Nunito" pitchFamily="2" charset="0"/>
+              </a:rPr>
+              <a:t>, and </a:t>
+            </a:r>
+            <a:r>
+              <a:rPr lang="en-US" b="1" i="0" dirty="0">
+                <a:solidFill>
+                  <a:srgbClr val="273239"/>
+                </a:solidFill>
+                <a:effectLst/>
+                <a:highlight>
+                  <a:srgbClr val="FFFFFF"/>
+                </a:highlight>
+                <a:latin typeface="Nunito" pitchFamily="2" charset="0"/>
+              </a:rPr>
+              <a:t>performance</a:t>
+            </a:r>
+            <a:r>
+              <a:rPr lang="en-US" b="0" i="0" dirty="0">
+                <a:solidFill>
+                  <a:srgbClr val="273239"/>
+                </a:solidFill>
+                <a:effectLst/>
+                <a:highlight>
+                  <a:srgbClr val="FFFFFF"/>
+                </a:highlight>
+                <a:latin typeface="Nunito" pitchFamily="2" charset="0"/>
+              </a:rPr>
+              <a:t> from the user’s perspective.</a:t>
+            </a:r>
+          </a:p>
+          <a:p>
+            <a:endParaRPr lang="en-IN" dirty="0"/>
+          </a:p>
+        </p:txBody>
+      </p:sp>
+      <p:pic>
+        <p:nvPicPr>
+          <p:cNvPr id="5" name="Picture 4">
+            <a:extLst>
+              <a:ext uri="{FF2B5EF4-FFF2-40B4-BE49-F238E27FC236}">
+                <a16:creationId xmlns:a16="http://schemas.microsoft.com/office/drawing/2014/main" id="{F5B27582-1579-1B85-CB38-84E661000109}"/>
+              </a:ext>
+            </a:extLst>
+          </p:cNvPr>
+          <p:cNvPicPr>
+            <a:picLocks noChangeAspect="1"/>
+          </p:cNvPicPr>
+          <p:nvPr/>
+        </p:nvPicPr>
+        <p:blipFill>
+          <a:blip r:embed="rId2"/>
+          <a:stretch>
+            <a:fillRect/>
+          </a:stretch>
+        </p:blipFill>
+        <p:spPr>
+          <a:xfrm>
+            <a:off x="4989212" y="4074045"/>
+            <a:ext cx="3468987" cy="2235315"/>
+          </a:xfrm>
+          <a:prstGeom prst="rect">
+            <a:avLst/>
+          </a:prstGeom>
+        </p:spPr>
+      </p:pic>
+    </p:spTree>
+    <p:extLst>
+      <p:ext uri="{BB962C8B-B14F-4D97-AF65-F5344CB8AC3E}">
+        <p14:creationId xmlns:p14="http://schemas.microsoft.com/office/powerpoint/2010/main" val="85887483"/>
+      </p:ext>
+    </p:extLst>
+  </p:cSld>
+  <p:clrMapOvr>
+    <a:masterClrMapping/>
+  </p:clrMapOvr>
+</p:sld>
+</file>
+
+<file path=ppt/slides/slide73.xml><?xml version="1.0" encoding="utf-8"?>
+<p:sld xmlns:a="http://schemas.openxmlformats.org/drawingml/2006/main" xmlns:r="http://schemas.openxmlformats.org/officeDocument/2006/relationships" xmlns:p="http://schemas.openxmlformats.org/presentationml/2006/main">
+  <p:cSld>
+    <p:spTree>
+      <p:nvGrpSpPr>
+        <p:cNvPr id="1" name=""/>
+        <p:cNvGrpSpPr/>
+        <p:nvPr/>
+      </p:nvGrpSpPr>
+      <p:grpSpPr>
+        <a:xfrm>
+          <a:off x="0" y="0"/>
+          <a:ext cx="0" cy="0"/>
+          <a:chOff x="0" y="0"/>
+          <a:chExt cx="0" cy="0"/>
+        </a:xfrm>
+      </p:grpSpPr>
+      <p:sp>
+        <p:nvSpPr>
+          <p:cNvPr id="2" name="Title 1">
+            <a:extLst>
+              <a:ext uri="{FF2B5EF4-FFF2-40B4-BE49-F238E27FC236}">
+                <a16:creationId xmlns:a16="http://schemas.microsoft.com/office/drawing/2014/main" id="{59341B40-712B-6E58-BDCA-38937C12CF6B}"/>
+              </a:ext>
+            </a:extLst>
+          </p:cNvPr>
+          <p:cNvSpPr>
+            <a:spLocks noGrp="1"/>
+          </p:cNvSpPr>
+          <p:nvPr>
+            <p:ph type="title"/>
+          </p:nvPr>
+        </p:nvSpPr>
+        <p:spPr/>
+        <p:txBody>
+          <a:bodyPr/>
+          <a:lstStyle/>
+          <a:p>
+            <a:r>
+              <a:rPr lang="en-IN" dirty="0"/>
+              <a:t>Types of </a:t>
+            </a:r>
+            <a:r>
+              <a:rPr lang="en-IN" dirty="0" err="1"/>
+              <a:t>uat</a:t>
+            </a:r>
+            <a:endParaRPr lang="en-IN" dirty="0"/>
+          </a:p>
+        </p:txBody>
+      </p:sp>
+      <p:sp>
+        <p:nvSpPr>
+          <p:cNvPr id="3" name="Content Placeholder 2">
+            <a:extLst>
+              <a:ext uri="{FF2B5EF4-FFF2-40B4-BE49-F238E27FC236}">
+                <a16:creationId xmlns:a16="http://schemas.microsoft.com/office/drawing/2014/main" id="{2B15B227-CCC0-D62D-D82F-0D073EDBC439}"/>
+              </a:ext>
+            </a:extLst>
+          </p:cNvPr>
+          <p:cNvSpPr>
+            <a:spLocks noGrp="1"/>
+          </p:cNvSpPr>
+          <p:nvPr>
+            <p:ph idx="1"/>
+          </p:nvPr>
+        </p:nvSpPr>
+        <p:spPr/>
+        <p:txBody>
+          <a:bodyPr>
+            <a:normAutofit lnSpcReduction="10000"/>
+          </a:bodyPr>
+          <a:lstStyle/>
+          <a:p>
+            <a:r>
+              <a:rPr lang="en-IN" b="1" i="0" dirty="0">
+                <a:solidFill>
+                  <a:srgbClr val="273239"/>
+                </a:solidFill>
+                <a:effectLst/>
+                <a:highlight>
+                  <a:srgbClr val="FFFFFF"/>
+                </a:highlight>
+                <a:latin typeface="Nunito" pitchFamily="2" charset="0"/>
+              </a:rPr>
+              <a:t>Beta User Acceptance Testing</a:t>
+            </a:r>
+          </a:p>
+          <a:p>
+            <a:r>
+              <a:rPr lang="en-US" b="0" i="0" dirty="0">
+                <a:solidFill>
+                  <a:srgbClr val="273239"/>
+                </a:solidFill>
+                <a:effectLst/>
+                <a:highlight>
+                  <a:srgbClr val="FFFFFF"/>
+                </a:highlight>
+                <a:latin typeface="Nunito" pitchFamily="2" charset="0"/>
+              </a:rPr>
+              <a:t>Beta UAT means that users who have completed one or more rounds of tests will be shown a popup stating if they are accepted for testing by the new version of Angular2 (a beta release). </a:t>
+            </a:r>
+          </a:p>
+          <a:p>
+            <a:r>
+              <a:rPr lang="en-IN" b="1" i="0" dirty="0">
+                <a:solidFill>
+                  <a:srgbClr val="273239"/>
+                </a:solidFill>
+                <a:effectLst/>
+                <a:highlight>
+                  <a:srgbClr val="FFFFFF"/>
+                </a:highlight>
+                <a:latin typeface="Nunito" pitchFamily="2" charset="0"/>
+              </a:rPr>
+              <a:t>Black Box Testing</a:t>
+            </a:r>
+          </a:p>
+          <a:p>
+            <a:r>
+              <a:rPr lang="en-US" b="0" i="0" dirty="0">
+                <a:solidFill>
+                  <a:srgbClr val="273239"/>
+                </a:solidFill>
+                <a:effectLst/>
+                <a:highlight>
+                  <a:srgbClr val="FFFFFF"/>
+                </a:highlight>
+                <a:latin typeface="Nunito" pitchFamily="2" charset="0"/>
+              </a:rPr>
+              <a:t>In </a:t>
+            </a:r>
+            <a:r>
+              <a:rPr lang="en-US" b="0" i="0" u="sng" dirty="0">
+                <a:solidFill>
+                  <a:srgbClr val="273239"/>
+                </a:solidFill>
+                <a:effectLst/>
+                <a:highlight>
+                  <a:srgbClr val="FFFFFF"/>
+                </a:highlight>
+                <a:latin typeface="Nunito" pitchFamily="2" charset="0"/>
+              </a:rPr>
+              <a:t>black box testing</a:t>
+            </a:r>
+            <a:r>
+              <a:rPr lang="en-US" b="0" i="0" dirty="0">
+                <a:solidFill>
+                  <a:srgbClr val="273239"/>
+                </a:solidFill>
+                <a:effectLst/>
+                <a:highlight>
+                  <a:srgbClr val="FFFFFF"/>
+                </a:highlight>
+                <a:latin typeface="Nunito" pitchFamily="2" charset="0"/>
+              </a:rPr>
+              <a:t>, end-users or testers evaluate specific functionalities of the software without knowing the internal workings or code structure.</a:t>
+            </a:r>
+          </a:p>
+          <a:p>
+            <a:r>
+              <a:rPr lang="en-IN" b="1" i="0" dirty="0">
+                <a:solidFill>
+                  <a:srgbClr val="273239"/>
+                </a:solidFill>
+                <a:effectLst/>
+                <a:highlight>
+                  <a:srgbClr val="FFFFFF"/>
+                </a:highlight>
+                <a:latin typeface="Nunito" pitchFamily="2" charset="0"/>
+              </a:rPr>
+              <a:t>Operational Acceptance Testing (OAT)</a:t>
+            </a:r>
+          </a:p>
+          <a:p>
+            <a:r>
+              <a:rPr lang="en-US" b="0" i="0" u="sng" dirty="0">
+                <a:solidFill>
+                  <a:srgbClr val="273239"/>
+                </a:solidFill>
+                <a:effectLst/>
+                <a:highlight>
+                  <a:srgbClr val="FFFFFF"/>
+                </a:highlight>
+                <a:latin typeface="Nunito" pitchFamily="2" charset="0"/>
+              </a:rPr>
+              <a:t>Operational Acceptance Testing</a:t>
+            </a:r>
+            <a:r>
+              <a:rPr lang="en-US" b="0" i="0" dirty="0">
+                <a:solidFill>
+                  <a:srgbClr val="273239"/>
+                </a:solidFill>
+                <a:effectLst/>
+                <a:highlight>
+                  <a:srgbClr val="FFFFFF"/>
+                </a:highlight>
+                <a:latin typeface="Nunito" pitchFamily="2" charset="0"/>
+              </a:rPr>
+              <a:t> (OAT) is a software testing technique that evaluates a software application’s operational readiness before release or production. </a:t>
+            </a:r>
+          </a:p>
+          <a:p>
+            <a:endParaRPr lang="en-US" b="0" i="0" dirty="0">
+              <a:solidFill>
+                <a:srgbClr val="273239"/>
+              </a:solidFill>
+              <a:effectLst/>
+              <a:highlight>
+                <a:srgbClr val="FFFFFF"/>
+              </a:highlight>
+              <a:latin typeface="Nunito" pitchFamily="2" charset="0"/>
+            </a:endParaRPr>
+          </a:p>
+          <a:p>
+            <a:endParaRPr lang="en-IN" dirty="0"/>
+          </a:p>
+        </p:txBody>
+      </p:sp>
+    </p:spTree>
+    <p:extLst>
+      <p:ext uri="{BB962C8B-B14F-4D97-AF65-F5344CB8AC3E}">
+        <p14:creationId xmlns:p14="http://schemas.microsoft.com/office/powerpoint/2010/main" val="4284869048"/>
+      </p:ext>
+    </p:extLst>
+  </p:cSld>
+  <p:clrMapOvr>
+    <a:masterClrMapping/>
+  </p:clrMapOvr>
+</p:sld>
+</file>
+
+<file path=ppt/slides/slide74.xml><?xml version="1.0" encoding="utf-8"?>
+<p:sld xmlns:a="http://schemas.openxmlformats.org/drawingml/2006/main" xmlns:r="http://schemas.openxmlformats.org/officeDocument/2006/relationships" xmlns:p="http://schemas.openxmlformats.org/presentationml/2006/main">
+  <p:cSld>
+    <p:spTree>
+      <p:nvGrpSpPr>
+        <p:cNvPr id="1" name=""/>
+        <p:cNvGrpSpPr/>
+        <p:nvPr/>
+      </p:nvGrpSpPr>
+      <p:grpSpPr>
+        <a:xfrm>
+          <a:off x="0" y="0"/>
+          <a:ext cx="0" cy="0"/>
+          <a:chOff x="0" y="0"/>
+          <a:chExt cx="0" cy="0"/>
+        </a:xfrm>
+      </p:grpSpPr>
+      <p:sp>
+        <p:nvSpPr>
+          <p:cNvPr id="2" name="Title 1">
+            <a:extLst>
+              <a:ext uri="{FF2B5EF4-FFF2-40B4-BE49-F238E27FC236}">
+                <a16:creationId xmlns:a16="http://schemas.microsoft.com/office/drawing/2014/main" id="{A35135C8-B71A-870E-FEAB-7D51E7AD5D49}"/>
+              </a:ext>
+            </a:extLst>
+          </p:cNvPr>
+          <p:cNvSpPr>
+            <a:spLocks noGrp="1"/>
+          </p:cNvSpPr>
+          <p:nvPr>
+            <p:ph type="title"/>
+          </p:nvPr>
+        </p:nvSpPr>
+        <p:spPr/>
+        <p:txBody>
+          <a:bodyPr/>
+          <a:lstStyle/>
+          <a:p>
+            <a:r>
+              <a:rPr lang="en-IN" dirty="0"/>
+              <a:t>Types of </a:t>
+            </a:r>
+            <a:r>
+              <a:rPr lang="en-IN" dirty="0" err="1"/>
+              <a:t>uat</a:t>
+            </a:r>
+            <a:endParaRPr lang="en-IN" dirty="0"/>
+          </a:p>
+        </p:txBody>
+      </p:sp>
+      <p:sp>
+        <p:nvSpPr>
+          <p:cNvPr id="3" name="Content Placeholder 2">
+            <a:extLst>
+              <a:ext uri="{FF2B5EF4-FFF2-40B4-BE49-F238E27FC236}">
+                <a16:creationId xmlns:a16="http://schemas.microsoft.com/office/drawing/2014/main" id="{A8171726-2660-92E5-BED7-38802B1A79EB}"/>
+              </a:ext>
+            </a:extLst>
+          </p:cNvPr>
+          <p:cNvSpPr>
+            <a:spLocks noGrp="1"/>
+          </p:cNvSpPr>
+          <p:nvPr>
+            <p:ph idx="1"/>
+          </p:nvPr>
+        </p:nvSpPr>
+        <p:spPr/>
+        <p:txBody>
+          <a:bodyPr/>
+          <a:lstStyle/>
+          <a:p>
+            <a:r>
+              <a:rPr lang="en-IN" b="1" i="0" dirty="0">
+                <a:solidFill>
+                  <a:srgbClr val="273239"/>
+                </a:solidFill>
+                <a:effectLst/>
+                <a:highlight>
+                  <a:srgbClr val="FFFFFF"/>
+                </a:highlight>
+                <a:latin typeface="Nunito" pitchFamily="2" charset="0"/>
+              </a:rPr>
+              <a:t>Contract Acceptance Testing</a:t>
+            </a:r>
+          </a:p>
+          <a:p>
+            <a:r>
+              <a:rPr lang="en-US" b="0" i="0" dirty="0">
+                <a:solidFill>
+                  <a:srgbClr val="273239"/>
+                </a:solidFill>
+                <a:effectLst/>
+                <a:highlight>
+                  <a:srgbClr val="FFFFFF"/>
+                </a:highlight>
+                <a:latin typeface="Nunito" pitchFamily="2" charset="0"/>
+              </a:rPr>
+              <a:t>Contract Acceptance Testing refers to the process of testing developed software against predefined and agreed-upon criteria and specifications. </a:t>
+            </a:r>
+          </a:p>
+          <a:p>
+            <a:r>
+              <a:rPr lang="en-IN" b="1" i="0" dirty="0">
+                <a:solidFill>
+                  <a:srgbClr val="273239"/>
+                </a:solidFill>
+                <a:effectLst/>
+                <a:highlight>
+                  <a:srgbClr val="FFFFFF"/>
+                </a:highlight>
+                <a:latin typeface="Nunito" pitchFamily="2" charset="0"/>
+              </a:rPr>
+              <a:t> Regulation Acceptance Testing</a:t>
+            </a:r>
+          </a:p>
+          <a:p>
+            <a:pPr marL="0" indent="0" algn="l" fontAlgn="base">
+              <a:buNone/>
+            </a:pPr>
+            <a:r>
+              <a:rPr lang="en-US" b="0" i="0" dirty="0">
+                <a:solidFill>
+                  <a:srgbClr val="273239"/>
+                </a:solidFill>
+                <a:effectLst/>
+                <a:highlight>
+                  <a:srgbClr val="FFFFFF"/>
+                </a:highlight>
+                <a:latin typeface="Nunito" pitchFamily="2" charset="0"/>
+              </a:rPr>
+              <a:t>Regulation AT is generally called Compliance AT.</a:t>
+            </a:r>
+          </a:p>
+          <a:p>
+            <a:pPr marL="0" indent="0" algn="l" fontAlgn="base">
+              <a:buNone/>
+            </a:pPr>
+            <a:r>
+              <a:rPr lang="en-US" b="0" i="0" dirty="0">
+                <a:solidFill>
+                  <a:srgbClr val="273239"/>
+                </a:solidFill>
+                <a:effectLst/>
+                <a:highlight>
+                  <a:srgbClr val="FFFFFF"/>
+                </a:highlight>
+                <a:latin typeface="Nunito" pitchFamily="2" charset="0"/>
+              </a:rPr>
+              <a:t>This sort of affirmation testing is done to guarantee the thing dismisses no rules and rules that are set by the regulating associations of the particular country where the thing is being conveyed. </a:t>
+            </a:r>
+          </a:p>
+          <a:p>
+            <a:endParaRPr lang="en-IN" dirty="0"/>
+          </a:p>
+        </p:txBody>
+      </p:sp>
+    </p:spTree>
+    <p:extLst>
+      <p:ext uri="{BB962C8B-B14F-4D97-AF65-F5344CB8AC3E}">
+        <p14:creationId xmlns:p14="http://schemas.microsoft.com/office/powerpoint/2010/main" val="2035212309"/>
+      </p:ext>
+    </p:extLst>
+  </p:cSld>
+  <p:clrMapOvr>
+    <a:masterClrMapping/>
+  </p:clrMapOvr>
+</p:sld>
+</file>
+
+<file path=ppt/slides/slide75.xml><?xml version="1.0" encoding="utf-8"?>
+<p:sld xmlns:a="http://schemas.openxmlformats.org/drawingml/2006/main" xmlns:r="http://schemas.openxmlformats.org/officeDocument/2006/relationships" xmlns:p="http://schemas.openxmlformats.org/presentationml/2006/main">
+  <p:cSld>
+    <p:spTree>
+      <p:nvGrpSpPr>
+        <p:cNvPr id="1" name=""/>
+        <p:cNvGrpSpPr/>
+        <p:nvPr/>
+      </p:nvGrpSpPr>
+      <p:grpSpPr>
+        <a:xfrm>
+          <a:off x="0" y="0"/>
+          <a:ext cx="0" cy="0"/>
+          <a:chOff x="0" y="0"/>
+          <a:chExt cx="0" cy="0"/>
+        </a:xfrm>
+      </p:grpSpPr>
+      <p:sp>
+        <p:nvSpPr>
+          <p:cNvPr id="2" name="Title 1">
+            <a:extLst>
+              <a:ext uri="{FF2B5EF4-FFF2-40B4-BE49-F238E27FC236}">
+                <a16:creationId xmlns:a16="http://schemas.microsoft.com/office/drawing/2014/main" id="{F47B947B-62EC-894F-4DFB-10BB07F58F11}"/>
+              </a:ext>
+            </a:extLst>
+          </p:cNvPr>
+          <p:cNvSpPr>
+            <a:spLocks noGrp="1"/>
+          </p:cNvSpPr>
+          <p:nvPr>
+            <p:ph type="title"/>
+          </p:nvPr>
+        </p:nvSpPr>
+        <p:spPr/>
+        <p:txBody>
+          <a:bodyPr/>
+          <a:lstStyle/>
+          <a:p>
+            <a:r>
+              <a:rPr lang="en-IN" dirty="0"/>
+              <a:t>Compatibility testing</a:t>
+            </a:r>
+          </a:p>
+        </p:txBody>
+      </p:sp>
+      <p:sp>
+        <p:nvSpPr>
+          <p:cNvPr id="3" name="Content Placeholder 2">
+            <a:extLst>
+              <a:ext uri="{FF2B5EF4-FFF2-40B4-BE49-F238E27FC236}">
+                <a16:creationId xmlns:a16="http://schemas.microsoft.com/office/drawing/2014/main" id="{F06DC801-2F85-DDDC-0266-BAB46C1132C5}"/>
+              </a:ext>
+            </a:extLst>
+          </p:cNvPr>
+          <p:cNvSpPr>
+            <a:spLocks noGrp="1"/>
+          </p:cNvSpPr>
+          <p:nvPr>
+            <p:ph idx="1"/>
+          </p:nvPr>
+        </p:nvSpPr>
+        <p:spPr/>
+        <p:txBody>
+          <a:bodyPr/>
+          <a:lstStyle/>
+          <a:p>
+            <a:r>
+              <a:rPr lang="en-US" b="0" i="0" dirty="0">
+                <a:solidFill>
+                  <a:srgbClr val="333333"/>
+                </a:solidFill>
+                <a:effectLst/>
+                <a:highlight>
+                  <a:srgbClr val="F9F9F9"/>
+                </a:highlight>
+                <a:latin typeface="Cambria" panose="02040503050406030204" pitchFamily="18" charset="0"/>
+              </a:rPr>
+              <a:t>Checking the functionality of an application on different software, hardware platforms, network, and browsers is known as compatibility testing.</a:t>
+            </a:r>
+          </a:p>
+          <a:p>
+            <a:endParaRPr lang="en-US" dirty="0">
+              <a:solidFill>
+                <a:srgbClr val="333333"/>
+              </a:solidFill>
+              <a:highlight>
+                <a:srgbClr val="F9F9F9"/>
+              </a:highlight>
+              <a:latin typeface="Cambria" panose="02040503050406030204" pitchFamily="18" charset="0"/>
+            </a:endParaRPr>
+          </a:p>
+          <a:p>
+            <a:r>
+              <a:rPr lang="en-US" dirty="0">
+                <a:solidFill>
+                  <a:srgbClr val="333333"/>
+                </a:solidFill>
+                <a:highlight>
+                  <a:srgbClr val="F9F9F9"/>
+                </a:highlight>
+                <a:latin typeface="Cambria" panose="02040503050406030204" pitchFamily="18" charset="0"/>
+              </a:rPr>
+              <a:t>Types of </a:t>
+            </a:r>
+            <a:r>
+              <a:rPr lang="en-IN" dirty="0"/>
+              <a:t>Compatibility testing</a:t>
+            </a:r>
+          </a:p>
+          <a:p>
+            <a:pPr algn="just">
+              <a:buFont typeface="Arial" panose="020B0604020202020204" pitchFamily="34" charset="0"/>
+              <a:buChar char="•"/>
+            </a:pPr>
+            <a:r>
+              <a:rPr lang="en-IN" b="1" i="0" dirty="0">
+                <a:solidFill>
+                  <a:srgbClr val="000000"/>
+                </a:solidFill>
+                <a:effectLst/>
+                <a:highlight>
+                  <a:srgbClr val="FFFFFF"/>
+                </a:highlight>
+                <a:latin typeface="inter-bold"/>
+              </a:rPr>
+              <a:t>Software</a:t>
+            </a:r>
+            <a:endParaRPr lang="en-IN" b="0" i="0" dirty="0">
+              <a:solidFill>
+                <a:srgbClr val="000000"/>
+              </a:solidFill>
+              <a:effectLst/>
+              <a:highlight>
+                <a:srgbClr val="FFFFFF"/>
+              </a:highlight>
+              <a:latin typeface="inter-regular"/>
+            </a:endParaRPr>
+          </a:p>
+          <a:p>
+            <a:pPr algn="just">
+              <a:buFont typeface="Arial" panose="020B0604020202020204" pitchFamily="34" charset="0"/>
+              <a:buChar char="•"/>
+            </a:pPr>
+            <a:r>
+              <a:rPr lang="en-IN" b="1" i="0" dirty="0">
+                <a:solidFill>
+                  <a:srgbClr val="000000"/>
+                </a:solidFill>
+                <a:effectLst/>
+                <a:highlight>
+                  <a:srgbClr val="FFFFFF"/>
+                </a:highlight>
+                <a:latin typeface="inter-bold"/>
+              </a:rPr>
+              <a:t>Hardware</a:t>
+            </a:r>
+            <a:endParaRPr lang="en-IN" b="0" i="0" dirty="0">
+              <a:solidFill>
+                <a:srgbClr val="000000"/>
+              </a:solidFill>
+              <a:effectLst/>
+              <a:highlight>
+                <a:srgbClr val="FFFFFF"/>
+              </a:highlight>
+              <a:latin typeface="inter-regular"/>
+            </a:endParaRPr>
+          </a:p>
+          <a:p>
+            <a:pPr algn="just">
+              <a:buFont typeface="Arial" panose="020B0604020202020204" pitchFamily="34" charset="0"/>
+              <a:buChar char="•"/>
+            </a:pPr>
+            <a:r>
+              <a:rPr lang="en-IN" b="1" i="0" dirty="0">
+                <a:solidFill>
+                  <a:srgbClr val="000000"/>
+                </a:solidFill>
+                <a:effectLst/>
+                <a:highlight>
+                  <a:srgbClr val="FFFFFF"/>
+                </a:highlight>
+                <a:latin typeface="inter-bold"/>
+              </a:rPr>
+              <a:t>Network</a:t>
+            </a:r>
+            <a:endParaRPr lang="en-IN" b="0" i="0" dirty="0">
+              <a:solidFill>
+                <a:srgbClr val="000000"/>
+              </a:solidFill>
+              <a:effectLst/>
+              <a:highlight>
+                <a:srgbClr val="FFFFFF"/>
+              </a:highlight>
+              <a:latin typeface="inter-regular"/>
+            </a:endParaRPr>
+          </a:p>
+          <a:p>
+            <a:pPr algn="just">
+              <a:buFont typeface="Arial" panose="020B0604020202020204" pitchFamily="34" charset="0"/>
+              <a:buChar char="•"/>
+            </a:pPr>
+            <a:r>
+              <a:rPr lang="en-IN" b="1" i="0" dirty="0">
+                <a:solidFill>
+                  <a:srgbClr val="000000"/>
+                </a:solidFill>
+                <a:effectLst/>
+                <a:highlight>
+                  <a:srgbClr val="FFFFFF"/>
+                </a:highlight>
+                <a:latin typeface="inter-bold"/>
+              </a:rPr>
+              <a:t>Mobile</a:t>
+            </a:r>
+            <a:endParaRPr lang="en-IN" b="0" i="0" dirty="0">
+              <a:solidFill>
+                <a:srgbClr val="000000"/>
+              </a:solidFill>
+              <a:effectLst/>
+              <a:highlight>
+                <a:srgbClr val="FFFFFF"/>
+              </a:highlight>
+              <a:latin typeface="inter-regular"/>
+            </a:endParaRPr>
+          </a:p>
+          <a:p>
+            <a:endParaRPr lang="en-IN" dirty="0"/>
+          </a:p>
+        </p:txBody>
+      </p:sp>
+    </p:spTree>
+    <p:extLst>
+      <p:ext uri="{BB962C8B-B14F-4D97-AF65-F5344CB8AC3E}">
+        <p14:creationId xmlns:p14="http://schemas.microsoft.com/office/powerpoint/2010/main" val="2105720207"/>
+      </p:ext>
+    </p:extLst>
+  </p:cSld>
+  <p:clrMapOvr>
+    <a:masterClrMapping/>
+  </p:clrMapOvr>
+</p:sld>
+</file>
+
+<file path=ppt/slides/slide76.xml><?xml version="1.0" encoding="utf-8"?>
+<p:sld xmlns:a="http://schemas.openxmlformats.org/drawingml/2006/main" xmlns:r="http://schemas.openxmlformats.org/officeDocument/2006/relationships" xmlns:p="http://schemas.openxmlformats.org/presentationml/2006/main">
+  <p:cSld>
+    <p:spTree>
+      <p:nvGrpSpPr>
+        <p:cNvPr id="1" name=""/>
+        <p:cNvGrpSpPr/>
+        <p:nvPr/>
+      </p:nvGrpSpPr>
+      <p:grpSpPr>
+        <a:xfrm>
+          <a:off x="0" y="0"/>
+          <a:ext cx="0" cy="0"/>
+          <a:chOff x="0" y="0"/>
+          <a:chExt cx="0" cy="0"/>
+        </a:xfrm>
+      </p:grpSpPr>
+      <p:sp>
+        <p:nvSpPr>
+          <p:cNvPr id="2" name="Title 1">
+            <a:extLst>
+              <a:ext uri="{FF2B5EF4-FFF2-40B4-BE49-F238E27FC236}">
+                <a16:creationId xmlns:a16="http://schemas.microsoft.com/office/drawing/2014/main" id="{53484D4E-46BB-0429-84A0-94263A0F2E73}"/>
+              </a:ext>
+            </a:extLst>
+          </p:cNvPr>
+          <p:cNvSpPr>
+            <a:spLocks noGrp="1"/>
+          </p:cNvSpPr>
+          <p:nvPr>
+            <p:ph type="title"/>
+          </p:nvPr>
+        </p:nvSpPr>
+        <p:spPr/>
+        <p:txBody>
+          <a:bodyPr/>
+          <a:lstStyle/>
+          <a:p>
+            <a:r>
+              <a:rPr lang="en-IN" dirty="0"/>
+              <a:t>Compatibility testing process</a:t>
+            </a:r>
+          </a:p>
+        </p:txBody>
+      </p:sp>
+      <p:pic>
+        <p:nvPicPr>
+          <p:cNvPr id="5" name="Content Placeholder 4">
+            <a:extLst>
+              <a:ext uri="{FF2B5EF4-FFF2-40B4-BE49-F238E27FC236}">
+                <a16:creationId xmlns:a16="http://schemas.microsoft.com/office/drawing/2014/main" id="{A9214E0E-B2FD-9C7C-68BD-522B6D80A69E}"/>
+              </a:ext>
+            </a:extLst>
+          </p:cNvPr>
+          <p:cNvPicPr>
+            <a:picLocks noGrp="1" noChangeAspect="1"/>
+          </p:cNvPicPr>
+          <p:nvPr>
+            <p:ph idx="1"/>
+          </p:nvPr>
+        </p:nvPicPr>
+        <p:blipFill>
+          <a:blip r:embed="rId2"/>
+          <a:stretch>
+            <a:fillRect/>
+          </a:stretch>
+        </p:blipFill>
+        <p:spPr>
+          <a:xfrm>
+            <a:off x="1698170" y="1872344"/>
+            <a:ext cx="9873343" cy="4778828"/>
+          </a:xfrm>
+        </p:spPr>
+      </p:pic>
+    </p:spTree>
+    <p:extLst>
+      <p:ext uri="{BB962C8B-B14F-4D97-AF65-F5344CB8AC3E}">
+        <p14:creationId xmlns:p14="http://schemas.microsoft.com/office/powerpoint/2010/main" val="2237910707"/>
+      </p:ext>
+    </p:extLst>
+  </p:cSld>
+  <p:clrMapOvr>
+    <a:masterClrMapping/>
+  </p:clrMapOvr>
+</p:sld>
+</file>
+
+<file path=ppt/slides/slide77.xml><?xml version="1.0" encoding="utf-8"?>
+<p:sld xmlns:a="http://schemas.openxmlformats.org/drawingml/2006/main" xmlns:r="http://schemas.openxmlformats.org/officeDocument/2006/relationships" xmlns:p="http://schemas.openxmlformats.org/presentationml/2006/main">
+  <p:cSld>
+    <p:spTree>
+      <p:nvGrpSpPr>
+        <p:cNvPr id="1" name=""/>
+        <p:cNvGrpSpPr/>
+        <p:nvPr/>
+      </p:nvGrpSpPr>
+      <p:grpSpPr>
+        <a:xfrm>
+          <a:off x="0" y="0"/>
+          <a:ext cx="0" cy="0"/>
+          <a:chOff x="0" y="0"/>
+          <a:chExt cx="0" cy="0"/>
+        </a:xfrm>
+      </p:grpSpPr>
+      <p:sp>
+        <p:nvSpPr>
+          <p:cNvPr id="2" name="Title 1">
+            <a:extLst>
+              <a:ext uri="{FF2B5EF4-FFF2-40B4-BE49-F238E27FC236}">
+                <a16:creationId xmlns:a16="http://schemas.microsoft.com/office/drawing/2014/main" id="{DC64F8BE-6175-B9EF-8DD9-52B44D9ADA49}"/>
+              </a:ext>
+            </a:extLst>
+          </p:cNvPr>
+          <p:cNvSpPr>
+            <a:spLocks noGrp="1"/>
+          </p:cNvSpPr>
+          <p:nvPr>
+            <p:ph type="title"/>
+          </p:nvPr>
+        </p:nvSpPr>
+        <p:spPr/>
+        <p:txBody>
+          <a:bodyPr/>
+          <a:lstStyle/>
+          <a:p>
+            <a:r>
+              <a:rPr lang="en-IN" dirty="0"/>
+              <a:t>Ui /</a:t>
+            </a:r>
+            <a:r>
+              <a:rPr lang="en-IN" dirty="0" err="1"/>
+              <a:t>ux</a:t>
+            </a:r>
+            <a:r>
+              <a:rPr lang="en-IN" dirty="0"/>
+              <a:t> testing</a:t>
+            </a:r>
+          </a:p>
+        </p:txBody>
+      </p:sp>
+      <p:sp>
+        <p:nvSpPr>
+          <p:cNvPr id="3" name="Content Placeholder 2">
+            <a:extLst>
+              <a:ext uri="{FF2B5EF4-FFF2-40B4-BE49-F238E27FC236}">
+                <a16:creationId xmlns:a16="http://schemas.microsoft.com/office/drawing/2014/main" id="{719427B7-AEA0-5814-30B6-97453098A474}"/>
+              </a:ext>
+            </a:extLst>
+          </p:cNvPr>
+          <p:cNvSpPr>
+            <a:spLocks noGrp="1"/>
+          </p:cNvSpPr>
+          <p:nvPr>
+            <p:ph idx="1"/>
+          </p:nvPr>
+        </p:nvSpPr>
+        <p:spPr>
+          <a:xfrm>
+            <a:off x="1024128" y="2286000"/>
+            <a:ext cx="9720073" cy="4713514"/>
+          </a:xfrm>
+        </p:spPr>
+        <p:txBody>
+          <a:bodyPr/>
+          <a:lstStyle/>
+          <a:p>
+            <a:r>
+              <a:rPr lang="en-US" b="0" i="0" dirty="0">
+                <a:solidFill>
+                  <a:srgbClr val="000000"/>
+                </a:solidFill>
+                <a:effectLst/>
+                <a:highlight>
+                  <a:srgbClr val="FFFFFF"/>
+                </a:highlight>
+                <a:latin typeface="Inter"/>
+              </a:rPr>
+              <a:t>UI/UX testing is the process of verifying the functionalities of the user interface (UI) and keeping the user experience (UX) in check. It helps explore critical bugs that can quickly magnify and may hinder performing basic operations on a web application. </a:t>
+            </a:r>
+          </a:p>
+          <a:p>
+            <a:r>
+              <a:rPr lang="en-US" dirty="0">
+                <a:solidFill>
+                  <a:srgbClr val="000000"/>
+                </a:solidFill>
+                <a:highlight>
+                  <a:srgbClr val="FFFFFF"/>
+                </a:highlight>
+                <a:latin typeface="Inter"/>
+              </a:rPr>
+              <a:t>Requirements for a Good UI/UX</a:t>
+            </a:r>
+          </a:p>
+          <a:p>
+            <a:r>
+              <a:rPr lang="en-IN" b="1" dirty="0">
+                <a:solidFill>
+                  <a:srgbClr val="000000"/>
+                </a:solidFill>
+                <a:effectLst/>
+                <a:highlight>
+                  <a:srgbClr val="FFFFFF"/>
+                </a:highlight>
+                <a:latin typeface="PT Sans" panose="020F0502020204030204" pitchFamily="34" charset="0"/>
+              </a:rPr>
+              <a:t>Accessibility</a:t>
+            </a:r>
+          </a:p>
+          <a:p>
+            <a:r>
+              <a:rPr lang="en-IN" b="1" dirty="0">
+                <a:solidFill>
+                  <a:srgbClr val="000000"/>
+                </a:solidFill>
+                <a:effectLst/>
+                <a:highlight>
+                  <a:srgbClr val="FFFFFF"/>
+                </a:highlight>
+                <a:latin typeface="PT Sans" panose="020B0503020203020204" pitchFamily="34" charset="0"/>
+              </a:rPr>
+              <a:t>Perceivability</a:t>
+            </a:r>
+          </a:p>
+          <a:p>
+            <a:r>
+              <a:rPr lang="en-IN" b="1" dirty="0">
+                <a:solidFill>
+                  <a:srgbClr val="000000"/>
+                </a:solidFill>
+                <a:effectLst/>
+                <a:highlight>
+                  <a:srgbClr val="FFFFFF"/>
+                </a:highlight>
+                <a:latin typeface="PT Sans" panose="020B0503020203020204" pitchFamily="34" charset="0"/>
+              </a:rPr>
+              <a:t>Operability</a:t>
+            </a:r>
+          </a:p>
+          <a:p>
+            <a:r>
+              <a:rPr lang="en-IN" b="1" dirty="0">
+                <a:solidFill>
+                  <a:srgbClr val="000000"/>
+                </a:solidFill>
+                <a:effectLst/>
+                <a:highlight>
+                  <a:srgbClr val="FFFFFF"/>
+                </a:highlight>
+                <a:latin typeface="PT Sans" panose="020B0503020203020204" pitchFamily="34" charset="0"/>
+              </a:rPr>
+              <a:t>Ease of Navigation</a:t>
+            </a:r>
+          </a:p>
+          <a:p>
+            <a:r>
+              <a:rPr lang="en-IN" b="1" dirty="0">
+                <a:solidFill>
+                  <a:srgbClr val="000000"/>
+                </a:solidFill>
+                <a:effectLst/>
+                <a:highlight>
+                  <a:srgbClr val="FFFFFF"/>
+                </a:highlight>
+                <a:latin typeface="PT Sans" panose="020B0503020203020204" pitchFamily="34" charset="0"/>
+              </a:rPr>
+              <a:t>High Performance</a:t>
+            </a:r>
+          </a:p>
+          <a:p>
+            <a:r>
+              <a:rPr lang="en-IN" b="1" dirty="0">
+                <a:solidFill>
+                  <a:srgbClr val="000000"/>
+                </a:solidFill>
+                <a:effectLst/>
+                <a:highlight>
+                  <a:srgbClr val="FFFFFF"/>
+                </a:highlight>
+                <a:latin typeface="PT Sans" panose="020B0503020203020204" pitchFamily="34" charset="0"/>
+              </a:rPr>
+              <a:t>Understandable Interface</a:t>
+            </a:r>
+          </a:p>
+          <a:p>
+            <a:endParaRPr lang="en-IN" b="1" dirty="0">
+              <a:solidFill>
+                <a:srgbClr val="000000"/>
+              </a:solidFill>
+              <a:effectLst/>
+              <a:highlight>
+                <a:srgbClr val="FFFFFF"/>
+              </a:highlight>
+              <a:latin typeface="PT Sans" panose="020B0503020203020204" pitchFamily="34" charset="0"/>
+            </a:endParaRPr>
+          </a:p>
+          <a:p>
+            <a:endParaRPr lang="en-IN" dirty="0"/>
+          </a:p>
+        </p:txBody>
+      </p:sp>
+    </p:spTree>
+    <p:extLst>
+      <p:ext uri="{BB962C8B-B14F-4D97-AF65-F5344CB8AC3E}">
+        <p14:creationId xmlns:p14="http://schemas.microsoft.com/office/powerpoint/2010/main" val="1455431319"/>
+      </p:ext>
+    </p:extLst>
+  </p:cSld>
+  <p:clrMapOvr>
+    <a:masterClrMapping/>
+  </p:clrMapOvr>
+</p:sld>
+</file>
+
+<file path=ppt/slides/slide78.xml><?xml version="1.0" encoding="utf-8"?>
+<p:sld xmlns:a="http://schemas.openxmlformats.org/drawingml/2006/main" xmlns:r="http://schemas.openxmlformats.org/officeDocument/2006/relationships" xmlns:p="http://schemas.openxmlformats.org/presentationml/2006/main">
+  <p:cSld>
+    <p:spTree>
+      <p:nvGrpSpPr>
+        <p:cNvPr id="1" name=""/>
+        <p:cNvGrpSpPr/>
+        <p:nvPr/>
+      </p:nvGrpSpPr>
+      <p:grpSpPr>
+        <a:xfrm>
+          <a:off x="0" y="0"/>
+          <a:ext cx="0" cy="0"/>
+          <a:chOff x="0" y="0"/>
+          <a:chExt cx="0" cy="0"/>
+        </a:xfrm>
+      </p:grpSpPr>
+      <p:sp>
+        <p:nvSpPr>
+          <p:cNvPr id="2" name="Title 1">
+            <a:extLst>
+              <a:ext uri="{FF2B5EF4-FFF2-40B4-BE49-F238E27FC236}">
+                <a16:creationId xmlns:a16="http://schemas.microsoft.com/office/drawing/2014/main" id="{9289F1A4-EB63-4368-C570-FB611D7E5B89}"/>
+              </a:ext>
+            </a:extLst>
+          </p:cNvPr>
+          <p:cNvSpPr>
+            <a:spLocks noGrp="1"/>
+          </p:cNvSpPr>
+          <p:nvPr>
+            <p:ph type="title"/>
+          </p:nvPr>
+        </p:nvSpPr>
+        <p:spPr/>
+        <p:txBody>
+          <a:bodyPr/>
+          <a:lstStyle/>
+          <a:p>
+            <a:r>
+              <a:rPr lang="en-IN" dirty="0"/>
+              <a:t>G11n, I18N,T9N and L10N Testing</a:t>
+            </a:r>
+          </a:p>
+        </p:txBody>
+      </p:sp>
+      <p:sp>
+        <p:nvSpPr>
+          <p:cNvPr id="3" name="Content Placeholder 2">
+            <a:extLst>
+              <a:ext uri="{FF2B5EF4-FFF2-40B4-BE49-F238E27FC236}">
+                <a16:creationId xmlns:a16="http://schemas.microsoft.com/office/drawing/2014/main" id="{695277E6-E06E-4230-1EF7-0BB7BB58A022}"/>
+              </a:ext>
+            </a:extLst>
+          </p:cNvPr>
+          <p:cNvSpPr>
+            <a:spLocks noGrp="1"/>
+          </p:cNvSpPr>
+          <p:nvPr>
+            <p:ph idx="1"/>
+          </p:nvPr>
+        </p:nvSpPr>
+        <p:spPr/>
+        <p:txBody>
+          <a:bodyPr>
+            <a:normAutofit fontScale="92500"/>
+          </a:bodyPr>
+          <a:lstStyle/>
+          <a:p>
+            <a:r>
+              <a:rPr lang="en-US" b="1" i="0" dirty="0">
+                <a:effectLst/>
+                <a:highlight>
+                  <a:srgbClr val="FFFFFF"/>
+                </a:highlight>
+                <a:latin typeface="-apple-system"/>
+              </a:rPr>
+              <a:t>Globalization </a:t>
+            </a:r>
+            <a:r>
+              <a:rPr lang="en-US" b="0" i="0" dirty="0">
+                <a:effectLst/>
+                <a:highlight>
+                  <a:srgbClr val="FFFFFF"/>
+                </a:highlight>
+                <a:latin typeface="-apple-system"/>
+              </a:rPr>
+              <a:t>– Globalization(G11N) consists internationalization, translation and localization. In order to take your product to global market and reach wider audience across globe it is important that you also provide your product into different locales. Many product based companies have been very actively globalizing their product. Product in regional language attracts more number of customer, Globalization makes it easier for people to use product in their regional language.</a:t>
+            </a:r>
+          </a:p>
+          <a:p>
+            <a:endParaRPr lang="en-US" dirty="0">
+              <a:highlight>
+                <a:srgbClr val="FFFFFF"/>
+              </a:highlight>
+              <a:latin typeface="-apple-system"/>
+            </a:endParaRPr>
+          </a:p>
+          <a:p>
+            <a:r>
+              <a:rPr lang="en-US" b="1" i="0" dirty="0">
+                <a:effectLst/>
+                <a:highlight>
+                  <a:srgbClr val="FFFFFF"/>
+                </a:highlight>
+                <a:latin typeface="-apple-system"/>
+              </a:rPr>
+              <a:t>Internalization(I18N)</a:t>
+            </a:r>
+            <a:r>
+              <a:rPr lang="en-US" b="0" i="0" dirty="0">
+                <a:effectLst/>
+                <a:highlight>
+                  <a:srgbClr val="FFFFFF"/>
+                </a:highlight>
+                <a:latin typeface="-apple-system"/>
+              </a:rPr>
+              <a:t>is a process of developing your source code according to international languages. For ex: There is different currency sign, date month year format used across world hence these fields should not be hard coded and flexible according to locales having said that while writing source code it should always be considered that this product will not only be used in English but it will be used by different locales and develop product accordingly.</a:t>
+            </a:r>
+            <a:endParaRPr lang="en-IN" dirty="0"/>
+          </a:p>
+        </p:txBody>
+      </p:sp>
+    </p:spTree>
+    <p:extLst>
+      <p:ext uri="{BB962C8B-B14F-4D97-AF65-F5344CB8AC3E}">
+        <p14:creationId xmlns:p14="http://schemas.microsoft.com/office/powerpoint/2010/main" val="2155146070"/>
+      </p:ext>
+    </p:extLst>
+  </p:cSld>
+  <p:clrMapOvr>
+    <a:masterClrMapping/>
+  </p:clrMapOvr>
+</p:sld>
+</file>
+
+<file path=ppt/slides/slide79.xml><?xml version="1.0" encoding="utf-8"?>
+<p:sld xmlns:a="http://schemas.openxmlformats.org/drawingml/2006/main" xmlns:r="http://schemas.openxmlformats.org/officeDocument/2006/relationships" xmlns:p="http://schemas.openxmlformats.org/presentationml/2006/main">
+  <p:cSld>
+    <p:spTree>
+      <p:nvGrpSpPr>
+        <p:cNvPr id="1" name=""/>
+        <p:cNvGrpSpPr/>
+        <p:nvPr/>
+      </p:nvGrpSpPr>
+      <p:grpSpPr>
+        <a:xfrm>
+          <a:off x="0" y="0"/>
+          <a:ext cx="0" cy="0"/>
+          <a:chOff x="0" y="0"/>
+          <a:chExt cx="0" cy="0"/>
+        </a:xfrm>
+      </p:grpSpPr>
+      <p:sp>
+        <p:nvSpPr>
+          <p:cNvPr id="2" name="Title 1">
+            <a:extLst>
+              <a:ext uri="{FF2B5EF4-FFF2-40B4-BE49-F238E27FC236}">
+                <a16:creationId xmlns:a16="http://schemas.microsoft.com/office/drawing/2014/main" id="{42D122C4-FC3A-D2BD-8F90-8062A68EACAF}"/>
+              </a:ext>
+            </a:extLst>
+          </p:cNvPr>
+          <p:cNvSpPr>
+            <a:spLocks noGrp="1"/>
+          </p:cNvSpPr>
+          <p:nvPr>
+            <p:ph type="title"/>
+          </p:nvPr>
+        </p:nvSpPr>
+        <p:spPr/>
+        <p:txBody>
+          <a:bodyPr/>
+          <a:lstStyle/>
+          <a:p>
+            <a:r>
+              <a:rPr lang="en-IN" dirty="0"/>
+              <a:t>G11n, I18N,T9N and L10N Testing</a:t>
+            </a:r>
+          </a:p>
+        </p:txBody>
+      </p:sp>
+      <p:sp>
+        <p:nvSpPr>
+          <p:cNvPr id="3" name="Content Placeholder 2">
+            <a:extLst>
+              <a:ext uri="{FF2B5EF4-FFF2-40B4-BE49-F238E27FC236}">
+                <a16:creationId xmlns:a16="http://schemas.microsoft.com/office/drawing/2014/main" id="{36910BE3-784F-BA5A-A88E-A4468775D9B9}"/>
+              </a:ext>
+            </a:extLst>
+          </p:cNvPr>
+          <p:cNvSpPr>
+            <a:spLocks noGrp="1"/>
+          </p:cNvSpPr>
+          <p:nvPr>
+            <p:ph idx="1"/>
+          </p:nvPr>
+        </p:nvSpPr>
+        <p:spPr/>
+        <p:txBody>
+          <a:bodyPr>
+            <a:normAutofit fontScale="92500" lnSpcReduction="10000"/>
+          </a:bodyPr>
+          <a:lstStyle/>
+          <a:p>
+            <a:r>
+              <a:rPr lang="en-US" b="1" i="0" dirty="0">
+                <a:effectLst/>
+                <a:highlight>
+                  <a:srgbClr val="FFFFFF"/>
+                </a:highlight>
+                <a:latin typeface="-apple-system"/>
+              </a:rPr>
+              <a:t>Localization(L10N) – </a:t>
+            </a:r>
+            <a:r>
+              <a:rPr lang="en-US" b="0" i="0" dirty="0">
+                <a:effectLst/>
+                <a:highlight>
+                  <a:srgbClr val="FFFFFF"/>
+                </a:highlight>
+                <a:latin typeface="-apple-system"/>
+              </a:rPr>
+              <a:t>A process of integrating translation back into source code or original file format and create final output. Localization also includes converting content according to geographical adaptability. For example any document which has polar bear in it and if document to be release in Arab then it make more sense to have Camel in it instead of Polar bear.</a:t>
+            </a:r>
+          </a:p>
+          <a:p>
+            <a:pPr algn="l" fontAlgn="auto"/>
+            <a:r>
+              <a:rPr lang="en-US" b="1" i="0" dirty="0">
+                <a:effectLst/>
+                <a:highlight>
+                  <a:srgbClr val="FFFFFF"/>
+                </a:highlight>
+                <a:latin typeface="var(--artdeco-reset-typography-font-family-sans)"/>
+              </a:rPr>
+              <a:t>Translation(T9N): </a:t>
+            </a:r>
+            <a:r>
+              <a:rPr lang="en-US" b="0" i="0" dirty="0">
+                <a:effectLst/>
+                <a:highlight>
+                  <a:srgbClr val="FFFFFF"/>
+                </a:highlight>
+                <a:latin typeface="-apple-system"/>
+              </a:rPr>
+              <a:t>The process of translating text from one language into another.</a:t>
+            </a:r>
+          </a:p>
+          <a:p>
+            <a:pPr algn="l" fontAlgn="auto"/>
+            <a:r>
+              <a:rPr lang="en-US" b="0" i="0" dirty="0">
+                <a:effectLst/>
+                <a:highlight>
+                  <a:srgbClr val="FFFFFF"/>
+                </a:highlight>
+                <a:latin typeface="-apple-system"/>
+              </a:rPr>
+              <a:t>Some key elements of translation are:</a:t>
+            </a:r>
+          </a:p>
+          <a:p>
+            <a:pPr algn="l" fontAlgn="auto"/>
+            <a:r>
+              <a:rPr lang="en-US" i="0" dirty="0">
+                <a:effectLst/>
+                <a:highlight>
+                  <a:srgbClr val="FFFFFF"/>
+                </a:highlight>
+                <a:latin typeface="var(--artdeco-reset-typography-font-family-sans)"/>
+              </a:rPr>
+              <a:t>Translation Memory (TM)</a:t>
+            </a:r>
+            <a:r>
+              <a:rPr lang="en-US" i="0" dirty="0">
+                <a:effectLst/>
+                <a:highlight>
+                  <a:srgbClr val="FFFFFF"/>
+                </a:highlight>
+                <a:latin typeface="-apple-system"/>
+              </a:rPr>
+              <a:t>– </a:t>
+            </a:r>
+            <a:r>
+              <a:rPr lang="en-US" b="0" i="0" dirty="0">
+                <a:effectLst/>
+                <a:highlight>
+                  <a:srgbClr val="FFFFFF"/>
+                </a:highlight>
+                <a:latin typeface="-apple-system"/>
+              </a:rPr>
+              <a:t>Translation memory is simply a database of previous translations. Each time a new string is translated, the source text (original language) and its target text (translation language) are paired together and added to the translation memory.</a:t>
+            </a:r>
+          </a:p>
+          <a:p>
+            <a:pPr algn="l" fontAlgn="auto"/>
+            <a:r>
+              <a:rPr lang="en-US" b="0" i="0" dirty="0">
+                <a:effectLst/>
+                <a:highlight>
+                  <a:srgbClr val="FFFFFF"/>
+                </a:highlight>
+                <a:latin typeface="-apple-system"/>
+              </a:rPr>
+              <a:t>When a translator is presented with similar source text in the future, its target text pairing may be suggested. Translators can then pull translation memory matches to reduce redundant work and maintain linguistic consistency when completing future translations.</a:t>
+            </a:r>
+          </a:p>
+          <a:p>
+            <a:endParaRPr lang="en-IN" dirty="0"/>
+          </a:p>
+        </p:txBody>
+      </p:sp>
+    </p:spTree>
+    <p:extLst>
+      <p:ext uri="{BB962C8B-B14F-4D97-AF65-F5344CB8AC3E}">
+        <p14:creationId xmlns:p14="http://schemas.microsoft.com/office/powerpoint/2010/main" val="367288903"/>
       </p:ext>
     </p:extLst>
   </p:cSld>
